--- a/documents/Versus_Presentation.pptx
+++ b/documents/Versus_Presentation.pptx
@@ -5,7 +5,7 @@
     <p:sldMasterId id="2147483679" r:id="rId1"/>
   </p:sldMasterIdLst>
   <p:notesMasterIdLst>
-    <p:notesMasterId r:id="rId10"/>
+    <p:notesMasterId r:id="rId8"/>
   </p:notesMasterIdLst>
   <p:sldIdLst>
     <p:sldId id="256" r:id="rId2"/>
@@ -13,30 +13,28 @@
     <p:sldId id="265" r:id="rId4"/>
     <p:sldId id="266" r:id="rId5"/>
     <p:sldId id="268" r:id="rId6"/>
-    <p:sldId id="276" r:id="rId7"/>
-    <p:sldId id="282" r:id="rId8"/>
-    <p:sldId id="318" r:id="rId9"/>
+    <p:sldId id="318" r:id="rId7"/>
   </p:sldIdLst>
   <p:sldSz cx="9144000" cy="5143500" type="screen16x9"/>
   <p:notesSz cx="6858000" cy="9144000"/>
   <p:embeddedFontLst>
     <p:embeddedFont>
-      <p:font typeface="Raleway" panose="020B0604020202020204" charset="0"/>
-      <p:regular r:id="rId11"/>
-      <p:bold r:id="rId12"/>
-      <p:italic r:id="rId13"/>
-      <p:boldItalic r:id="rId14"/>
+      <p:font typeface="Roboto Slab Medium" panose="020B0604020202020204" charset="0"/>
+      <p:regular r:id="rId9"/>
     </p:embeddedFont>
     <p:embeddedFont>
-      <p:font typeface="Roboto Slab Medium" panose="020B0604020202020204" charset="0"/>
-      <p:regular r:id="rId15"/>
+      <p:font typeface="Raleway" panose="020B0604020202020204" charset="0"/>
+      <p:regular r:id="rId10"/>
+      <p:bold r:id="rId11"/>
+      <p:italic r:id="rId12"/>
+      <p:boldItalic r:id="rId13"/>
     </p:embeddedFont>
     <p:embeddedFont>
       <p:font typeface="Work Sans" panose="020B0604020202020204" charset="0"/>
-      <p:regular r:id="rId16"/>
-      <p:bold r:id="rId17"/>
-      <p:italic r:id="rId18"/>
-      <p:boldItalic r:id="rId19"/>
+      <p:regular r:id="rId14"/>
+      <p:bold r:id="rId15"/>
+      <p:italic r:id="rId16"/>
+      <p:boldItalic r:id="rId17"/>
     </p:embeddedFont>
   </p:embeddedFontLst>
   <p:defaultTextStyle>
@@ -1242,214 +1240,6 @@
   <p:cSld>
     <p:spTree>
       <p:nvGrpSpPr>
-        <p:cNvPr id="1" name="Shape 1027"/>
-        <p:cNvGrpSpPr/>
-        <p:nvPr/>
-      </p:nvGrpSpPr>
-      <p:grpSpPr>
-        <a:xfrm>
-          <a:off x="0" y="0"/>
-          <a:ext cx="0" cy="0"/>
-          <a:chOff x="0" y="0"/>
-          <a:chExt cx="0" cy="0"/>
-        </a:xfrm>
-      </p:grpSpPr>
-      <p:sp>
-        <p:nvSpPr>
-          <p:cNvPr id="1028" name="Google Shape;1028;g27679f4df56_0_43173:notes"/>
-          <p:cNvSpPr>
-            <a:spLocks noGrp="1" noRot="1" noChangeAspect="1"/>
-          </p:cNvSpPr>
-          <p:nvPr>
-            <p:ph type="sldImg" idx="2"/>
-          </p:nvPr>
-        </p:nvSpPr>
-        <p:spPr>
-          <a:xfrm>
-            <a:off x="381000" y="685800"/>
-            <a:ext cx="6096000" cy="3429000"/>
-          </a:xfrm>
-          <a:custGeom>
-            <a:avLst/>
-            <a:gdLst/>
-            <a:ahLst/>
-            <a:cxnLst/>
-            <a:rect l="l" t="t" r="r" b="b"/>
-            <a:pathLst>
-              <a:path w="120000" h="120000" extrusionOk="0">
-                <a:moveTo>
-                  <a:pt x="0" y="0"/>
-                </a:moveTo>
-                <a:lnTo>
-                  <a:pt x="120000" y="0"/>
-                </a:lnTo>
-                <a:lnTo>
-                  <a:pt x="120000" y="120000"/>
-                </a:lnTo>
-                <a:lnTo>
-                  <a:pt x="0" y="120000"/>
-                </a:lnTo>
-                <a:close/>
-              </a:path>
-            </a:pathLst>
-          </a:custGeom>
-        </p:spPr>
-      </p:sp>
-      <p:sp>
-        <p:nvSpPr>
-          <p:cNvPr id="1029" name="Google Shape;1029;g27679f4df56_0_43173:notes"/>
-          <p:cNvSpPr txBox="1">
-            <a:spLocks noGrp="1"/>
-          </p:cNvSpPr>
-          <p:nvPr>
-            <p:ph type="body" idx="1"/>
-          </p:nvPr>
-        </p:nvSpPr>
-        <p:spPr>
-          <a:xfrm>
-            <a:off x="685800" y="4343400"/>
-            <a:ext cx="5486400" cy="4114800"/>
-          </a:xfrm>
-          <a:prstGeom prst="rect">
-            <a:avLst/>
-          </a:prstGeom>
-        </p:spPr>
-        <p:txBody>
-          <a:bodyPr spcFirstLastPara="1" wrap="square" lIns="91425" tIns="91425" rIns="91425" bIns="91425" anchor="t" anchorCtr="0">
-            <a:noAutofit/>
-          </a:bodyPr>
-          <a:lstStyle/>
-          <a:p>
-            <a:pPr marL="0" lvl="0" indent="0" algn="l" rtl="0">
-              <a:spcBef>
-                <a:spcPts val="0"/>
-              </a:spcBef>
-              <a:spcAft>
-                <a:spcPts val="0"/>
-              </a:spcAft>
-              <a:buNone/>
-            </a:pPr>
-            <a:endParaRPr/>
-          </a:p>
-        </p:txBody>
-      </p:sp>
-    </p:spTree>
-  </p:cSld>
-  <p:clrMapOvr>
-    <a:masterClrMapping/>
-  </p:clrMapOvr>
-</p:notes>
-</file>
-
-<file path=ppt/notesSlides/notesSlide7.xml><?xml version="1.0" encoding="utf-8"?>
-<p:notes xmlns:a="http://schemas.openxmlformats.org/drawingml/2006/main" xmlns:r="http://schemas.openxmlformats.org/officeDocument/2006/relationships" xmlns:p="http://schemas.openxmlformats.org/presentationml/2006/main" showMasterSp="0" showMasterPhAnim="0">
-  <p:cSld>
-    <p:spTree>
-      <p:nvGrpSpPr>
-        <p:cNvPr id="1" name="Shape 1184"/>
-        <p:cNvGrpSpPr/>
-        <p:nvPr/>
-      </p:nvGrpSpPr>
-      <p:grpSpPr>
-        <a:xfrm>
-          <a:off x="0" y="0"/>
-          <a:ext cx="0" cy="0"/>
-          <a:chOff x="0" y="0"/>
-          <a:chExt cx="0" cy="0"/>
-        </a:xfrm>
-      </p:grpSpPr>
-      <p:sp>
-        <p:nvSpPr>
-          <p:cNvPr id="1185" name="Google Shape;1185;g54dda1946d_4_2679:notes"/>
-          <p:cNvSpPr>
-            <a:spLocks noGrp="1" noRot="1" noChangeAspect="1"/>
-          </p:cNvSpPr>
-          <p:nvPr>
-            <p:ph type="sldImg" idx="2"/>
-          </p:nvPr>
-        </p:nvSpPr>
-        <p:spPr>
-          <a:xfrm>
-            <a:off x="381000" y="685800"/>
-            <a:ext cx="6096000" cy="3429000"/>
-          </a:xfrm>
-          <a:custGeom>
-            <a:avLst/>
-            <a:gdLst/>
-            <a:ahLst/>
-            <a:cxnLst/>
-            <a:rect l="l" t="t" r="r" b="b"/>
-            <a:pathLst>
-              <a:path w="120000" h="120000" extrusionOk="0">
-                <a:moveTo>
-                  <a:pt x="0" y="0"/>
-                </a:moveTo>
-                <a:lnTo>
-                  <a:pt x="120000" y="0"/>
-                </a:lnTo>
-                <a:lnTo>
-                  <a:pt x="120000" y="120000"/>
-                </a:lnTo>
-                <a:lnTo>
-                  <a:pt x="0" y="120000"/>
-                </a:lnTo>
-                <a:close/>
-              </a:path>
-            </a:pathLst>
-          </a:custGeom>
-        </p:spPr>
-      </p:sp>
-      <p:sp>
-        <p:nvSpPr>
-          <p:cNvPr id="1186" name="Google Shape;1186;g54dda1946d_4_2679:notes"/>
-          <p:cNvSpPr txBox="1">
-            <a:spLocks noGrp="1"/>
-          </p:cNvSpPr>
-          <p:nvPr>
-            <p:ph type="body" idx="1"/>
-          </p:nvPr>
-        </p:nvSpPr>
-        <p:spPr>
-          <a:xfrm>
-            <a:off x="685800" y="4343400"/>
-            <a:ext cx="5486400" cy="4114800"/>
-          </a:xfrm>
-          <a:prstGeom prst="rect">
-            <a:avLst/>
-          </a:prstGeom>
-        </p:spPr>
-        <p:txBody>
-          <a:bodyPr spcFirstLastPara="1" wrap="square" lIns="91425" tIns="91425" rIns="91425" bIns="91425" anchor="t" anchorCtr="0">
-            <a:noAutofit/>
-          </a:bodyPr>
-          <a:lstStyle/>
-          <a:p>
-            <a:pPr marL="0" lvl="0" indent="0" algn="l" rtl="0">
-              <a:spcBef>
-                <a:spcPts val="0"/>
-              </a:spcBef>
-              <a:spcAft>
-                <a:spcPts val="0"/>
-              </a:spcAft>
-              <a:buNone/>
-            </a:pPr>
-            <a:endParaRPr dirty="0"/>
-          </a:p>
-        </p:txBody>
-      </p:sp>
-    </p:spTree>
-  </p:cSld>
-  <p:clrMapOvr>
-    <a:masterClrMapping/>
-  </p:clrMapOvr>
-</p:notes>
-</file>
-
-<file path=ppt/notesSlides/notesSlide8.xml><?xml version="1.0" encoding="utf-8"?>
-<p:notes xmlns:a="http://schemas.openxmlformats.org/drawingml/2006/main" xmlns:r="http://schemas.openxmlformats.org/officeDocument/2006/relationships" xmlns:p="http://schemas.openxmlformats.org/presentationml/2006/main" showMasterSp="0" showMasterPhAnim="0">
-  <p:cSld>
-    <p:spTree>
-      <p:nvGrpSpPr>
         <p:cNvPr id="1" name="Shape 343"/>
         <p:cNvGrpSpPr/>
         <p:nvPr/>
@@ -1961,1093 +1751,6 @@
 </p:sldLayout>
 </file>
 
-<file path=ppt/slideLayouts/slideLayout10.xml><?xml version="1.0" encoding="utf-8"?>
-<p:sldLayout xmlns:a="http://schemas.openxmlformats.org/drawingml/2006/main" xmlns:r="http://schemas.openxmlformats.org/officeDocument/2006/relationships" xmlns:p="http://schemas.openxmlformats.org/presentationml/2006/main" matchingName="Background 1">
-  <p:cSld name="CUSTOM_9_1">
-    <p:spTree>
-      <p:nvGrpSpPr>
-        <p:cNvPr id="1" name="Shape 189"/>
-        <p:cNvGrpSpPr/>
-        <p:nvPr/>
-      </p:nvGrpSpPr>
-      <p:grpSpPr>
-        <a:xfrm>
-          <a:off x="0" y="0"/>
-          <a:ext cx="0" cy="0"/>
-          <a:chOff x="0" y="0"/>
-          <a:chExt cx="0" cy="0"/>
-        </a:xfrm>
-      </p:grpSpPr>
-      <p:pic>
-        <p:nvPicPr>
-          <p:cNvPr id="190" name="Google Shape;190;p30"/>
-          <p:cNvPicPr preferRelativeResize="0"/>
-          <p:nvPr/>
-        </p:nvPicPr>
-        <p:blipFill>
-          <a:blip r:embed="rId2">
-            <a:alphaModFix amt="51000"/>
-          </a:blip>
-          <a:stretch>
-            <a:fillRect/>
-          </a:stretch>
-        </p:blipFill>
-        <p:spPr>
-          <a:xfrm>
-            <a:off x="0" y="0"/>
-            <a:ext cx="9144000" cy="5143500"/>
-          </a:xfrm>
-          <a:prstGeom prst="rect">
-            <a:avLst/>
-          </a:prstGeom>
-          <a:noFill/>
-          <a:ln>
-            <a:noFill/>
-          </a:ln>
-        </p:spPr>
-      </p:pic>
-      <p:grpSp>
-        <p:nvGrpSpPr>
-          <p:cNvPr id="191" name="Google Shape;191;p30"/>
-          <p:cNvGrpSpPr/>
-          <p:nvPr/>
-        </p:nvGrpSpPr>
-        <p:grpSpPr>
-          <a:xfrm rot="10800000" flipH="1">
-            <a:off x="8046735" y="539509"/>
-            <a:ext cx="1097257" cy="1097322"/>
-            <a:chOff x="4311275" y="1420050"/>
-            <a:chExt cx="988075" cy="1311175"/>
-          </a:xfrm>
-        </p:grpSpPr>
-        <p:sp>
-          <p:nvSpPr>
-            <p:cNvPr id="192" name="Google Shape;192;p30"/>
-            <p:cNvSpPr/>
-            <p:nvPr/>
-          </p:nvSpPr>
-          <p:spPr>
-            <a:xfrm>
-              <a:off x="4311275" y="2417450"/>
-              <a:ext cx="988075" cy="25"/>
-            </a:xfrm>
-            <a:custGeom>
-              <a:avLst/>
-              <a:gdLst/>
-              <a:ahLst/>
-              <a:cxnLst/>
-              <a:rect l="l" t="t" r="r" b="b"/>
-              <a:pathLst>
-                <a:path w="39523" h="1" fill="none" extrusionOk="0">
-                  <a:moveTo>
-                    <a:pt x="39522" y="1"/>
-                  </a:moveTo>
-                  <a:lnTo>
-                    <a:pt x="1" y="1"/>
-                  </a:lnTo>
-                </a:path>
-              </a:pathLst>
-            </a:custGeom>
-            <a:noFill/>
-            <a:ln w="9525" cap="rnd" cmpd="sng">
-              <a:solidFill>
-                <a:schemeClr val="dk2"/>
-              </a:solidFill>
-              <a:prstDash val="solid"/>
-              <a:round/>
-              <a:headEnd type="none" w="sm" len="sm"/>
-              <a:tailEnd type="none" w="sm" len="sm"/>
-            </a:ln>
-          </p:spPr>
-          <p:txBody>
-            <a:bodyPr spcFirstLastPara="1" wrap="square" lIns="91425" tIns="91425" rIns="91425" bIns="91425" anchor="ctr" anchorCtr="0">
-              <a:noAutofit/>
-            </a:bodyPr>
-            <a:lstStyle/>
-            <a:p>
-              <a:pPr marL="0" lvl="0" indent="0" algn="l" rtl="0">
-                <a:spcBef>
-                  <a:spcPts val="0"/>
-                </a:spcBef>
-                <a:spcAft>
-                  <a:spcPts val="0"/>
-                </a:spcAft>
-                <a:buNone/>
-              </a:pPr>
-              <a:endParaRPr/>
-            </a:p>
-          </p:txBody>
-        </p:sp>
-        <p:sp>
-          <p:nvSpPr>
-            <p:cNvPr id="193" name="Google Shape;193;p30"/>
-            <p:cNvSpPr/>
-            <p:nvPr/>
-          </p:nvSpPr>
-          <p:spPr>
-            <a:xfrm>
-              <a:off x="4751525" y="2417450"/>
-              <a:ext cx="199750" cy="199750"/>
-            </a:xfrm>
-            <a:custGeom>
-              <a:avLst/>
-              <a:gdLst/>
-              <a:ahLst/>
-              <a:cxnLst/>
-              <a:rect l="l" t="t" r="r" b="b"/>
-              <a:pathLst>
-                <a:path w="7990" h="7990" fill="none" extrusionOk="0">
-                  <a:moveTo>
-                    <a:pt x="7990" y="1"/>
-                  </a:moveTo>
-                  <a:lnTo>
-                    <a:pt x="0" y="7990"/>
-                  </a:lnTo>
-                </a:path>
-              </a:pathLst>
-            </a:custGeom>
-            <a:noFill/>
-            <a:ln w="9525" cap="rnd" cmpd="sng">
-              <a:solidFill>
-                <a:schemeClr val="dk2"/>
-              </a:solidFill>
-              <a:prstDash val="solid"/>
-              <a:round/>
-              <a:headEnd type="none" w="sm" len="sm"/>
-              <a:tailEnd type="none" w="sm" len="sm"/>
-            </a:ln>
-          </p:spPr>
-          <p:txBody>
-            <a:bodyPr spcFirstLastPara="1" wrap="square" lIns="91425" tIns="91425" rIns="91425" bIns="91425" anchor="ctr" anchorCtr="0">
-              <a:noAutofit/>
-            </a:bodyPr>
-            <a:lstStyle/>
-            <a:p>
-              <a:pPr marL="0" lvl="0" indent="0" algn="l" rtl="0">
-                <a:spcBef>
-                  <a:spcPts val="0"/>
-                </a:spcBef>
-                <a:spcAft>
-                  <a:spcPts val="0"/>
-                </a:spcAft>
-                <a:buNone/>
-              </a:pPr>
-              <a:endParaRPr/>
-            </a:p>
-          </p:txBody>
-        </p:sp>
-        <p:sp>
-          <p:nvSpPr>
-            <p:cNvPr id="194" name="Google Shape;194;p30"/>
-            <p:cNvSpPr/>
-            <p:nvPr/>
-          </p:nvSpPr>
-          <p:spPr>
-            <a:xfrm>
-              <a:off x="4501025" y="2263075"/>
-              <a:ext cx="798325" cy="113000"/>
-            </a:xfrm>
-            <a:custGeom>
-              <a:avLst/>
-              <a:gdLst/>
-              <a:ahLst/>
-              <a:cxnLst/>
-              <a:rect l="l" t="t" r="r" b="b"/>
-              <a:pathLst>
-                <a:path w="31933" h="4520" fill="none" extrusionOk="0">
-                  <a:moveTo>
-                    <a:pt x="31932" y="4520"/>
-                  </a:moveTo>
-                  <a:lnTo>
-                    <a:pt x="4520" y="4520"/>
-                  </a:lnTo>
-                  <a:lnTo>
-                    <a:pt x="1" y="1"/>
-                  </a:lnTo>
-                </a:path>
-              </a:pathLst>
-            </a:custGeom>
-            <a:noFill/>
-            <a:ln w="9525" cap="rnd" cmpd="sng">
-              <a:solidFill>
-                <a:schemeClr val="dk2"/>
-              </a:solidFill>
-              <a:prstDash val="solid"/>
-              <a:round/>
-              <a:headEnd type="none" w="sm" len="sm"/>
-              <a:tailEnd type="none" w="sm" len="sm"/>
-            </a:ln>
-          </p:spPr>
-          <p:txBody>
-            <a:bodyPr spcFirstLastPara="1" wrap="square" lIns="91425" tIns="91425" rIns="91425" bIns="91425" anchor="ctr" anchorCtr="0">
-              <a:noAutofit/>
-            </a:bodyPr>
-            <a:lstStyle/>
-            <a:p>
-              <a:pPr marL="0" lvl="0" indent="0" algn="l" rtl="0">
-                <a:spcBef>
-                  <a:spcPts val="0"/>
-                </a:spcBef>
-                <a:spcAft>
-                  <a:spcPts val="0"/>
-                </a:spcAft>
-                <a:buNone/>
-              </a:pPr>
-              <a:endParaRPr/>
-            </a:p>
-          </p:txBody>
-        </p:sp>
-        <p:sp>
-          <p:nvSpPr>
-            <p:cNvPr id="195" name="Google Shape;195;p30"/>
-            <p:cNvSpPr/>
-            <p:nvPr/>
-          </p:nvSpPr>
-          <p:spPr>
-            <a:xfrm>
-              <a:off x="4316075" y="2237900"/>
-              <a:ext cx="252800" cy="92825"/>
-            </a:xfrm>
-            <a:custGeom>
-              <a:avLst/>
-              <a:gdLst/>
-              <a:ahLst/>
-              <a:cxnLst/>
-              <a:rect l="l" t="t" r="r" b="b"/>
-              <a:pathLst>
-                <a:path w="10112" h="3713" fill="none" extrusionOk="0">
-                  <a:moveTo>
-                    <a:pt x="10112" y="3712"/>
-                  </a:moveTo>
-                  <a:lnTo>
-                    <a:pt x="3595" y="3712"/>
-                  </a:lnTo>
-                  <a:lnTo>
-                    <a:pt x="0" y="1"/>
-                  </a:lnTo>
-                </a:path>
-              </a:pathLst>
-            </a:custGeom>
-            <a:noFill/>
-            <a:ln w="9525" cap="rnd" cmpd="sng">
-              <a:solidFill>
-                <a:schemeClr val="dk2"/>
-              </a:solidFill>
-              <a:prstDash val="solid"/>
-              <a:round/>
-              <a:headEnd type="none" w="sm" len="sm"/>
-              <a:tailEnd type="none" w="sm" len="sm"/>
-            </a:ln>
-          </p:spPr>
-          <p:txBody>
-            <a:bodyPr spcFirstLastPara="1" wrap="square" lIns="91425" tIns="91425" rIns="91425" bIns="91425" anchor="ctr" anchorCtr="0">
-              <a:noAutofit/>
-            </a:bodyPr>
-            <a:lstStyle/>
-            <a:p>
-              <a:pPr marL="0" lvl="0" indent="0" algn="l" rtl="0">
-                <a:spcBef>
-                  <a:spcPts val="0"/>
-                </a:spcBef>
-                <a:spcAft>
-                  <a:spcPts val="0"/>
-                </a:spcAft>
-                <a:buNone/>
-              </a:pPr>
-              <a:endParaRPr/>
-            </a:p>
-          </p:txBody>
-        </p:sp>
-        <p:sp>
-          <p:nvSpPr>
-            <p:cNvPr id="196" name="Google Shape;196;p30"/>
-            <p:cNvSpPr/>
-            <p:nvPr/>
-          </p:nvSpPr>
-          <p:spPr>
-            <a:xfrm>
-              <a:off x="4583000" y="2088950"/>
-              <a:ext cx="716350" cy="146075"/>
-            </a:xfrm>
-            <a:custGeom>
-              <a:avLst/>
-              <a:gdLst/>
-              <a:ahLst/>
-              <a:cxnLst/>
-              <a:rect l="l" t="t" r="r" b="b"/>
-              <a:pathLst>
-                <a:path w="28654" h="5843" fill="none" extrusionOk="0">
-                  <a:moveTo>
-                    <a:pt x="28653" y="5842"/>
-                  </a:moveTo>
-                  <a:lnTo>
-                    <a:pt x="6167" y="5842"/>
-                  </a:lnTo>
-                  <a:lnTo>
-                    <a:pt x="1" y="0"/>
-                  </a:lnTo>
-                </a:path>
-              </a:pathLst>
-            </a:custGeom>
-            <a:noFill/>
-            <a:ln w="9525" cap="rnd" cmpd="sng">
-              <a:solidFill>
-                <a:schemeClr val="dk2"/>
-              </a:solidFill>
-              <a:prstDash val="solid"/>
-              <a:round/>
-              <a:headEnd type="none" w="sm" len="sm"/>
-              <a:tailEnd type="none" w="sm" len="sm"/>
-            </a:ln>
-          </p:spPr>
-          <p:txBody>
-            <a:bodyPr spcFirstLastPara="1" wrap="square" lIns="91425" tIns="91425" rIns="91425" bIns="91425" anchor="ctr" anchorCtr="0">
-              <a:noAutofit/>
-            </a:bodyPr>
-            <a:lstStyle/>
-            <a:p>
-              <a:pPr marL="0" lvl="0" indent="0" algn="l" rtl="0">
-                <a:spcBef>
-                  <a:spcPts val="0"/>
-                </a:spcBef>
-                <a:spcAft>
-                  <a:spcPts val="0"/>
-                </a:spcAft>
-                <a:buNone/>
-              </a:pPr>
-              <a:endParaRPr/>
-            </a:p>
-          </p:txBody>
-        </p:sp>
-        <p:sp>
-          <p:nvSpPr>
-            <p:cNvPr id="197" name="Google Shape;197;p30"/>
-            <p:cNvSpPr/>
-            <p:nvPr/>
-          </p:nvSpPr>
-          <p:spPr>
-            <a:xfrm>
-              <a:off x="4370575" y="2417450"/>
-              <a:ext cx="456075" cy="112600"/>
-            </a:xfrm>
-            <a:custGeom>
-              <a:avLst/>
-              <a:gdLst/>
-              <a:ahLst/>
-              <a:cxnLst/>
-              <a:rect l="l" t="t" r="r" b="b"/>
-              <a:pathLst>
-                <a:path w="18243" h="4504" fill="none" extrusionOk="0">
-                  <a:moveTo>
-                    <a:pt x="18243" y="1"/>
-                  </a:moveTo>
-                  <a:lnTo>
-                    <a:pt x="12450" y="4503"/>
-                  </a:lnTo>
-                  <a:lnTo>
-                    <a:pt x="1" y="4503"/>
-                  </a:lnTo>
-                </a:path>
-              </a:pathLst>
-            </a:custGeom>
-            <a:noFill/>
-            <a:ln w="9525" cap="rnd" cmpd="sng">
-              <a:solidFill>
-                <a:schemeClr val="dk2"/>
-              </a:solidFill>
-              <a:prstDash val="solid"/>
-              <a:round/>
-              <a:headEnd type="none" w="sm" len="sm"/>
-              <a:tailEnd type="none" w="sm" len="sm"/>
-            </a:ln>
-          </p:spPr>
-          <p:txBody>
-            <a:bodyPr spcFirstLastPara="1" wrap="square" lIns="91425" tIns="91425" rIns="91425" bIns="91425" anchor="ctr" anchorCtr="0">
-              <a:noAutofit/>
-            </a:bodyPr>
-            <a:lstStyle/>
-            <a:p>
-              <a:pPr marL="0" lvl="0" indent="0" algn="l" rtl="0">
-                <a:spcBef>
-                  <a:spcPts val="0"/>
-                </a:spcBef>
-                <a:spcAft>
-                  <a:spcPts val="0"/>
-                </a:spcAft>
-                <a:buNone/>
-              </a:pPr>
-              <a:endParaRPr/>
-            </a:p>
-          </p:txBody>
-        </p:sp>
-        <p:sp>
-          <p:nvSpPr>
-            <p:cNvPr id="198" name="Google Shape;198;p30"/>
-            <p:cNvSpPr/>
-            <p:nvPr/>
-          </p:nvSpPr>
-          <p:spPr>
-            <a:xfrm>
-              <a:off x="4433825" y="2530025"/>
-              <a:ext cx="205800" cy="44325"/>
-            </a:xfrm>
-            <a:custGeom>
-              <a:avLst/>
-              <a:gdLst/>
-              <a:ahLst/>
-              <a:cxnLst/>
-              <a:rect l="l" t="t" r="r" b="b"/>
-              <a:pathLst>
-                <a:path w="8232" h="1773" fill="none" extrusionOk="0">
-                  <a:moveTo>
-                    <a:pt x="8231" y="0"/>
-                  </a:moveTo>
-                  <a:lnTo>
-                    <a:pt x="6467" y="1773"/>
-                  </a:lnTo>
-                  <a:lnTo>
-                    <a:pt x="1" y="1773"/>
-                  </a:lnTo>
-                </a:path>
-              </a:pathLst>
-            </a:custGeom>
-            <a:noFill/>
-            <a:ln w="9525" cap="rnd" cmpd="sng">
-              <a:solidFill>
-                <a:schemeClr val="dk2"/>
-              </a:solidFill>
-              <a:prstDash val="solid"/>
-              <a:round/>
-              <a:headEnd type="none" w="sm" len="sm"/>
-              <a:tailEnd type="none" w="sm" len="sm"/>
-            </a:ln>
-          </p:spPr>
-          <p:txBody>
-            <a:bodyPr spcFirstLastPara="1" wrap="square" lIns="91425" tIns="91425" rIns="91425" bIns="91425" anchor="ctr" anchorCtr="0">
-              <a:noAutofit/>
-            </a:bodyPr>
-            <a:lstStyle/>
-            <a:p>
-              <a:pPr marL="0" lvl="0" indent="0" algn="l" rtl="0">
-                <a:spcBef>
-                  <a:spcPts val="0"/>
-                </a:spcBef>
-                <a:spcAft>
-                  <a:spcPts val="0"/>
-                </a:spcAft>
-                <a:buNone/>
-              </a:pPr>
-              <a:endParaRPr/>
-            </a:p>
-          </p:txBody>
-        </p:sp>
-        <p:sp>
-          <p:nvSpPr>
-            <p:cNvPr id="199" name="Google Shape;199;p30"/>
-            <p:cNvSpPr/>
-            <p:nvPr/>
-          </p:nvSpPr>
-          <p:spPr>
-            <a:xfrm>
-              <a:off x="4678700" y="1909400"/>
-              <a:ext cx="619800" cy="25"/>
-            </a:xfrm>
-            <a:custGeom>
-              <a:avLst/>
-              <a:gdLst/>
-              <a:ahLst/>
-              <a:cxnLst/>
-              <a:rect l="l" t="t" r="r" b="b"/>
-              <a:pathLst>
-                <a:path w="24792" h="1" fill="none" extrusionOk="0">
-                  <a:moveTo>
-                    <a:pt x="24792" y="0"/>
-                  </a:moveTo>
-                  <a:lnTo>
-                    <a:pt x="1" y="0"/>
-                  </a:lnTo>
-                </a:path>
-              </a:pathLst>
-            </a:custGeom>
-            <a:noFill/>
-            <a:ln w="9525" cap="rnd" cmpd="sng">
-              <a:solidFill>
-                <a:schemeClr val="dk2"/>
-              </a:solidFill>
-              <a:prstDash val="solid"/>
-              <a:round/>
-              <a:headEnd type="none" w="sm" len="sm"/>
-              <a:tailEnd type="none" w="sm" len="sm"/>
-            </a:ln>
-          </p:spPr>
-          <p:txBody>
-            <a:bodyPr spcFirstLastPara="1" wrap="square" lIns="91425" tIns="91425" rIns="91425" bIns="91425" anchor="ctr" anchorCtr="0">
-              <a:noAutofit/>
-            </a:bodyPr>
-            <a:lstStyle/>
-            <a:p>
-              <a:pPr marL="0" lvl="0" indent="0" algn="l" rtl="0">
-                <a:spcBef>
-                  <a:spcPts val="0"/>
-                </a:spcBef>
-                <a:spcAft>
-                  <a:spcPts val="0"/>
-                </a:spcAft>
-                <a:buNone/>
-              </a:pPr>
-              <a:endParaRPr/>
-            </a:p>
-          </p:txBody>
-        </p:sp>
-        <p:sp>
-          <p:nvSpPr>
-            <p:cNvPr id="200" name="Google Shape;200;p30"/>
-            <p:cNvSpPr/>
-            <p:nvPr/>
-          </p:nvSpPr>
-          <p:spPr>
-            <a:xfrm>
-              <a:off x="5012000" y="1709675"/>
-              <a:ext cx="199750" cy="199750"/>
-            </a:xfrm>
-            <a:custGeom>
-              <a:avLst/>
-              <a:gdLst/>
-              <a:ahLst/>
-              <a:cxnLst/>
-              <a:rect l="l" t="t" r="r" b="b"/>
-              <a:pathLst>
-                <a:path w="7990" h="7990" fill="none" extrusionOk="0">
-                  <a:moveTo>
-                    <a:pt x="7990" y="7989"/>
-                  </a:moveTo>
-                  <a:lnTo>
-                    <a:pt x="1" y="0"/>
-                  </a:lnTo>
-                </a:path>
-              </a:pathLst>
-            </a:custGeom>
-            <a:noFill/>
-            <a:ln w="9525" cap="rnd" cmpd="sng">
-              <a:solidFill>
-                <a:schemeClr val="dk2"/>
-              </a:solidFill>
-              <a:prstDash val="solid"/>
-              <a:round/>
-              <a:headEnd type="none" w="sm" len="sm"/>
-              <a:tailEnd type="none" w="sm" len="sm"/>
-            </a:ln>
-          </p:spPr>
-          <p:txBody>
-            <a:bodyPr spcFirstLastPara="1" wrap="square" lIns="91425" tIns="91425" rIns="91425" bIns="91425" anchor="ctr" anchorCtr="0">
-              <a:noAutofit/>
-            </a:bodyPr>
-            <a:lstStyle/>
-            <a:p>
-              <a:pPr marL="0" lvl="0" indent="0" algn="l" rtl="0">
-                <a:spcBef>
-                  <a:spcPts val="0"/>
-                </a:spcBef>
-                <a:spcAft>
-                  <a:spcPts val="0"/>
-                </a:spcAft>
-                <a:buNone/>
-              </a:pPr>
-              <a:endParaRPr/>
-            </a:p>
-          </p:txBody>
-        </p:sp>
-        <p:sp>
-          <p:nvSpPr>
-            <p:cNvPr id="201" name="Google Shape;201;p30"/>
-            <p:cNvSpPr/>
-            <p:nvPr/>
-          </p:nvSpPr>
-          <p:spPr>
-            <a:xfrm>
-              <a:off x="4761725" y="1951000"/>
-              <a:ext cx="536775" cy="113000"/>
-            </a:xfrm>
-            <a:custGeom>
-              <a:avLst/>
-              <a:gdLst/>
-              <a:ahLst/>
-              <a:cxnLst/>
-              <a:rect l="l" t="t" r="r" b="b"/>
-              <a:pathLst>
-                <a:path w="21471" h="4520" fill="none" extrusionOk="0">
-                  <a:moveTo>
-                    <a:pt x="21471" y="1"/>
-                  </a:moveTo>
-                  <a:lnTo>
-                    <a:pt x="4519" y="1"/>
-                  </a:lnTo>
-                  <a:lnTo>
-                    <a:pt x="0" y="4520"/>
-                  </a:lnTo>
-                </a:path>
-              </a:pathLst>
-            </a:custGeom>
-            <a:noFill/>
-            <a:ln w="9525" cap="rnd" cmpd="sng">
-              <a:solidFill>
-                <a:schemeClr val="dk2"/>
-              </a:solidFill>
-              <a:prstDash val="solid"/>
-              <a:round/>
-              <a:headEnd type="none" w="sm" len="sm"/>
-              <a:tailEnd type="none" w="sm" len="sm"/>
-            </a:ln>
-          </p:spPr>
-          <p:txBody>
-            <a:bodyPr spcFirstLastPara="1" wrap="square" lIns="91425" tIns="91425" rIns="91425" bIns="91425" anchor="ctr" anchorCtr="0">
-              <a:noAutofit/>
-            </a:bodyPr>
-            <a:lstStyle/>
-            <a:p>
-              <a:pPr marL="0" lvl="0" indent="0" algn="l" rtl="0">
-                <a:spcBef>
-                  <a:spcPts val="0"/>
-                </a:spcBef>
-                <a:spcAft>
-                  <a:spcPts val="0"/>
-                </a:spcAft>
-                <a:buNone/>
-              </a:pPr>
-              <a:endParaRPr/>
-            </a:p>
-          </p:txBody>
-        </p:sp>
-        <p:sp>
-          <p:nvSpPr>
-            <p:cNvPr id="202" name="Google Shape;202;p30"/>
-            <p:cNvSpPr/>
-            <p:nvPr/>
-          </p:nvSpPr>
-          <p:spPr>
-            <a:xfrm>
-              <a:off x="4843700" y="1992825"/>
-              <a:ext cx="454800" cy="145875"/>
-            </a:xfrm>
-            <a:custGeom>
-              <a:avLst/>
-              <a:gdLst/>
-              <a:ahLst/>
-              <a:cxnLst/>
-              <a:rect l="l" t="t" r="r" b="b"/>
-              <a:pathLst>
-                <a:path w="18192" h="5835" fill="none" extrusionOk="0">
-                  <a:moveTo>
-                    <a:pt x="18192" y="0"/>
-                  </a:moveTo>
-                  <a:lnTo>
-                    <a:pt x="6167" y="0"/>
-                  </a:lnTo>
-                  <a:lnTo>
-                    <a:pt x="0" y="5834"/>
-                  </a:lnTo>
-                </a:path>
-              </a:pathLst>
-            </a:custGeom>
-            <a:noFill/>
-            <a:ln w="9525" cap="rnd" cmpd="sng">
-              <a:solidFill>
-                <a:schemeClr val="dk2"/>
-              </a:solidFill>
-              <a:prstDash val="solid"/>
-              <a:round/>
-              <a:headEnd type="none" w="sm" len="sm"/>
-              <a:tailEnd type="none" w="sm" len="sm"/>
-            </a:ln>
-          </p:spPr>
-          <p:txBody>
-            <a:bodyPr spcFirstLastPara="1" wrap="square" lIns="91425" tIns="91425" rIns="91425" bIns="91425" anchor="ctr" anchorCtr="0">
-              <a:noAutofit/>
-            </a:bodyPr>
-            <a:lstStyle/>
-            <a:p>
-              <a:pPr marL="0" lvl="0" indent="0" algn="l" rtl="0">
-                <a:spcBef>
-                  <a:spcPts val="0"/>
-                </a:spcBef>
-                <a:spcAft>
-                  <a:spcPts val="0"/>
-                </a:spcAft>
-                <a:buNone/>
-              </a:pPr>
-              <a:endParaRPr/>
-            </a:p>
-          </p:txBody>
-        </p:sp>
-        <p:sp>
-          <p:nvSpPr>
-            <p:cNvPr id="203" name="Google Shape;203;p30"/>
-            <p:cNvSpPr/>
-            <p:nvPr/>
-          </p:nvSpPr>
-          <p:spPr>
-            <a:xfrm>
-              <a:off x="5070875" y="1479150"/>
-              <a:ext cx="227625" cy="25"/>
-            </a:xfrm>
-            <a:custGeom>
-              <a:avLst/>
-              <a:gdLst/>
-              <a:ahLst/>
-              <a:cxnLst/>
-              <a:rect l="l" t="t" r="r" b="b"/>
-              <a:pathLst>
-                <a:path w="9105" h="1" fill="none" extrusionOk="0">
-                  <a:moveTo>
-                    <a:pt x="9105" y="0"/>
-                  </a:moveTo>
-                  <a:lnTo>
-                    <a:pt x="1" y="0"/>
-                  </a:lnTo>
-                </a:path>
-              </a:pathLst>
-            </a:custGeom>
-            <a:noFill/>
-            <a:ln w="9525" cap="rnd" cmpd="sng">
-              <a:solidFill>
-                <a:schemeClr val="dk2"/>
-              </a:solidFill>
-              <a:prstDash val="solid"/>
-              <a:round/>
-              <a:headEnd type="none" w="sm" len="sm"/>
-              <a:tailEnd type="none" w="sm" len="sm"/>
-            </a:ln>
-          </p:spPr>
-          <p:txBody>
-            <a:bodyPr spcFirstLastPara="1" wrap="square" lIns="91425" tIns="91425" rIns="91425" bIns="91425" anchor="ctr" anchorCtr="0">
-              <a:noAutofit/>
-            </a:bodyPr>
-            <a:lstStyle/>
-            <a:p>
-              <a:pPr marL="0" lvl="0" indent="0" algn="l" rtl="0">
-                <a:spcBef>
-                  <a:spcPts val="0"/>
-                </a:spcBef>
-                <a:spcAft>
-                  <a:spcPts val="0"/>
-                </a:spcAft>
-                <a:buNone/>
-              </a:pPr>
-              <a:endParaRPr/>
-            </a:p>
-          </p:txBody>
-        </p:sp>
-        <p:sp>
-          <p:nvSpPr>
-            <p:cNvPr id="204" name="Google Shape;204;p30"/>
-            <p:cNvSpPr/>
-            <p:nvPr/>
-          </p:nvSpPr>
-          <p:spPr>
-            <a:xfrm>
-              <a:off x="4544500" y="1479150"/>
-              <a:ext cx="640200" cy="88850"/>
-            </a:xfrm>
-            <a:custGeom>
-              <a:avLst/>
-              <a:gdLst/>
-              <a:ahLst/>
-              <a:cxnLst/>
-              <a:rect l="l" t="t" r="r" b="b"/>
-              <a:pathLst>
-                <a:path w="25608" h="3554" fill="none" extrusionOk="0">
-                  <a:moveTo>
-                    <a:pt x="25608" y="0"/>
-                  </a:moveTo>
-                  <a:lnTo>
-                    <a:pt x="23669" y="3554"/>
-                  </a:lnTo>
-                  <a:lnTo>
-                    <a:pt x="1" y="3554"/>
-                  </a:lnTo>
-                </a:path>
-              </a:pathLst>
-            </a:custGeom>
-            <a:noFill/>
-            <a:ln w="9525" cap="rnd" cmpd="sng">
-              <a:solidFill>
-                <a:schemeClr val="dk2"/>
-              </a:solidFill>
-              <a:prstDash val="solid"/>
-              <a:round/>
-              <a:headEnd type="none" w="sm" len="sm"/>
-              <a:tailEnd type="none" w="sm" len="sm"/>
-            </a:ln>
-          </p:spPr>
-          <p:txBody>
-            <a:bodyPr spcFirstLastPara="1" wrap="square" lIns="91425" tIns="91425" rIns="91425" bIns="91425" anchor="ctr" anchorCtr="0">
-              <a:noAutofit/>
-            </a:bodyPr>
-            <a:lstStyle/>
-            <a:p>
-              <a:pPr marL="0" lvl="0" indent="0" algn="l" rtl="0">
-                <a:spcBef>
-                  <a:spcPts val="0"/>
-                </a:spcBef>
-                <a:spcAft>
-                  <a:spcPts val="0"/>
-                </a:spcAft>
-                <a:buNone/>
-              </a:pPr>
-              <a:endParaRPr/>
-            </a:p>
-          </p:txBody>
-        </p:sp>
-        <p:sp>
-          <p:nvSpPr>
-            <p:cNvPr id="205" name="Google Shape;205;p30"/>
-            <p:cNvSpPr/>
-            <p:nvPr/>
-          </p:nvSpPr>
-          <p:spPr>
-            <a:xfrm>
-              <a:off x="4364350" y="1420050"/>
-              <a:ext cx="599825" cy="147950"/>
-            </a:xfrm>
-            <a:custGeom>
-              <a:avLst/>
-              <a:gdLst/>
-              <a:ahLst/>
-              <a:cxnLst/>
-              <a:rect l="l" t="t" r="r" b="b"/>
-              <a:pathLst>
-                <a:path w="23993" h="5918" fill="none" extrusionOk="0">
-                  <a:moveTo>
-                    <a:pt x="23992" y="5918"/>
-                  </a:moveTo>
-                  <a:lnTo>
-                    <a:pt x="18009" y="1"/>
-                  </a:lnTo>
-                  <a:lnTo>
-                    <a:pt x="0" y="1"/>
-                  </a:lnTo>
-                </a:path>
-              </a:pathLst>
-            </a:custGeom>
-            <a:noFill/>
-            <a:ln w="9525" cap="rnd" cmpd="sng">
-              <a:solidFill>
-                <a:schemeClr val="dk2"/>
-              </a:solidFill>
-              <a:prstDash val="solid"/>
-              <a:round/>
-              <a:headEnd type="none" w="sm" len="sm"/>
-              <a:tailEnd type="none" w="sm" len="sm"/>
-            </a:ln>
-          </p:spPr>
-          <p:txBody>
-            <a:bodyPr spcFirstLastPara="1" wrap="square" lIns="91425" tIns="91425" rIns="91425" bIns="91425" anchor="ctr" anchorCtr="0">
-              <a:noAutofit/>
-            </a:bodyPr>
-            <a:lstStyle/>
-            <a:p>
-              <a:pPr marL="0" lvl="0" indent="0" algn="l" rtl="0">
-                <a:spcBef>
-                  <a:spcPts val="0"/>
-                </a:spcBef>
-                <a:spcAft>
-                  <a:spcPts val="0"/>
-                </a:spcAft>
-                <a:buNone/>
-              </a:pPr>
-              <a:endParaRPr/>
-            </a:p>
-          </p:txBody>
-        </p:sp>
-        <p:sp>
-          <p:nvSpPr>
-            <p:cNvPr id="206" name="Google Shape;206;p30"/>
-            <p:cNvSpPr/>
-            <p:nvPr/>
-          </p:nvSpPr>
-          <p:spPr>
-            <a:xfrm>
-              <a:off x="4438000" y="2574325"/>
-              <a:ext cx="647475" cy="112575"/>
-            </a:xfrm>
-            <a:custGeom>
-              <a:avLst/>
-              <a:gdLst/>
-              <a:ahLst/>
-              <a:cxnLst/>
-              <a:rect l="l" t="t" r="r" b="b"/>
-              <a:pathLst>
-                <a:path w="25899" h="4503" fill="none" extrusionOk="0">
-                  <a:moveTo>
-                    <a:pt x="25898" y="1"/>
-                  </a:moveTo>
-                  <a:lnTo>
-                    <a:pt x="20106" y="4503"/>
-                  </a:lnTo>
-                  <a:lnTo>
-                    <a:pt x="0" y="4503"/>
-                  </a:lnTo>
-                </a:path>
-              </a:pathLst>
-            </a:custGeom>
-            <a:noFill/>
-            <a:ln w="9525" cap="rnd" cmpd="sng">
-              <a:solidFill>
-                <a:schemeClr val="dk2"/>
-              </a:solidFill>
-              <a:prstDash val="solid"/>
-              <a:round/>
-              <a:headEnd type="none" w="sm" len="sm"/>
-              <a:tailEnd type="none" w="sm" len="sm"/>
-            </a:ln>
-          </p:spPr>
-          <p:txBody>
-            <a:bodyPr spcFirstLastPara="1" wrap="square" lIns="91425" tIns="91425" rIns="91425" bIns="91425" anchor="ctr" anchorCtr="0">
-              <a:noAutofit/>
-            </a:bodyPr>
-            <a:lstStyle/>
-            <a:p>
-              <a:pPr marL="0" lvl="0" indent="0" algn="l" rtl="0">
-                <a:spcBef>
-                  <a:spcPts val="0"/>
-                </a:spcBef>
-                <a:spcAft>
-                  <a:spcPts val="0"/>
-                </a:spcAft>
-                <a:buNone/>
-              </a:pPr>
-              <a:endParaRPr/>
-            </a:p>
-          </p:txBody>
-        </p:sp>
-        <p:sp>
-          <p:nvSpPr>
-            <p:cNvPr id="207" name="Google Shape;207;p30"/>
-            <p:cNvSpPr/>
-            <p:nvPr/>
-          </p:nvSpPr>
-          <p:spPr>
-            <a:xfrm>
-              <a:off x="4501225" y="2686875"/>
-              <a:ext cx="205800" cy="44350"/>
-            </a:xfrm>
-            <a:custGeom>
-              <a:avLst/>
-              <a:gdLst/>
-              <a:ahLst/>
-              <a:cxnLst/>
-              <a:rect l="l" t="t" r="r" b="b"/>
-              <a:pathLst>
-                <a:path w="8232" h="1774" fill="none" extrusionOk="0">
-                  <a:moveTo>
-                    <a:pt x="8231" y="1"/>
-                  </a:moveTo>
-                  <a:lnTo>
-                    <a:pt x="6467" y="1774"/>
-                  </a:lnTo>
-                  <a:lnTo>
-                    <a:pt x="1" y="1774"/>
-                  </a:lnTo>
-                </a:path>
-              </a:pathLst>
-            </a:custGeom>
-            <a:noFill/>
-            <a:ln w="9525" cap="rnd" cmpd="sng">
-              <a:solidFill>
-                <a:schemeClr val="dk2"/>
-              </a:solidFill>
-              <a:prstDash val="solid"/>
-              <a:round/>
-              <a:headEnd type="none" w="sm" len="sm"/>
-              <a:tailEnd type="none" w="sm" len="sm"/>
-            </a:ln>
-          </p:spPr>
-          <p:txBody>
-            <a:bodyPr spcFirstLastPara="1" wrap="square" lIns="91425" tIns="91425" rIns="91425" bIns="91425" anchor="ctr" anchorCtr="0">
-              <a:noAutofit/>
-            </a:bodyPr>
-            <a:lstStyle/>
-            <a:p>
-              <a:pPr marL="0" lvl="0" indent="0" algn="l" rtl="0">
-                <a:spcBef>
-                  <a:spcPts val="0"/>
-                </a:spcBef>
-                <a:spcAft>
-                  <a:spcPts val="0"/>
-                </a:spcAft>
-                <a:buNone/>
-              </a:pPr>
-              <a:endParaRPr/>
-            </a:p>
-          </p:txBody>
-        </p:sp>
-        <p:sp>
-          <p:nvSpPr>
-            <p:cNvPr id="208" name="Google Shape;208;p30"/>
-            <p:cNvSpPr/>
-            <p:nvPr/>
-          </p:nvSpPr>
-          <p:spPr>
-            <a:xfrm>
-              <a:off x="4964150" y="2574325"/>
-              <a:ext cx="335200" cy="25"/>
-            </a:xfrm>
-            <a:custGeom>
-              <a:avLst/>
-              <a:gdLst/>
-              <a:ahLst/>
-              <a:cxnLst/>
-              <a:rect l="l" t="t" r="r" b="b"/>
-              <a:pathLst>
-                <a:path w="13408" h="1" fill="none" extrusionOk="0">
-                  <a:moveTo>
-                    <a:pt x="13407" y="1"/>
-                  </a:moveTo>
-                  <a:lnTo>
-                    <a:pt x="0" y="1"/>
-                  </a:lnTo>
-                </a:path>
-              </a:pathLst>
-            </a:custGeom>
-            <a:noFill/>
-            <a:ln w="9525" cap="rnd" cmpd="sng">
-              <a:solidFill>
-                <a:schemeClr val="dk2"/>
-              </a:solidFill>
-              <a:prstDash val="solid"/>
-              <a:round/>
-              <a:headEnd type="none" w="sm" len="sm"/>
-              <a:tailEnd type="none" w="sm" len="sm"/>
-            </a:ln>
-          </p:spPr>
-          <p:txBody>
-            <a:bodyPr spcFirstLastPara="1" wrap="square" lIns="91425" tIns="91425" rIns="91425" bIns="91425" anchor="ctr" anchorCtr="0">
-              <a:noAutofit/>
-            </a:bodyPr>
-            <a:lstStyle/>
-            <a:p>
-              <a:pPr marL="0" lvl="0" indent="0" algn="l" rtl="0">
-                <a:spcBef>
-                  <a:spcPts val="0"/>
-                </a:spcBef>
-                <a:spcAft>
-                  <a:spcPts val="0"/>
-                </a:spcAft>
-                <a:buNone/>
-              </a:pPr>
-              <a:endParaRPr/>
-            </a:p>
-          </p:txBody>
-        </p:sp>
-      </p:grpSp>
-    </p:spTree>
-  </p:cSld>
-  <p:clrMapOvr>
-    <a:masterClrMapping/>
-  </p:clrMapOvr>
-</p:sldLayout>
-</file>
-
 <file path=ppt/slideLayouts/slideLayout2.xml><?xml version="1.0" encoding="utf-8"?>
 <p:sldLayout xmlns:a="http://schemas.openxmlformats.org/drawingml/2006/main" xmlns:r="http://schemas.openxmlformats.org/officeDocument/2006/relationships" xmlns:p="http://schemas.openxmlformats.org/presentationml/2006/main" matchingName="Section header" type="secHead">
   <p:cSld name="SECTION_HEADER">
@@ -3426,188 +2129,6 @@
 </file>
 
 <file path=ppt/slideLayouts/slideLayout3.xml><?xml version="1.0" encoding="utf-8"?>
-<p:sldLayout xmlns:a="http://schemas.openxmlformats.org/drawingml/2006/main" xmlns:r="http://schemas.openxmlformats.org/officeDocument/2006/relationships" xmlns:p="http://schemas.openxmlformats.org/presentationml/2006/main" matchingName="Title only" type="titleOnly">
-  <p:cSld name="TITLE_ONLY">
-    <p:spTree>
-      <p:nvGrpSpPr>
-        <p:cNvPr id="1" name="Shape 27"/>
-        <p:cNvGrpSpPr/>
-        <p:nvPr/>
-      </p:nvGrpSpPr>
-      <p:grpSpPr>
-        <a:xfrm>
-          <a:off x="0" y="0"/>
-          <a:ext cx="0" cy="0"/>
-          <a:chOff x="0" y="0"/>
-          <a:chExt cx="0" cy="0"/>
-        </a:xfrm>
-      </p:grpSpPr>
-      <p:pic>
-        <p:nvPicPr>
-          <p:cNvPr id="28" name="Google Shape;28;p6"/>
-          <p:cNvPicPr preferRelativeResize="0"/>
-          <p:nvPr/>
-        </p:nvPicPr>
-        <p:blipFill>
-          <a:blip r:embed="rId2">
-            <a:alphaModFix amt="51000"/>
-          </a:blip>
-          <a:stretch>
-            <a:fillRect/>
-          </a:stretch>
-        </p:blipFill>
-        <p:spPr>
-          <a:xfrm>
-            <a:off x="0" y="0"/>
-            <a:ext cx="9144000" cy="5143500"/>
-          </a:xfrm>
-          <a:prstGeom prst="rect">
-            <a:avLst/>
-          </a:prstGeom>
-          <a:noFill/>
-          <a:ln>
-            <a:noFill/>
-          </a:ln>
-        </p:spPr>
-      </p:pic>
-      <p:sp>
-        <p:nvSpPr>
-          <p:cNvPr id="29" name="Google Shape;29;p6"/>
-          <p:cNvSpPr txBox="1">
-            <a:spLocks noGrp="1"/>
-          </p:cNvSpPr>
-          <p:nvPr>
-            <p:ph type="title"/>
-          </p:nvPr>
-        </p:nvSpPr>
-        <p:spPr>
-          <a:xfrm>
-            <a:off x="720000" y="445025"/>
-            <a:ext cx="7704000" cy="572700"/>
-          </a:xfrm>
-          <a:prstGeom prst="rect">
-            <a:avLst/>
-          </a:prstGeom>
-        </p:spPr>
-        <p:txBody>
-          <a:bodyPr spcFirstLastPara="1" wrap="square" lIns="91425" tIns="91425" rIns="91425" bIns="91425" anchor="t" anchorCtr="0">
-            <a:noAutofit/>
-          </a:bodyPr>
-          <a:lstStyle>
-            <a:lvl1pPr lvl="0" rtl="0">
-              <a:spcBef>
-                <a:spcPts val="0"/>
-              </a:spcBef>
-              <a:spcAft>
-                <a:spcPts val="0"/>
-              </a:spcAft>
-              <a:buSzPts val="3000"/>
-              <a:buNone/>
-              <a:defRPr/>
-            </a:lvl1pPr>
-            <a:lvl2pPr lvl="1" rtl="0">
-              <a:spcBef>
-                <a:spcPts val="0"/>
-              </a:spcBef>
-              <a:spcAft>
-                <a:spcPts val="0"/>
-              </a:spcAft>
-              <a:buSzPts val="3500"/>
-              <a:buNone/>
-              <a:defRPr/>
-            </a:lvl2pPr>
-            <a:lvl3pPr lvl="2" rtl="0">
-              <a:spcBef>
-                <a:spcPts val="0"/>
-              </a:spcBef>
-              <a:spcAft>
-                <a:spcPts val="0"/>
-              </a:spcAft>
-              <a:buSzPts val="3500"/>
-              <a:buNone/>
-              <a:defRPr/>
-            </a:lvl3pPr>
-            <a:lvl4pPr lvl="3" rtl="0">
-              <a:spcBef>
-                <a:spcPts val="0"/>
-              </a:spcBef>
-              <a:spcAft>
-                <a:spcPts val="0"/>
-              </a:spcAft>
-              <a:buSzPts val="3500"/>
-              <a:buNone/>
-              <a:defRPr/>
-            </a:lvl4pPr>
-            <a:lvl5pPr lvl="4" rtl="0">
-              <a:spcBef>
-                <a:spcPts val="0"/>
-              </a:spcBef>
-              <a:spcAft>
-                <a:spcPts val="0"/>
-              </a:spcAft>
-              <a:buSzPts val="3500"/>
-              <a:buNone/>
-              <a:defRPr/>
-            </a:lvl5pPr>
-            <a:lvl6pPr lvl="5" rtl="0">
-              <a:spcBef>
-                <a:spcPts val="0"/>
-              </a:spcBef>
-              <a:spcAft>
-                <a:spcPts val="0"/>
-              </a:spcAft>
-              <a:buSzPts val="3500"/>
-              <a:buNone/>
-              <a:defRPr/>
-            </a:lvl6pPr>
-            <a:lvl7pPr lvl="6" rtl="0">
-              <a:spcBef>
-                <a:spcPts val="0"/>
-              </a:spcBef>
-              <a:spcAft>
-                <a:spcPts val="0"/>
-              </a:spcAft>
-              <a:buSzPts val="3500"/>
-              <a:buNone/>
-              <a:defRPr/>
-            </a:lvl7pPr>
-            <a:lvl8pPr lvl="7" rtl="0">
-              <a:spcBef>
-                <a:spcPts val="0"/>
-              </a:spcBef>
-              <a:spcAft>
-                <a:spcPts val="0"/>
-              </a:spcAft>
-              <a:buSzPts val="3500"/>
-              <a:buNone/>
-              <a:defRPr/>
-            </a:lvl8pPr>
-            <a:lvl9pPr lvl="8" rtl="0">
-              <a:spcBef>
-                <a:spcPts val="0"/>
-              </a:spcBef>
-              <a:spcAft>
-                <a:spcPts val="0"/>
-              </a:spcAft>
-              <a:buSzPts val="3500"/>
-              <a:buNone/>
-              <a:defRPr/>
-            </a:lvl9pPr>
-          </a:lstStyle>
-          <a:p>
-            <a:endParaRPr/>
-          </a:p>
-        </p:txBody>
-      </p:sp>
-    </p:spTree>
-  </p:cSld>
-  <p:clrMapOvr>
-    <a:masterClrMapping/>
-  </p:clrMapOvr>
-</p:sldLayout>
-</file>
-
-<file path=ppt/slideLayouts/slideLayout4.xml><?xml version="1.0" encoding="utf-8"?>
 <p:sldLayout xmlns:a="http://schemas.openxmlformats.org/drawingml/2006/main" xmlns:r="http://schemas.openxmlformats.org/officeDocument/2006/relationships" xmlns:p="http://schemas.openxmlformats.org/presentationml/2006/main" matchingName="Main point">
   <p:cSld name="MAIN_POINT">
     <p:spTree>
@@ -3789,7 +2310,7 @@
 </p:sldLayout>
 </file>
 
-<file path=ppt/slideLayouts/slideLayout5.xml><?xml version="1.0" encoding="utf-8"?>
+<file path=ppt/slideLayouts/slideLayout4.xml><?xml version="1.0" encoding="utf-8"?>
 <p:sldLayout xmlns:a="http://schemas.openxmlformats.org/drawingml/2006/main" xmlns:r="http://schemas.openxmlformats.org/officeDocument/2006/relationships" xmlns:p="http://schemas.openxmlformats.org/presentationml/2006/main" matchingName="Blank" type="blank">
   <p:cSld name="BLANK">
     <p:bg>
@@ -3820,7 +2341,7 @@
 </p:sldLayout>
 </file>
 
-<file path=ppt/slideLayouts/slideLayout6.xml><?xml version="1.0" encoding="utf-8"?>
+<file path=ppt/slideLayouts/slideLayout5.xml><?xml version="1.0" encoding="utf-8"?>
 <p:sldLayout xmlns:a="http://schemas.openxmlformats.org/drawingml/2006/main" xmlns:r="http://schemas.openxmlformats.org/officeDocument/2006/relationships" xmlns:p="http://schemas.openxmlformats.org/presentationml/2006/main" matchingName="Section header 1">
   <p:cSld name="SECTION_HEADER_1">
     <p:spTree>
@@ -4197,384 +2718,7 @@
 </p:sldLayout>
 </file>
 
-<file path=ppt/slideLayouts/slideLayout7.xml><?xml version="1.0" encoding="utf-8"?>
-<p:sldLayout xmlns:a="http://schemas.openxmlformats.org/drawingml/2006/main" xmlns:r="http://schemas.openxmlformats.org/officeDocument/2006/relationships" xmlns:p="http://schemas.openxmlformats.org/presentationml/2006/main" matchingName="Section header 2">
-  <p:cSld name="SECTION_HEADER_2">
-    <p:spTree>
-      <p:nvGrpSpPr>
-        <p:cNvPr id="1" name="Shape 65"/>
-        <p:cNvGrpSpPr/>
-        <p:nvPr/>
-      </p:nvGrpSpPr>
-      <p:grpSpPr>
-        <a:xfrm>
-          <a:off x="0" y="0"/>
-          <a:ext cx="0" cy="0"/>
-          <a:chOff x="0" y="0"/>
-          <a:chExt cx="0" cy="0"/>
-        </a:xfrm>
-      </p:grpSpPr>
-      <p:pic>
-        <p:nvPicPr>
-          <p:cNvPr id="66" name="Google Shape;66;p15"/>
-          <p:cNvPicPr preferRelativeResize="0"/>
-          <p:nvPr/>
-        </p:nvPicPr>
-        <p:blipFill>
-          <a:blip r:embed="rId2">
-            <a:alphaModFix amt="51000"/>
-          </a:blip>
-          <a:stretch>
-            <a:fillRect/>
-          </a:stretch>
-        </p:blipFill>
-        <p:spPr>
-          <a:xfrm>
-            <a:off x="0" y="0"/>
-            <a:ext cx="9144000" cy="5143500"/>
-          </a:xfrm>
-          <a:prstGeom prst="rect">
-            <a:avLst/>
-          </a:prstGeom>
-          <a:noFill/>
-          <a:ln>
-            <a:noFill/>
-          </a:ln>
-        </p:spPr>
-      </p:pic>
-      <p:sp>
-        <p:nvSpPr>
-          <p:cNvPr id="67" name="Google Shape;67;p15"/>
-          <p:cNvSpPr txBox="1">
-            <a:spLocks noGrp="1"/>
-          </p:cNvSpPr>
-          <p:nvPr>
-            <p:ph type="title"/>
-          </p:nvPr>
-        </p:nvSpPr>
-        <p:spPr>
-          <a:xfrm>
-            <a:off x="3127325" y="1987300"/>
-            <a:ext cx="5303400" cy="1645800"/>
-          </a:xfrm>
-          <a:prstGeom prst="rect">
-            <a:avLst/>
-          </a:prstGeom>
-        </p:spPr>
-        <p:txBody>
-          <a:bodyPr spcFirstLastPara="1" wrap="square" lIns="91425" tIns="91425" rIns="91425" bIns="91425" anchor="t" anchorCtr="0">
-            <a:noAutofit/>
-          </a:bodyPr>
-          <a:lstStyle>
-            <a:lvl1pPr lvl="0" algn="r" rtl="0">
-              <a:spcBef>
-                <a:spcPts val="0"/>
-              </a:spcBef>
-              <a:spcAft>
-                <a:spcPts val="0"/>
-              </a:spcAft>
-              <a:buSzPts val="3600"/>
-              <a:buNone/>
-              <a:defRPr sz="5000"/>
-            </a:lvl1pPr>
-            <a:lvl2pPr lvl="1" algn="ctr" rtl="0">
-              <a:spcBef>
-                <a:spcPts val="0"/>
-              </a:spcBef>
-              <a:spcAft>
-                <a:spcPts val="0"/>
-              </a:spcAft>
-              <a:buSzPts val="3600"/>
-              <a:buNone/>
-              <a:defRPr sz="3600"/>
-            </a:lvl2pPr>
-            <a:lvl3pPr lvl="2" algn="ctr" rtl="0">
-              <a:spcBef>
-                <a:spcPts val="0"/>
-              </a:spcBef>
-              <a:spcAft>
-                <a:spcPts val="0"/>
-              </a:spcAft>
-              <a:buSzPts val="3600"/>
-              <a:buNone/>
-              <a:defRPr sz="3600"/>
-            </a:lvl3pPr>
-            <a:lvl4pPr lvl="3" algn="ctr" rtl="0">
-              <a:spcBef>
-                <a:spcPts val="0"/>
-              </a:spcBef>
-              <a:spcAft>
-                <a:spcPts val="0"/>
-              </a:spcAft>
-              <a:buSzPts val="3600"/>
-              <a:buNone/>
-              <a:defRPr sz="3600"/>
-            </a:lvl4pPr>
-            <a:lvl5pPr lvl="4" algn="ctr" rtl="0">
-              <a:spcBef>
-                <a:spcPts val="0"/>
-              </a:spcBef>
-              <a:spcAft>
-                <a:spcPts val="0"/>
-              </a:spcAft>
-              <a:buSzPts val="3600"/>
-              <a:buNone/>
-              <a:defRPr sz="3600"/>
-            </a:lvl5pPr>
-            <a:lvl6pPr lvl="5" algn="ctr" rtl="0">
-              <a:spcBef>
-                <a:spcPts val="0"/>
-              </a:spcBef>
-              <a:spcAft>
-                <a:spcPts val="0"/>
-              </a:spcAft>
-              <a:buSzPts val="3600"/>
-              <a:buNone/>
-              <a:defRPr sz="3600"/>
-            </a:lvl6pPr>
-            <a:lvl7pPr lvl="6" algn="ctr" rtl="0">
-              <a:spcBef>
-                <a:spcPts val="0"/>
-              </a:spcBef>
-              <a:spcAft>
-                <a:spcPts val="0"/>
-              </a:spcAft>
-              <a:buSzPts val="3600"/>
-              <a:buNone/>
-              <a:defRPr sz="3600"/>
-            </a:lvl7pPr>
-            <a:lvl8pPr lvl="7" algn="ctr" rtl="0">
-              <a:spcBef>
-                <a:spcPts val="0"/>
-              </a:spcBef>
-              <a:spcAft>
-                <a:spcPts val="0"/>
-              </a:spcAft>
-              <a:buSzPts val="3600"/>
-              <a:buNone/>
-              <a:defRPr sz="3600"/>
-            </a:lvl8pPr>
-            <a:lvl9pPr lvl="8" algn="ctr" rtl="0">
-              <a:spcBef>
-                <a:spcPts val="0"/>
-              </a:spcBef>
-              <a:spcAft>
-                <a:spcPts val="0"/>
-              </a:spcAft>
-              <a:buSzPts val="3600"/>
-              <a:buNone/>
-              <a:defRPr sz="3600"/>
-            </a:lvl9pPr>
-          </a:lstStyle>
-          <a:p>
-            <a:endParaRPr/>
-          </a:p>
-        </p:txBody>
-      </p:sp>
-      <p:sp>
-        <p:nvSpPr>
-          <p:cNvPr id="68" name="Google Shape;68;p15"/>
-          <p:cNvSpPr txBox="1">
-            <a:spLocks noGrp="1"/>
-          </p:cNvSpPr>
-          <p:nvPr>
-            <p:ph type="title" idx="2" hasCustomPrompt="1"/>
-          </p:nvPr>
-        </p:nvSpPr>
-        <p:spPr>
-          <a:xfrm>
-            <a:off x="6075425" y="768100"/>
-            <a:ext cx="2355300" cy="1371600"/>
-          </a:xfrm>
-          <a:prstGeom prst="rect">
-            <a:avLst/>
-          </a:prstGeom>
-          <a:noFill/>
-        </p:spPr>
-        <p:txBody>
-          <a:bodyPr spcFirstLastPara="1" wrap="square" lIns="91425" tIns="91425" rIns="91425" bIns="91425" anchor="b" anchorCtr="0">
-            <a:noAutofit/>
-          </a:bodyPr>
-          <a:lstStyle>
-            <a:lvl1pPr lvl="0" algn="r" rtl="0">
-              <a:spcBef>
-                <a:spcPts val="0"/>
-              </a:spcBef>
-              <a:spcAft>
-                <a:spcPts val="0"/>
-              </a:spcAft>
-              <a:buClr>
-                <a:schemeClr val="lt1"/>
-              </a:buClr>
-              <a:buSzPts val="6000"/>
-              <a:buNone/>
-              <a:defRPr sz="9000">
-                <a:solidFill>
-                  <a:schemeClr val="dk2"/>
-                </a:solidFill>
-              </a:defRPr>
-            </a:lvl1pPr>
-            <a:lvl2pPr lvl="1" algn="ctr" rtl="0">
-              <a:spcBef>
-                <a:spcPts val="0"/>
-              </a:spcBef>
-              <a:spcAft>
-                <a:spcPts val="0"/>
-              </a:spcAft>
-              <a:buClr>
-                <a:schemeClr val="lt1"/>
-              </a:buClr>
-              <a:buSzPts val="6000"/>
-              <a:buNone/>
-              <a:defRPr sz="6000">
-                <a:solidFill>
-                  <a:schemeClr val="lt1"/>
-                </a:solidFill>
-              </a:defRPr>
-            </a:lvl2pPr>
-            <a:lvl3pPr lvl="2" algn="ctr" rtl="0">
-              <a:spcBef>
-                <a:spcPts val="0"/>
-              </a:spcBef>
-              <a:spcAft>
-                <a:spcPts val="0"/>
-              </a:spcAft>
-              <a:buClr>
-                <a:schemeClr val="lt1"/>
-              </a:buClr>
-              <a:buSzPts val="6000"/>
-              <a:buNone/>
-              <a:defRPr sz="6000">
-                <a:solidFill>
-                  <a:schemeClr val="lt1"/>
-                </a:solidFill>
-              </a:defRPr>
-            </a:lvl3pPr>
-            <a:lvl4pPr lvl="3" algn="ctr" rtl="0">
-              <a:spcBef>
-                <a:spcPts val="0"/>
-              </a:spcBef>
-              <a:spcAft>
-                <a:spcPts val="0"/>
-              </a:spcAft>
-              <a:buClr>
-                <a:schemeClr val="lt1"/>
-              </a:buClr>
-              <a:buSzPts val="6000"/>
-              <a:buNone/>
-              <a:defRPr sz="6000">
-                <a:solidFill>
-                  <a:schemeClr val="lt1"/>
-                </a:solidFill>
-              </a:defRPr>
-            </a:lvl4pPr>
-            <a:lvl5pPr lvl="4" algn="ctr" rtl="0">
-              <a:spcBef>
-                <a:spcPts val="0"/>
-              </a:spcBef>
-              <a:spcAft>
-                <a:spcPts val="0"/>
-              </a:spcAft>
-              <a:buClr>
-                <a:schemeClr val="lt1"/>
-              </a:buClr>
-              <a:buSzPts val="6000"/>
-              <a:buNone/>
-              <a:defRPr sz="6000">
-                <a:solidFill>
-                  <a:schemeClr val="lt1"/>
-                </a:solidFill>
-              </a:defRPr>
-            </a:lvl5pPr>
-            <a:lvl6pPr lvl="5" algn="ctr" rtl="0">
-              <a:spcBef>
-                <a:spcPts val="0"/>
-              </a:spcBef>
-              <a:spcAft>
-                <a:spcPts val="0"/>
-              </a:spcAft>
-              <a:buClr>
-                <a:schemeClr val="lt1"/>
-              </a:buClr>
-              <a:buSzPts val="6000"/>
-              <a:buNone/>
-              <a:defRPr sz="6000">
-                <a:solidFill>
-                  <a:schemeClr val="lt1"/>
-                </a:solidFill>
-              </a:defRPr>
-            </a:lvl6pPr>
-            <a:lvl7pPr lvl="6" algn="ctr" rtl="0">
-              <a:spcBef>
-                <a:spcPts val="0"/>
-              </a:spcBef>
-              <a:spcAft>
-                <a:spcPts val="0"/>
-              </a:spcAft>
-              <a:buClr>
-                <a:schemeClr val="lt1"/>
-              </a:buClr>
-              <a:buSzPts val="6000"/>
-              <a:buNone/>
-              <a:defRPr sz="6000">
-                <a:solidFill>
-                  <a:schemeClr val="lt1"/>
-                </a:solidFill>
-              </a:defRPr>
-            </a:lvl7pPr>
-            <a:lvl8pPr lvl="7" algn="ctr" rtl="0">
-              <a:spcBef>
-                <a:spcPts val="0"/>
-              </a:spcBef>
-              <a:spcAft>
-                <a:spcPts val="0"/>
-              </a:spcAft>
-              <a:buClr>
-                <a:schemeClr val="lt1"/>
-              </a:buClr>
-              <a:buSzPts val="6000"/>
-              <a:buNone/>
-              <a:defRPr sz="6000">
-                <a:solidFill>
-                  <a:schemeClr val="lt1"/>
-                </a:solidFill>
-              </a:defRPr>
-            </a:lvl8pPr>
-            <a:lvl9pPr lvl="8" algn="ctr" rtl="0">
-              <a:spcBef>
-                <a:spcPts val="0"/>
-              </a:spcBef>
-              <a:spcAft>
-                <a:spcPts val="0"/>
-              </a:spcAft>
-              <a:buClr>
-                <a:schemeClr val="lt1"/>
-              </a:buClr>
-              <a:buSzPts val="6000"/>
-              <a:buNone/>
-              <a:defRPr sz="6000">
-                <a:solidFill>
-                  <a:schemeClr val="lt1"/>
-                </a:solidFill>
-              </a:defRPr>
-            </a:lvl9pPr>
-          </a:lstStyle>
-          <a:p>
-            <a:r>
-              <a:t>xx%</a:t>
-            </a:r>
-          </a:p>
-        </p:txBody>
-      </p:sp>
-    </p:spTree>
-  </p:cSld>
-  <p:clrMapOvr>
-    <a:masterClrMapping/>
-  </p:clrMapOvr>
-</p:sldLayout>
-</file>
-
-<file path=ppt/slideLayouts/slideLayout8.xml><?xml version="1.0" encoding="utf-8"?>
+<file path=ppt/slideLayouts/slideLayout6.xml><?xml version="1.0" encoding="utf-8"?>
 <p:sldLayout xmlns:a="http://schemas.openxmlformats.org/drawingml/2006/main" xmlns:r="http://schemas.openxmlformats.org/officeDocument/2006/relationships" xmlns:p="http://schemas.openxmlformats.org/presentationml/2006/main" matchingName="Title and four columns">
   <p:cSld name="CUSTOM_5">
     <p:spTree>
@@ -6200,7 +4344,7 @@
 </p:sldLayout>
 </file>
 
-<file path=ppt/slideLayouts/slideLayout9.xml><?xml version="1.0" encoding="utf-8"?>
+<file path=ppt/slideLayouts/slideLayout7.xml><?xml version="1.0" encoding="utf-8"?>
 <p:sldLayout xmlns:a="http://schemas.openxmlformats.org/drawingml/2006/main" xmlns:r="http://schemas.openxmlformats.org/officeDocument/2006/relationships" xmlns:p="http://schemas.openxmlformats.org/presentationml/2006/main" matchingName="Background">
   <p:cSld name="CUSTOM_9">
     <p:spTree>
@@ -7223,6 +5367,1093 @@
         <p:sp>
           <p:nvSpPr>
             <p:cNvPr id="188" name="Google Shape;188;p29"/>
+            <p:cNvSpPr/>
+            <p:nvPr/>
+          </p:nvSpPr>
+          <p:spPr>
+            <a:xfrm>
+              <a:off x="4964150" y="2574325"/>
+              <a:ext cx="335200" cy="25"/>
+            </a:xfrm>
+            <a:custGeom>
+              <a:avLst/>
+              <a:gdLst/>
+              <a:ahLst/>
+              <a:cxnLst/>
+              <a:rect l="l" t="t" r="r" b="b"/>
+              <a:pathLst>
+                <a:path w="13408" h="1" fill="none" extrusionOk="0">
+                  <a:moveTo>
+                    <a:pt x="13407" y="1"/>
+                  </a:moveTo>
+                  <a:lnTo>
+                    <a:pt x="0" y="1"/>
+                  </a:lnTo>
+                </a:path>
+              </a:pathLst>
+            </a:custGeom>
+            <a:noFill/>
+            <a:ln w="9525" cap="rnd" cmpd="sng">
+              <a:solidFill>
+                <a:schemeClr val="dk2"/>
+              </a:solidFill>
+              <a:prstDash val="solid"/>
+              <a:round/>
+              <a:headEnd type="none" w="sm" len="sm"/>
+              <a:tailEnd type="none" w="sm" len="sm"/>
+            </a:ln>
+          </p:spPr>
+          <p:txBody>
+            <a:bodyPr spcFirstLastPara="1" wrap="square" lIns="91425" tIns="91425" rIns="91425" bIns="91425" anchor="ctr" anchorCtr="0">
+              <a:noAutofit/>
+            </a:bodyPr>
+            <a:lstStyle/>
+            <a:p>
+              <a:pPr marL="0" lvl="0" indent="0" algn="l" rtl="0">
+                <a:spcBef>
+                  <a:spcPts val="0"/>
+                </a:spcBef>
+                <a:spcAft>
+                  <a:spcPts val="0"/>
+                </a:spcAft>
+                <a:buNone/>
+              </a:pPr>
+              <a:endParaRPr/>
+            </a:p>
+          </p:txBody>
+        </p:sp>
+      </p:grpSp>
+    </p:spTree>
+  </p:cSld>
+  <p:clrMapOvr>
+    <a:masterClrMapping/>
+  </p:clrMapOvr>
+</p:sldLayout>
+</file>
+
+<file path=ppt/slideLayouts/slideLayout8.xml><?xml version="1.0" encoding="utf-8"?>
+<p:sldLayout xmlns:a="http://schemas.openxmlformats.org/drawingml/2006/main" xmlns:r="http://schemas.openxmlformats.org/officeDocument/2006/relationships" xmlns:p="http://schemas.openxmlformats.org/presentationml/2006/main" matchingName="Background 1">
+  <p:cSld name="CUSTOM_9_1">
+    <p:spTree>
+      <p:nvGrpSpPr>
+        <p:cNvPr id="1" name="Shape 189"/>
+        <p:cNvGrpSpPr/>
+        <p:nvPr/>
+      </p:nvGrpSpPr>
+      <p:grpSpPr>
+        <a:xfrm>
+          <a:off x="0" y="0"/>
+          <a:ext cx="0" cy="0"/>
+          <a:chOff x="0" y="0"/>
+          <a:chExt cx="0" cy="0"/>
+        </a:xfrm>
+      </p:grpSpPr>
+      <p:pic>
+        <p:nvPicPr>
+          <p:cNvPr id="190" name="Google Shape;190;p30"/>
+          <p:cNvPicPr preferRelativeResize="0"/>
+          <p:nvPr/>
+        </p:nvPicPr>
+        <p:blipFill>
+          <a:blip r:embed="rId2">
+            <a:alphaModFix amt="51000"/>
+          </a:blip>
+          <a:stretch>
+            <a:fillRect/>
+          </a:stretch>
+        </p:blipFill>
+        <p:spPr>
+          <a:xfrm>
+            <a:off x="0" y="0"/>
+            <a:ext cx="9144000" cy="5143500"/>
+          </a:xfrm>
+          <a:prstGeom prst="rect">
+            <a:avLst/>
+          </a:prstGeom>
+          <a:noFill/>
+          <a:ln>
+            <a:noFill/>
+          </a:ln>
+        </p:spPr>
+      </p:pic>
+      <p:grpSp>
+        <p:nvGrpSpPr>
+          <p:cNvPr id="191" name="Google Shape;191;p30"/>
+          <p:cNvGrpSpPr/>
+          <p:nvPr/>
+        </p:nvGrpSpPr>
+        <p:grpSpPr>
+          <a:xfrm rot="10800000" flipH="1">
+            <a:off x="8046735" y="539509"/>
+            <a:ext cx="1097257" cy="1097322"/>
+            <a:chOff x="4311275" y="1420050"/>
+            <a:chExt cx="988075" cy="1311175"/>
+          </a:xfrm>
+        </p:grpSpPr>
+        <p:sp>
+          <p:nvSpPr>
+            <p:cNvPr id="192" name="Google Shape;192;p30"/>
+            <p:cNvSpPr/>
+            <p:nvPr/>
+          </p:nvSpPr>
+          <p:spPr>
+            <a:xfrm>
+              <a:off x="4311275" y="2417450"/>
+              <a:ext cx="988075" cy="25"/>
+            </a:xfrm>
+            <a:custGeom>
+              <a:avLst/>
+              <a:gdLst/>
+              <a:ahLst/>
+              <a:cxnLst/>
+              <a:rect l="l" t="t" r="r" b="b"/>
+              <a:pathLst>
+                <a:path w="39523" h="1" fill="none" extrusionOk="0">
+                  <a:moveTo>
+                    <a:pt x="39522" y="1"/>
+                  </a:moveTo>
+                  <a:lnTo>
+                    <a:pt x="1" y="1"/>
+                  </a:lnTo>
+                </a:path>
+              </a:pathLst>
+            </a:custGeom>
+            <a:noFill/>
+            <a:ln w="9525" cap="rnd" cmpd="sng">
+              <a:solidFill>
+                <a:schemeClr val="dk2"/>
+              </a:solidFill>
+              <a:prstDash val="solid"/>
+              <a:round/>
+              <a:headEnd type="none" w="sm" len="sm"/>
+              <a:tailEnd type="none" w="sm" len="sm"/>
+            </a:ln>
+          </p:spPr>
+          <p:txBody>
+            <a:bodyPr spcFirstLastPara="1" wrap="square" lIns="91425" tIns="91425" rIns="91425" bIns="91425" anchor="ctr" anchorCtr="0">
+              <a:noAutofit/>
+            </a:bodyPr>
+            <a:lstStyle/>
+            <a:p>
+              <a:pPr marL="0" lvl="0" indent="0" algn="l" rtl="0">
+                <a:spcBef>
+                  <a:spcPts val="0"/>
+                </a:spcBef>
+                <a:spcAft>
+                  <a:spcPts val="0"/>
+                </a:spcAft>
+                <a:buNone/>
+              </a:pPr>
+              <a:endParaRPr/>
+            </a:p>
+          </p:txBody>
+        </p:sp>
+        <p:sp>
+          <p:nvSpPr>
+            <p:cNvPr id="193" name="Google Shape;193;p30"/>
+            <p:cNvSpPr/>
+            <p:nvPr/>
+          </p:nvSpPr>
+          <p:spPr>
+            <a:xfrm>
+              <a:off x="4751525" y="2417450"/>
+              <a:ext cx="199750" cy="199750"/>
+            </a:xfrm>
+            <a:custGeom>
+              <a:avLst/>
+              <a:gdLst/>
+              <a:ahLst/>
+              <a:cxnLst/>
+              <a:rect l="l" t="t" r="r" b="b"/>
+              <a:pathLst>
+                <a:path w="7990" h="7990" fill="none" extrusionOk="0">
+                  <a:moveTo>
+                    <a:pt x="7990" y="1"/>
+                  </a:moveTo>
+                  <a:lnTo>
+                    <a:pt x="0" y="7990"/>
+                  </a:lnTo>
+                </a:path>
+              </a:pathLst>
+            </a:custGeom>
+            <a:noFill/>
+            <a:ln w="9525" cap="rnd" cmpd="sng">
+              <a:solidFill>
+                <a:schemeClr val="dk2"/>
+              </a:solidFill>
+              <a:prstDash val="solid"/>
+              <a:round/>
+              <a:headEnd type="none" w="sm" len="sm"/>
+              <a:tailEnd type="none" w="sm" len="sm"/>
+            </a:ln>
+          </p:spPr>
+          <p:txBody>
+            <a:bodyPr spcFirstLastPara="1" wrap="square" lIns="91425" tIns="91425" rIns="91425" bIns="91425" anchor="ctr" anchorCtr="0">
+              <a:noAutofit/>
+            </a:bodyPr>
+            <a:lstStyle/>
+            <a:p>
+              <a:pPr marL="0" lvl="0" indent="0" algn="l" rtl="0">
+                <a:spcBef>
+                  <a:spcPts val="0"/>
+                </a:spcBef>
+                <a:spcAft>
+                  <a:spcPts val="0"/>
+                </a:spcAft>
+                <a:buNone/>
+              </a:pPr>
+              <a:endParaRPr/>
+            </a:p>
+          </p:txBody>
+        </p:sp>
+        <p:sp>
+          <p:nvSpPr>
+            <p:cNvPr id="194" name="Google Shape;194;p30"/>
+            <p:cNvSpPr/>
+            <p:nvPr/>
+          </p:nvSpPr>
+          <p:spPr>
+            <a:xfrm>
+              <a:off x="4501025" y="2263075"/>
+              <a:ext cx="798325" cy="113000"/>
+            </a:xfrm>
+            <a:custGeom>
+              <a:avLst/>
+              <a:gdLst/>
+              <a:ahLst/>
+              <a:cxnLst/>
+              <a:rect l="l" t="t" r="r" b="b"/>
+              <a:pathLst>
+                <a:path w="31933" h="4520" fill="none" extrusionOk="0">
+                  <a:moveTo>
+                    <a:pt x="31932" y="4520"/>
+                  </a:moveTo>
+                  <a:lnTo>
+                    <a:pt x="4520" y="4520"/>
+                  </a:lnTo>
+                  <a:lnTo>
+                    <a:pt x="1" y="1"/>
+                  </a:lnTo>
+                </a:path>
+              </a:pathLst>
+            </a:custGeom>
+            <a:noFill/>
+            <a:ln w="9525" cap="rnd" cmpd="sng">
+              <a:solidFill>
+                <a:schemeClr val="dk2"/>
+              </a:solidFill>
+              <a:prstDash val="solid"/>
+              <a:round/>
+              <a:headEnd type="none" w="sm" len="sm"/>
+              <a:tailEnd type="none" w="sm" len="sm"/>
+            </a:ln>
+          </p:spPr>
+          <p:txBody>
+            <a:bodyPr spcFirstLastPara="1" wrap="square" lIns="91425" tIns="91425" rIns="91425" bIns="91425" anchor="ctr" anchorCtr="0">
+              <a:noAutofit/>
+            </a:bodyPr>
+            <a:lstStyle/>
+            <a:p>
+              <a:pPr marL="0" lvl="0" indent="0" algn="l" rtl="0">
+                <a:spcBef>
+                  <a:spcPts val="0"/>
+                </a:spcBef>
+                <a:spcAft>
+                  <a:spcPts val="0"/>
+                </a:spcAft>
+                <a:buNone/>
+              </a:pPr>
+              <a:endParaRPr/>
+            </a:p>
+          </p:txBody>
+        </p:sp>
+        <p:sp>
+          <p:nvSpPr>
+            <p:cNvPr id="195" name="Google Shape;195;p30"/>
+            <p:cNvSpPr/>
+            <p:nvPr/>
+          </p:nvSpPr>
+          <p:spPr>
+            <a:xfrm>
+              <a:off x="4316075" y="2237900"/>
+              <a:ext cx="252800" cy="92825"/>
+            </a:xfrm>
+            <a:custGeom>
+              <a:avLst/>
+              <a:gdLst/>
+              <a:ahLst/>
+              <a:cxnLst/>
+              <a:rect l="l" t="t" r="r" b="b"/>
+              <a:pathLst>
+                <a:path w="10112" h="3713" fill="none" extrusionOk="0">
+                  <a:moveTo>
+                    <a:pt x="10112" y="3712"/>
+                  </a:moveTo>
+                  <a:lnTo>
+                    <a:pt x="3595" y="3712"/>
+                  </a:lnTo>
+                  <a:lnTo>
+                    <a:pt x="0" y="1"/>
+                  </a:lnTo>
+                </a:path>
+              </a:pathLst>
+            </a:custGeom>
+            <a:noFill/>
+            <a:ln w="9525" cap="rnd" cmpd="sng">
+              <a:solidFill>
+                <a:schemeClr val="dk2"/>
+              </a:solidFill>
+              <a:prstDash val="solid"/>
+              <a:round/>
+              <a:headEnd type="none" w="sm" len="sm"/>
+              <a:tailEnd type="none" w="sm" len="sm"/>
+            </a:ln>
+          </p:spPr>
+          <p:txBody>
+            <a:bodyPr spcFirstLastPara="1" wrap="square" lIns="91425" tIns="91425" rIns="91425" bIns="91425" anchor="ctr" anchorCtr="0">
+              <a:noAutofit/>
+            </a:bodyPr>
+            <a:lstStyle/>
+            <a:p>
+              <a:pPr marL="0" lvl="0" indent="0" algn="l" rtl="0">
+                <a:spcBef>
+                  <a:spcPts val="0"/>
+                </a:spcBef>
+                <a:spcAft>
+                  <a:spcPts val="0"/>
+                </a:spcAft>
+                <a:buNone/>
+              </a:pPr>
+              <a:endParaRPr/>
+            </a:p>
+          </p:txBody>
+        </p:sp>
+        <p:sp>
+          <p:nvSpPr>
+            <p:cNvPr id="196" name="Google Shape;196;p30"/>
+            <p:cNvSpPr/>
+            <p:nvPr/>
+          </p:nvSpPr>
+          <p:spPr>
+            <a:xfrm>
+              <a:off x="4583000" y="2088950"/>
+              <a:ext cx="716350" cy="146075"/>
+            </a:xfrm>
+            <a:custGeom>
+              <a:avLst/>
+              <a:gdLst/>
+              <a:ahLst/>
+              <a:cxnLst/>
+              <a:rect l="l" t="t" r="r" b="b"/>
+              <a:pathLst>
+                <a:path w="28654" h="5843" fill="none" extrusionOk="0">
+                  <a:moveTo>
+                    <a:pt x="28653" y="5842"/>
+                  </a:moveTo>
+                  <a:lnTo>
+                    <a:pt x="6167" y="5842"/>
+                  </a:lnTo>
+                  <a:lnTo>
+                    <a:pt x="1" y="0"/>
+                  </a:lnTo>
+                </a:path>
+              </a:pathLst>
+            </a:custGeom>
+            <a:noFill/>
+            <a:ln w="9525" cap="rnd" cmpd="sng">
+              <a:solidFill>
+                <a:schemeClr val="dk2"/>
+              </a:solidFill>
+              <a:prstDash val="solid"/>
+              <a:round/>
+              <a:headEnd type="none" w="sm" len="sm"/>
+              <a:tailEnd type="none" w="sm" len="sm"/>
+            </a:ln>
+          </p:spPr>
+          <p:txBody>
+            <a:bodyPr spcFirstLastPara="1" wrap="square" lIns="91425" tIns="91425" rIns="91425" bIns="91425" anchor="ctr" anchorCtr="0">
+              <a:noAutofit/>
+            </a:bodyPr>
+            <a:lstStyle/>
+            <a:p>
+              <a:pPr marL="0" lvl="0" indent="0" algn="l" rtl="0">
+                <a:spcBef>
+                  <a:spcPts val="0"/>
+                </a:spcBef>
+                <a:spcAft>
+                  <a:spcPts val="0"/>
+                </a:spcAft>
+                <a:buNone/>
+              </a:pPr>
+              <a:endParaRPr/>
+            </a:p>
+          </p:txBody>
+        </p:sp>
+        <p:sp>
+          <p:nvSpPr>
+            <p:cNvPr id="197" name="Google Shape;197;p30"/>
+            <p:cNvSpPr/>
+            <p:nvPr/>
+          </p:nvSpPr>
+          <p:spPr>
+            <a:xfrm>
+              <a:off x="4370575" y="2417450"/>
+              <a:ext cx="456075" cy="112600"/>
+            </a:xfrm>
+            <a:custGeom>
+              <a:avLst/>
+              <a:gdLst/>
+              <a:ahLst/>
+              <a:cxnLst/>
+              <a:rect l="l" t="t" r="r" b="b"/>
+              <a:pathLst>
+                <a:path w="18243" h="4504" fill="none" extrusionOk="0">
+                  <a:moveTo>
+                    <a:pt x="18243" y="1"/>
+                  </a:moveTo>
+                  <a:lnTo>
+                    <a:pt x="12450" y="4503"/>
+                  </a:lnTo>
+                  <a:lnTo>
+                    <a:pt x="1" y="4503"/>
+                  </a:lnTo>
+                </a:path>
+              </a:pathLst>
+            </a:custGeom>
+            <a:noFill/>
+            <a:ln w="9525" cap="rnd" cmpd="sng">
+              <a:solidFill>
+                <a:schemeClr val="dk2"/>
+              </a:solidFill>
+              <a:prstDash val="solid"/>
+              <a:round/>
+              <a:headEnd type="none" w="sm" len="sm"/>
+              <a:tailEnd type="none" w="sm" len="sm"/>
+            </a:ln>
+          </p:spPr>
+          <p:txBody>
+            <a:bodyPr spcFirstLastPara="1" wrap="square" lIns="91425" tIns="91425" rIns="91425" bIns="91425" anchor="ctr" anchorCtr="0">
+              <a:noAutofit/>
+            </a:bodyPr>
+            <a:lstStyle/>
+            <a:p>
+              <a:pPr marL="0" lvl="0" indent="0" algn="l" rtl="0">
+                <a:spcBef>
+                  <a:spcPts val="0"/>
+                </a:spcBef>
+                <a:spcAft>
+                  <a:spcPts val="0"/>
+                </a:spcAft>
+                <a:buNone/>
+              </a:pPr>
+              <a:endParaRPr/>
+            </a:p>
+          </p:txBody>
+        </p:sp>
+        <p:sp>
+          <p:nvSpPr>
+            <p:cNvPr id="198" name="Google Shape;198;p30"/>
+            <p:cNvSpPr/>
+            <p:nvPr/>
+          </p:nvSpPr>
+          <p:spPr>
+            <a:xfrm>
+              <a:off x="4433825" y="2530025"/>
+              <a:ext cx="205800" cy="44325"/>
+            </a:xfrm>
+            <a:custGeom>
+              <a:avLst/>
+              <a:gdLst/>
+              <a:ahLst/>
+              <a:cxnLst/>
+              <a:rect l="l" t="t" r="r" b="b"/>
+              <a:pathLst>
+                <a:path w="8232" h="1773" fill="none" extrusionOk="0">
+                  <a:moveTo>
+                    <a:pt x="8231" y="0"/>
+                  </a:moveTo>
+                  <a:lnTo>
+                    <a:pt x="6467" y="1773"/>
+                  </a:lnTo>
+                  <a:lnTo>
+                    <a:pt x="1" y="1773"/>
+                  </a:lnTo>
+                </a:path>
+              </a:pathLst>
+            </a:custGeom>
+            <a:noFill/>
+            <a:ln w="9525" cap="rnd" cmpd="sng">
+              <a:solidFill>
+                <a:schemeClr val="dk2"/>
+              </a:solidFill>
+              <a:prstDash val="solid"/>
+              <a:round/>
+              <a:headEnd type="none" w="sm" len="sm"/>
+              <a:tailEnd type="none" w="sm" len="sm"/>
+            </a:ln>
+          </p:spPr>
+          <p:txBody>
+            <a:bodyPr spcFirstLastPara="1" wrap="square" lIns="91425" tIns="91425" rIns="91425" bIns="91425" anchor="ctr" anchorCtr="0">
+              <a:noAutofit/>
+            </a:bodyPr>
+            <a:lstStyle/>
+            <a:p>
+              <a:pPr marL="0" lvl="0" indent="0" algn="l" rtl="0">
+                <a:spcBef>
+                  <a:spcPts val="0"/>
+                </a:spcBef>
+                <a:spcAft>
+                  <a:spcPts val="0"/>
+                </a:spcAft>
+                <a:buNone/>
+              </a:pPr>
+              <a:endParaRPr/>
+            </a:p>
+          </p:txBody>
+        </p:sp>
+        <p:sp>
+          <p:nvSpPr>
+            <p:cNvPr id="199" name="Google Shape;199;p30"/>
+            <p:cNvSpPr/>
+            <p:nvPr/>
+          </p:nvSpPr>
+          <p:spPr>
+            <a:xfrm>
+              <a:off x="4678700" y="1909400"/>
+              <a:ext cx="619800" cy="25"/>
+            </a:xfrm>
+            <a:custGeom>
+              <a:avLst/>
+              <a:gdLst/>
+              <a:ahLst/>
+              <a:cxnLst/>
+              <a:rect l="l" t="t" r="r" b="b"/>
+              <a:pathLst>
+                <a:path w="24792" h="1" fill="none" extrusionOk="0">
+                  <a:moveTo>
+                    <a:pt x="24792" y="0"/>
+                  </a:moveTo>
+                  <a:lnTo>
+                    <a:pt x="1" y="0"/>
+                  </a:lnTo>
+                </a:path>
+              </a:pathLst>
+            </a:custGeom>
+            <a:noFill/>
+            <a:ln w="9525" cap="rnd" cmpd="sng">
+              <a:solidFill>
+                <a:schemeClr val="dk2"/>
+              </a:solidFill>
+              <a:prstDash val="solid"/>
+              <a:round/>
+              <a:headEnd type="none" w="sm" len="sm"/>
+              <a:tailEnd type="none" w="sm" len="sm"/>
+            </a:ln>
+          </p:spPr>
+          <p:txBody>
+            <a:bodyPr spcFirstLastPara="1" wrap="square" lIns="91425" tIns="91425" rIns="91425" bIns="91425" anchor="ctr" anchorCtr="0">
+              <a:noAutofit/>
+            </a:bodyPr>
+            <a:lstStyle/>
+            <a:p>
+              <a:pPr marL="0" lvl="0" indent="0" algn="l" rtl="0">
+                <a:spcBef>
+                  <a:spcPts val="0"/>
+                </a:spcBef>
+                <a:spcAft>
+                  <a:spcPts val="0"/>
+                </a:spcAft>
+                <a:buNone/>
+              </a:pPr>
+              <a:endParaRPr/>
+            </a:p>
+          </p:txBody>
+        </p:sp>
+        <p:sp>
+          <p:nvSpPr>
+            <p:cNvPr id="200" name="Google Shape;200;p30"/>
+            <p:cNvSpPr/>
+            <p:nvPr/>
+          </p:nvSpPr>
+          <p:spPr>
+            <a:xfrm>
+              <a:off x="5012000" y="1709675"/>
+              <a:ext cx="199750" cy="199750"/>
+            </a:xfrm>
+            <a:custGeom>
+              <a:avLst/>
+              <a:gdLst/>
+              <a:ahLst/>
+              <a:cxnLst/>
+              <a:rect l="l" t="t" r="r" b="b"/>
+              <a:pathLst>
+                <a:path w="7990" h="7990" fill="none" extrusionOk="0">
+                  <a:moveTo>
+                    <a:pt x="7990" y="7989"/>
+                  </a:moveTo>
+                  <a:lnTo>
+                    <a:pt x="1" y="0"/>
+                  </a:lnTo>
+                </a:path>
+              </a:pathLst>
+            </a:custGeom>
+            <a:noFill/>
+            <a:ln w="9525" cap="rnd" cmpd="sng">
+              <a:solidFill>
+                <a:schemeClr val="dk2"/>
+              </a:solidFill>
+              <a:prstDash val="solid"/>
+              <a:round/>
+              <a:headEnd type="none" w="sm" len="sm"/>
+              <a:tailEnd type="none" w="sm" len="sm"/>
+            </a:ln>
+          </p:spPr>
+          <p:txBody>
+            <a:bodyPr spcFirstLastPara="1" wrap="square" lIns="91425" tIns="91425" rIns="91425" bIns="91425" anchor="ctr" anchorCtr="0">
+              <a:noAutofit/>
+            </a:bodyPr>
+            <a:lstStyle/>
+            <a:p>
+              <a:pPr marL="0" lvl="0" indent="0" algn="l" rtl="0">
+                <a:spcBef>
+                  <a:spcPts val="0"/>
+                </a:spcBef>
+                <a:spcAft>
+                  <a:spcPts val="0"/>
+                </a:spcAft>
+                <a:buNone/>
+              </a:pPr>
+              <a:endParaRPr/>
+            </a:p>
+          </p:txBody>
+        </p:sp>
+        <p:sp>
+          <p:nvSpPr>
+            <p:cNvPr id="201" name="Google Shape;201;p30"/>
+            <p:cNvSpPr/>
+            <p:nvPr/>
+          </p:nvSpPr>
+          <p:spPr>
+            <a:xfrm>
+              <a:off x="4761725" y="1951000"/>
+              <a:ext cx="536775" cy="113000"/>
+            </a:xfrm>
+            <a:custGeom>
+              <a:avLst/>
+              <a:gdLst/>
+              <a:ahLst/>
+              <a:cxnLst/>
+              <a:rect l="l" t="t" r="r" b="b"/>
+              <a:pathLst>
+                <a:path w="21471" h="4520" fill="none" extrusionOk="0">
+                  <a:moveTo>
+                    <a:pt x="21471" y="1"/>
+                  </a:moveTo>
+                  <a:lnTo>
+                    <a:pt x="4519" y="1"/>
+                  </a:lnTo>
+                  <a:lnTo>
+                    <a:pt x="0" y="4520"/>
+                  </a:lnTo>
+                </a:path>
+              </a:pathLst>
+            </a:custGeom>
+            <a:noFill/>
+            <a:ln w="9525" cap="rnd" cmpd="sng">
+              <a:solidFill>
+                <a:schemeClr val="dk2"/>
+              </a:solidFill>
+              <a:prstDash val="solid"/>
+              <a:round/>
+              <a:headEnd type="none" w="sm" len="sm"/>
+              <a:tailEnd type="none" w="sm" len="sm"/>
+            </a:ln>
+          </p:spPr>
+          <p:txBody>
+            <a:bodyPr spcFirstLastPara="1" wrap="square" lIns="91425" tIns="91425" rIns="91425" bIns="91425" anchor="ctr" anchorCtr="0">
+              <a:noAutofit/>
+            </a:bodyPr>
+            <a:lstStyle/>
+            <a:p>
+              <a:pPr marL="0" lvl="0" indent="0" algn="l" rtl="0">
+                <a:spcBef>
+                  <a:spcPts val="0"/>
+                </a:spcBef>
+                <a:spcAft>
+                  <a:spcPts val="0"/>
+                </a:spcAft>
+                <a:buNone/>
+              </a:pPr>
+              <a:endParaRPr/>
+            </a:p>
+          </p:txBody>
+        </p:sp>
+        <p:sp>
+          <p:nvSpPr>
+            <p:cNvPr id="202" name="Google Shape;202;p30"/>
+            <p:cNvSpPr/>
+            <p:nvPr/>
+          </p:nvSpPr>
+          <p:spPr>
+            <a:xfrm>
+              <a:off x="4843700" y="1992825"/>
+              <a:ext cx="454800" cy="145875"/>
+            </a:xfrm>
+            <a:custGeom>
+              <a:avLst/>
+              <a:gdLst/>
+              <a:ahLst/>
+              <a:cxnLst/>
+              <a:rect l="l" t="t" r="r" b="b"/>
+              <a:pathLst>
+                <a:path w="18192" h="5835" fill="none" extrusionOk="0">
+                  <a:moveTo>
+                    <a:pt x="18192" y="0"/>
+                  </a:moveTo>
+                  <a:lnTo>
+                    <a:pt x="6167" y="0"/>
+                  </a:lnTo>
+                  <a:lnTo>
+                    <a:pt x="0" y="5834"/>
+                  </a:lnTo>
+                </a:path>
+              </a:pathLst>
+            </a:custGeom>
+            <a:noFill/>
+            <a:ln w="9525" cap="rnd" cmpd="sng">
+              <a:solidFill>
+                <a:schemeClr val="dk2"/>
+              </a:solidFill>
+              <a:prstDash val="solid"/>
+              <a:round/>
+              <a:headEnd type="none" w="sm" len="sm"/>
+              <a:tailEnd type="none" w="sm" len="sm"/>
+            </a:ln>
+          </p:spPr>
+          <p:txBody>
+            <a:bodyPr spcFirstLastPara="1" wrap="square" lIns="91425" tIns="91425" rIns="91425" bIns="91425" anchor="ctr" anchorCtr="0">
+              <a:noAutofit/>
+            </a:bodyPr>
+            <a:lstStyle/>
+            <a:p>
+              <a:pPr marL="0" lvl="0" indent="0" algn="l" rtl="0">
+                <a:spcBef>
+                  <a:spcPts val="0"/>
+                </a:spcBef>
+                <a:spcAft>
+                  <a:spcPts val="0"/>
+                </a:spcAft>
+                <a:buNone/>
+              </a:pPr>
+              <a:endParaRPr/>
+            </a:p>
+          </p:txBody>
+        </p:sp>
+        <p:sp>
+          <p:nvSpPr>
+            <p:cNvPr id="203" name="Google Shape;203;p30"/>
+            <p:cNvSpPr/>
+            <p:nvPr/>
+          </p:nvSpPr>
+          <p:spPr>
+            <a:xfrm>
+              <a:off x="5070875" y="1479150"/>
+              <a:ext cx="227625" cy="25"/>
+            </a:xfrm>
+            <a:custGeom>
+              <a:avLst/>
+              <a:gdLst/>
+              <a:ahLst/>
+              <a:cxnLst/>
+              <a:rect l="l" t="t" r="r" b="b"/>
+              <a:pathLst>
+                <a:path w="9105" h="1" fill="none" extrusionOk="0">
+                  <a:moveTo>
+                    <a:pt x="9105" y="0"/>
+                  </a:moveTo>
+                  <a:lnTo>
+                    <a:pt x="1" y="0"/>
+                  </a:lnTo>
+                </a:path>
+              </a:pathLst>
+            </a:custGeom>
+            <a:noFill/>
+            <a:ln w="9525" cap="rnd" cmpd="sng">
+              <a:solidFill>
+                <a:schemeClr val="dk2"/>
+              </a:solidFill>
+              <a:prstDash val="solid"/>
+              <a:round/>
+              <a:headEnd type="none" w="sm" len="sm"/>
+              <a:tailEnd type="none" w="sm" len="sm"/>
+            </a:ln>
+          </p:spPr>
+          <p:txBody>
+            <a:bodyPr spcFirstLastPara="1" wrap="square" lIns="91425" tIns="91425" rIns="91425" bIns="91425" anchor="ctr" anchorCtr="0">
+              <a:noAutofit/>
+            </a:bodyPr>
+            <a:lstStyle/>
+            <a:p>
+              <a:pPr marL="0" lvl="0" indent="0" algn="l" rtl="0">
+                <a:spcBef>
+                  <a:spcPts val="0"/>
+                </a:spcBef>
+                <a:spcAft>
+                  <a:spcPts val="0"/>
+                </a:spcAft>
+                <a:buNone/>
+              </a:pPr>
+              <a:endParaRPr/>
+            </a:p>
+          </p:txBody>
+        </p:sp>
+        <p:sp>
+          <p:nvSpPr>
+            <p:cNvPr id="204" name="Google Shape;204;p30"/>
+            <p:cNvSpPr/>
+            <p:nvPr/>
+          </p:nvSpPr>
+          <p:spPr>
+            <a:xfrm>
+              <a:off x="4544500" y="1479150"/>
+              <a:ext cx="640200" cy="88850"/>
+            </a:xfrm>
+            <a:custGeom>
+              <a:avLst/>
+              <a:gdLst/>
+              <a:ahLst/>
+              <a:cxnLst/>
+              <a:rect l="l" t="t" r="r" b="b"/>
+              <a:pathLst>
+                <a:path w="25608" h="3554" fill="none" extrusionOk="0">
+                  <a:moveTo>
+                    <a:pt x="25608" y="0"/>
+                  </a:moveTo>
+                  <a:lnTo>
+                    <a:pt x="23669" y="3554"/>
+                  </a:lnTo>
+                  <a:lnTo>
+                    <a:pt x="1" y="3554"/>
+                  </a:lnTo>
+                </a:path>
+              </a:pathLst>
+            </a:custGeom>
+            <a:noFill/>
+            <a:ln w="9525" cap="rnd" cmpd="sng">
+              <a:solidFill>
+                <a:schemeClr val="dk2"/>
+              </a:solidFill>
+              <a:prstDash val="solid"/>
+              <a:round/>
+              <a:headEnd type="none" w="sm" len="sm"/>
+              <a:tailEnd type="none" w="sm" len="sm"/>
+            </a:ln>
+          </p:spPr>
+          <p:txBody>
+            <a:bodyPr spcFirstLastPara="1" wrap="square" lIns="91425" tIns="91425" rIns="91425" bIns="91425" anchor="ctr" anchorCtr="0">
+              <a:noAutofit/>
+            </a:bodyPr>
+            <a:lstStyle/>
+            <a:p>
+              <a:pPr marL="0" lvl="0" indent="0" algn="l" rtl="0">
+                <a:spcBef>
+                  <a:spcPts val="0"/>
+                </a:spcBef>
+                <a:spcAft>
+                  <a:spcPts val="0"/>
+                </a:spcAft>
+                <a:buNone/>
+              </a:pPr>
+              <a:endParaRPr/>
+            </a:p>
+          </p:txBody>
+        </p:sp>
+        <p:sp>
+          <p:nvSpPr>
+            <p:cNvPr id="205" name="Google Shape;205;p30"/>
+            <p:cNvSpPr/>
+            <p:nvPr/>
+          </p:nvSpPr>
+          <p:spPr>
+            <a:xfrm>
+              <a:off x="4364350" y="1420050"/>
+              <a:ext cx="599825" cy="147950"/>
+            </a:xfrm>
+            <a:custGeom>
+              <a:avLst/>
+              <a:gdLst/>
+              <a:ahLst/>
+              <a:cxnLst/>
+              <a:rect l="l" t="t" r="r" b="b"/>
+              <a:pathLst>
+                <a:path w="23993" h="5918" fill="none" extrusionOk="0">
+                  <a:moveTo>
+                    <a:pt x="23992" y="5918"/>
+                  </a:moveTo>
+                  <a:lnTo>
+                    <a:pt x="18009" y="1"/>
+                  </a:lnTo>
+                  <a:lnTo>
+                    <a:pt x="0" y="1"/>
+                  </a:lnTo>
+                </a:path>
+              </a:pathLst>
+            </a:custGeom>
+            <a:noFill/>
+            <a:ln w="9525" cap="rnd" cmpd="sng">
+              <a:solidFill>
+                <a:schemeClr val="dk2"/>
+              </a:solidFill>
+              <a:prstDash val="solid"/>
+              <a:round/>
+              <a:headEnd type="none" w="sm" len="sm"/>
+              <a:tailEnd type="none" w="sm" len="sm"/>
+            </a:ln>
+          </p:spPr>
+          <p:txBody>
+            <a:bodyPr spcFirstLastPara="1" wrap="square" lIns="91425" tIns="91425" rIns="91425" bIns="91425" anchor="ctr" anchorCtr="0">
+              <a:noAutofit/>
+            </a:bodyPr>
+            <a:lstStyle/>
+            <a:p>
+              <a:pPr marL="0" lvl="0" indent="0" algn="l" rtl="0">
+                <a:spcBef>
+                  <a:spcPts val="0"/>
+                </a:spcBef>
+                <a:spcAft>
+                  <a:spcPts val="0"/>
+                </a:spcAft>
+                <a:buNone/>
+              </a:pPr>
+              <a:endParaRPr/>
+            </a:p>
+          </p:txBody>
+        </p:sp>
+        <p:sp>
+          <p:nvSpPr>
+            <p:cNvPr id="206" name="Google Shape;206;p30"/>
+            <p:cNvSpPr/>
+            <p:nvPr/>
+          </p:nvSpPr>
+          <p:spPr>
+            <a:xfrm>
+              <a:off x="4438000" y="2574325"/>
+              <a:ext cx="647475" cy="112575"/>
+            </a:xfrm>
+            <a:custGeom>
+              <a:avLst/>
+              <a:gdLst/>
+              <a:ahLst/>
+              <a:cxnLst/>
+              <a:rect l="l" t="t" r="r" b="b"/>
+              <a:pathLst>
+                <a:path w="25899" h="4503" fill="none" extrusionOk="0">
+                  <a:moveTo>
+                    <a:pt x="25898" y="1"/>
+                  </a:moveTo>
+                  <a:lnTo>
+                    <a:pt x="20106" y="4503"/>
+                  </a:lnTo>
+                  <a:lnTo>
+                    <a:pt x="0" y="4503"/>
+                  </a:lnTo>
+                </a:path>
+              </a:pathLst>
+            </a:custGeom>
+            <a:noFill/>
+            <a:ln w="9525" cap="rnd" cmpd="sng">
+              <a:solidFill>
+                <a:schemeClr val="dk2"/>
+              </a:solidFill>
+              <a:prstDash val="solid"/>
+              <a:round/>
+              <a:headEnd type="none" w="sm" len="sm"/>
+              <a:tailEnd type="none" w="sm" len="sm"/>
+            </a:ln>
+          </p:spPr>
+          <p:txBody>
+            <a:bodyPr spcFirstLastPara="1" wrap="square" lIns="91425" tIns="91425" rIns="91425" bIns="91425" anchor="ctr" anchorCtr="0">
+              <a:noAutofit/>
+            </a:bodyPr>
+            <a:lstStyle/>
+            <a:p>
+              <a:pPr marL="0" lvl="0" indent="0" algn="l" rtl="0">
+                <a:spcBef>
+                  <a:spcPts val="0"/>
+                </a:spcBef>
+                <a:spcAft>
+                  <a:spcPts val="0"/>
+                </a:spcAft>
+                <a:buNone/>
+              </a:pPr>
+              <a:endParaRPr/>
+            </a:p>
+          </p:txBody>
+        </p:sp>
+        <p:sp>
+          <p:nvSpPr>
+            <p:cNvPr id="207" name="Google Shape;207;p30"/>
+            <p:cNvSpPr/>
+            <p:nvPr/>
+          </p:nvSpPr>
+          <p:spPr>
+            <a:xfrm>
+              <a:off x="4501225" y="2686875"/>
+              <a:ext cx="205800" cy="44350"/>
+            </a:xfrm>
+            <a:custGeom>
+              <a:avLst/>
+              <a:gdLst/>
+              <a:ahLst/>
+              <a:cxnLst/>
+              <a:rect l="l" t="t" r="r" b="b"/>
+              <a:pathLst>
+                <a:path w="8232" h="1774" fill="none" extrusionOk="0">
+                  <a:moveTo>
+                    <a:pt x="8231" y="1"/>
+                  </a:moveTo>
+                  <a:lnTo>
+                    <a:pt x="6467" y="1774"/>
+                  </a:lnTo>
+                  <a:lnTo>
+                    <a:pt x="1" y="1774"/>
+                  </a:lnTo>
+                </a:path>
+              </a:pathLst>
+            </a:custGeom>
+            <a:noFill/>
+            <a:ln w="9525" cap="rnd" cmpd="sng">
+              <a:solidFill>
+                <a:schemeClr val="dk2"/>
+              </a:solidFill>
+              <a:prstDash val="solid"/>
+              <a:round/>
+              <a:headEnd type="none" w="sm" len="sm"/>
+              <a:tailEnd type="none" w="sm" len="sm"/>
+            </a:ln>
+          </p:spPr>
+          <p:txBody>
+            <a:bodyPr spcFirstLastPara="1" wrap="square" lIns="91425" tIns="91425" rIns="91425" bIns="91425" anchor="ctr" anchorCtr="0">
+              <a:noAutofit/>
+            </a:bodyPr>
+            <a:lstStyle/>
+            <a:p>
+              <a:pPr marL="0" lvl="0" indent="0" algn="l" rtl="0">
+                <a:spcBef>
+                  <a:spcPts val="0"/>
+                </a:spcBef>
+                <a:spcAft>
+                  <a:spcPts val="0"/>
+                </a:spcAft>
+                <a:buNone/>
+              </a:pPr>
+              <a:endParaRPr/>
+            </a:p>
+          </p:txBody>
+        </p:sp>
+        <p:sp>
+          <p:nvSpPr>
+            <p:cNvPr id="208" name="Google Shape;208;p30"/>
             <p:cNvSpPr/>
             <p:nvPr/>
           </p:nvSpPr>
@@ -7827,14 +7058,12 @@
   <p:sldLayoutIdLst>
     <p:sldLayoutId id="2147483648" r:id="rId1"/>
     <p:sldLayoutId id="2147483649" r:id="rId2"/>
-    <p:sldLayoutId id="2147483652" r:id="rId3"/>
-    <p:sldLayoutId id="2147483654" r:id="rId4"/>
-    <p:sldLayoutId id="2147483658" r:id="rId5"/>
-    <p:sldLayoutId id="2147483660" r:id="rId6"/>
-    <p:sldLayoutId id="2147483661" r:id="rId7"/>
-    <p:sldLayoutId id="2147483670" r:id="rId8"/>
-    <p:sldLayoutId id="2147483675" r:id="rId9"/>
-    <p:sldLayoutId id="2147483676" r:id="rId10"/>
+    <p:sldLayoutId id="2147483654" r:id="rId3"/>
+    <p:sldLayoutId id="2147483658" r:id="rId4"/>
+    <p:sldLayoutId id="2147483660" r:id="rId5"/>
+    <p:sldLayoutId id="2147483670" r:id="rId6"/>
+    <p:sldLayoutId id="2147483675" r:id="rId7"/>
+    <p:sldLayoutId id="2147483676" r:id="rId8"/>
   </p:sldLayoutIdLst>
   <p:hf hdr="0" ftr="0" dt="0"/>
   <p:txStyles>
@@ -12155,6 +11384,69 @@
           </p:txBody>
         </p:sp>
       </p:grpSp>
+      <p:sp>
+        <p:nvSpPr>
+          <p:cNvPr id="2" name="AutoShape 2" descr="Team 3D Illustration download in PNG, OBJ or Blend format"/>
+          <p:cNvSpPr>
+            <a:spLocks noChangeAspect="1" noChangeArrowheads="1"/>
+          </p:cNvSpPr>
+          <p:nvPr/>
+        </p:nvSpPr>
+        <p:spPr bwMode="auto">
+          <a:xfrm>
+            <a:off x="155575" y="-144463"/>
+            <a:ext cx="304800" cy="304801"/>
+          </a:xfrm>
+          <a:prstGeom prst="rect">
+            <a:avLst/>
+          </a:prstGeom>
+          <a:noFill/>
+          <a:extLst>
+            <a:ext uri="{909E8E84-426E-40DD-AFC4-6F175D3DCCD1}">
+              <a14:hiddenFill xmlns:a14="http://schemas.microsoft.com/office/drawing/2010/main">
+                <a:solidFill>
+                  <a:srgbClr val="FFFFFF"/>
+                </a:solidFill>
+              </a14:hiddenFill>
+            </a:ext>
+          </a:extLst>
+        </p:spPr>
+        <p:txBody>
+          <a:bodyPr vert="horz" wrap="square" lIns="91440" tIns="45720" rIns="91440" bIns="45720" numCol="1" anchor="t" anchorCtr="0" compatLnSpc="1">
+            <a:prstTxWarp prst="textNoShape">
+              <a:avLst/>
+            </a:prstTxWarp>
+          </a:bodyPr>
+          <a:lstStyle/>
+          <a:p>
+            <a:endParaRPr lang="en-US"/>
+          </a:p>
+        </p:txBody>
+      </p:sp>
+      <p:pic>
+        <p:nvPicPr>
+          <p:cNvPr id="3" name="Picture 2"/>
+          <p:cNvPicPr>
+            <a:picLocks noChangeAspect="1"/>
+          </p:cNvPicPr>
+          <p:nvPr/>
+        </p:nvPicPr>
+        <p:blipFill>
+          <a:blip r:embed="rId3"/>
+          <a:stretch>
+            <a:fillRect/>
+          </a:stretch>
+        </p:blipFill>
+        <p:spPr>
+          <a:xfrm>
+            <a:off x="3548967" y="2610092"/>
+            <a:ext cx="2046016" cy="2046016"/>
+          </a:xfrm>
+          <a:prstGeom prst="rect">
+            <a:avLst/>
+          </a:prstGeom>
+        </p:spPr>
+      </p:pic>
     </p:spTree>
   </p:cSld>
   <p:clrMapOvr>
@@ -13840,8 +13132,8 @@
         </p:nvSpPr>
         <p:spPr>
           <a:xfrm>
-            <a:off x="1110875" y="1657350"/>
-            <a:ext cx="6922200" cy="1828800"/>
+            <a:off x="1127142" y="1361218"/>
+            <a:ext cx="6922200" cy="1063548"/>
           </a:xfrm>
           <a:prstGeom prst="rect">
             <a:avLst/>
@@ -15938,6 +15230,69 @@
           </p:txBody>
         </p:sp>
       </p:grpSp>
+      <p:sp>
+        <p:nvSpPr>
+          <p:cNvPr id="2" name="AutoShape 2" descr="Team 3D Illustration download in PNG, OBJ or Blend format"/>
+          <p:cNvSpPr>
+            <a:spLocks noChangeAspect="1" noChangeArrowheads="1"/>
+          </p:cNvSpPr>
+          <p:nvPr/>
+        </p:nvSpPr>
+        <p:spPr bwMode="auto">
+          <a:xfrm>
+            <a:off x="155575" y="-144463"/>
+            <a:ext cx="304800" cy="304801"/>
+          </a:xfrm>
+          <a:prstGeom prst="rect">
+            <a:avLst/>
+          </a:prstGeom>
+          <a:noFill/>
+          <a:extLst>
+            <a:ext uri="{909E8E84-426E-40DD-AFC4-6F175D3DCCD1}">
+              <a14:hiddenFill xmlns:a14="http://schemas.microsoft.com/office/drawing/2010/main">
+                <a:solidFill>
+                  <a:srgbClr val="FFFFFF"/>
+                </a:solidFill>
+              </a14:hiddenFill>
+            </a:ext>
+          </a:extLst>
+        </p:spPr>
+        <p:txBody>
+          <a:bodyPr vert="horz" wrap="square" lIns="91440" tIns="45720" rIns="91440" bIns="45720" numCol="1" anchor="t" anchorCtr="0" compatLnSpc="1">
+            <a:prstTxWarp prst="textNoShape">
+              <a:avLst/>
+            </a:prstTxWarp>
+          </a:bodyPr>
+          <a:lstStyle/>
+          <a:p>
+            <a:endParaRPr lang="en-US"/>
+          </a:p>
+        </p:txBody>
+      </p:sp>
+      <p:pic>
+        <p:nvPicPr>
+          <p:cNvPr id="4" name="Picture 3"/>
+          <p:cNvPicPr>
+            <a:picLocks noChangeAspect="1"/>
+          </p:cNvPicPr>
+          <p:nvPr/>
+        </p:nvPicPr>
+        <p:blipFill>
+          <a:blip r:embed="rId3"/>
+          <a:stretch>
+            <a:fillRect/>
+          </a:stretch>
+        </p:blipFill>
+        <p:spPr>
+          <a:xfrm>
+            <a:off x="3387367" y="2346801"/>
+            <a:ext cx="2396831" cy="1597887"/>
+          </a:xfrm>
+          <a:prstGeom prst="rect">
+            <a:avLst/>
+          </a:prstGeom>
+        </p:spPr>
+      </p:pic>
     </p:spTree>
   </p:cSld>
   <p:clrMapOvr>
@@ -15947,2039 +15302,6 @@
 </file>
 
 <file path=ppt/slides/slide6.xml><?xml version="1.0" encoding="utf-8"?>
-<p:sld xmlns:a="http://schemas.openxmlformats.org/drawingml/2006/main" xmlns:r="http://schemas.openxmlformats.org/officeDocument/2006/relationships" xmlns:p="http://schemas.openxmlformats.org/presentationml/2006/main">
-  <p:cSld>
-    <p:spTree>
-      <p:nvGrpSpPr>
-        <p:cNvPr id="1" name="Shape 1030"/>
-        <p:cNvGrpSpPr/>
-        <p:nvPr/>
-      </p:nvGrpSpPr>
-      <p:grpSpPr>
-        <a:xfrm>
-          <a:off x="0" y="0"/>
-          <a:ext cx="0" cy="0"/>
-          <a:chOff x="0" y="0"/>
-          <a:chExt cx="0" cy="0"/>
-        </a:xfrm>
-      </p:grpSpPr>
-      <p:sp>
-        <p:nvSpPr>
-          <p:cNvPr id="1031" name="Google Shape;1031;p54"/>
-          <p:cNvSpPr txBox="1">
-            <a:spLocks noGrp="1"/>
-          </p:cNvSpPr>
-          <p:nvPr>
-            <p:ph type="title"/>
-          </p:nvPr>
-        </p:nvSpPr>
-        <p:spPr>
-          <a:xfrm>
-            <a:off x="3127325" y="1987300"/>
-            <a:ext cx="5303400" cy="1645800"/>
-          </a:xfrm>
-          <a:prstGeom prst="rect">
-            <a:avLst/>
-          </a:prstGeom>
-        </p:spPr>
-        <p:txBody>
-          <a:bodyPr spcFirstLastPara="1" wrap="square" lIns="91425" tIns="91425" rIns="91425" bIns="91425" anchor="t" anchorCtr="0">
-            <a:noAutofit/>
-          </a:bodyPr>
-          <a:lstStyle/>
-          <a:p>
-            <a:pPr marL="0" lvl="0" indent="0" algn="r" rtl="0">
-              <a:spcBef>
-                <a:spcPts val="0"/>
-              </a:spcBef>
-              <a:spcAft>
-                <a:spcPts val="0"/>
-              </a:spcAft>
-              <a:buNone/>
-            </a:pPr>
-            <a:r>
-              <a:rPr lang="en" dirty="0" smtClean="0"/>
-              <a:t>Structure</a:t>
-            </a:r>
-            <a:endParaRPr dirty="0"/>
-          </a:p>
-        </p:txBody>
-      </p:sp>
-      <p:sp>
-        <p:nvSpPr>
-          <p:cNvPr id="1032" name="Google Shape;1032;p54"/>
-          <p:cNvSpPr txBox="1">
-            <a:spLocks noGrp="1"/>
-          </p:cNvSpPr>
-          <p:nvPr>
-            <p:ph type="title" idx="2"/>
-          </p:nvPr>
-        </p:nvSpPr>
-        <p:spPr>
-          <a:xfrm>
-            <a:off x="6075425" y="768100"/>
-            <a:ext cx="2355300" cy="1371600"/>
-          </a:xfrm>
-          <a:prstGeom prst="rect">
-            <a:avLst/>
-          </a:prstGeom>
-        </p:spPr>
-        <p:txBody>
-          <a:bodyPr spcFirstLastPara="1" wrap="square" lIns="91425" tIns="91425" rIns="91425" bIns="91425" anchor="b" anchorCtr="0">
-            <a:noAutofit/>
-          </a:bodyPr>
-          <a:lstStyle/>
-          <a:p>
-            <a:pPr marL="0" lvl="0" indent="0" algn="r" rtl="0">
-              <a:spcBef>
-                <a:spcPts val="0"/>
-              </a:spcBef>
-              <a:spcAft>
-                <a:spcPts val="0"/>
-              </a:spcAft>
-              <a:buNone/>
-            </a:pPr>
-            <a:r>
-              <a:rPr lang="en"/>
-              <a:t>03</a:t>
-            </a:r>
-            <a:endParaRPr/>
-          </a:p>
-        </p:txBody>
-      </p:sp>
-      <p:grpSp>
-        <p:nvGrpSpPr>
-          <p:cNvPr id="1033" name="Google Shape;1033;p54"/>
-          <p:cNvGrpSpPr/>
-          <p:nvPr/>
-        </p:nvGrpSpPr>
-        <p:grpSpPr>
-          <a:xfrm rot="10800000" flipH="1">
-            <a:off x="9" y="1226306"/>
-            <a:ext cx="3027431" cy="2690887"/>
-            <a:chOff x="2383075" y="1294400"/>
-            <a:chExt cx="1656325" cy="1472200"/>
-          </a:xfrm>
-        </p:grpSpPr>
-        <p:sp>
-          <p:nvSpPr>
-            <p:cNvPr id="1034" name="Google Shape;1034;p54"/>
-            <p:cNvSpPr/>
-            <p:nvPr/>
-          </p:nvSpPr>
-          <p:spPr>
-            <a:xfrm>
-              <a:off x="2383075" y="2228950"/>
-              <a:ext cx="798300" cy="113225"/>
-            </a:xfrm>
-            <a:custGeom>
-              <a:avLst/>
-              <a:gdLst/>
-              <a:ahLst/>
-              <a:cxnLst/>
-              <a:rect l="l" t="t" r="r" b="b"/>
-              <a:pathLst>
-                <a:path w="31932" h="4529" fill="none" extrusionOk="0">
-                  <a:moveTo>
-                    <a:pt x="0" y="1"/>
-                  </a:moveTo>
-                  <a:lnTo>
-                    <a:pt x="27413" y="1"/>
-                  </a:lnTo>
-                  <a:lnTo>
-                    <a:pt x="31932" y="4528"/>
-                  </a:lnTo>
-                </a:path>
-              </a:pathLst>
-            </a:custGeom>
-            <a:noFill/>
-            <a:ln w="9525" cap="rnd" cmpd="sng">
-              <a:solidFill>
-                <a:schemeClr val="dk2"/>
-              </a:solidFill>
-              <a:prstDash val="solid"/>
-              <a:round/>
-              <a:headEnd type="none" w="sm" len="sm"/>
-              <a:tailEnd type="none" w="sm" len="sm"/>
-            </a:ln>
-          </p:spPr>
-          <p:txBody>
-            <a:bodyPr spcFirstLastPara="1" wrap="square" lIns="91425" tIns="91425" rIns="91425" bIns="91425" anchor="ctr" anchorCtr="0">
-              <a:noAutofit/>
-            </a:bodyPr>
-            <a:lstStyle/>
-            <a:p>
-              <a:pPr marL="0" lvl="0" indent="0" algn="l" rtl="0">
-                <a:spcBef>
-                  <a:spcPts val="0"/>
-                </a:spcBef>
-                <a:spcAft>
-                  <a:spcPts val="0"/>
-                </a:spcAft>
-                <a:buNone/>
-              </a:pPr>
-              <a:endParaRPr/>
-            </a:p>
-          </p:txBody>
-        </p:sp>
-        <p:sp>
-          <p:nvSpPr>
-            <p:cNvPr id="1035" name="Google Shape;1035;p54"/>
-            <p:cNvSpPr/>
-            <p:nvPr/>
-          </p:nvSpPr>
-          <p:spPr>
-            <a:xfrm>
-              <a:off x="3113525" y="2274325"/>
-              <a:ext cx="253025" cy="92800"/>
-            </a:xfrm>
-            <a:custGeom>
-              <a:avLst/>
-              <a:gdLst/>
-              <a:ahLst/>
-              <a:cxnLst/>
-              <a:rect l="l" t="t" r="r" b="b"/>
-              <a:pathLst>
-                <a:path w="10121" h="3712" fill="none" extrusionOk="0">
-                  <a:moveTo>
-                    <a:pt x="1" y="0"/>
-                  </a:moveTo>
-                  <a:lnTo>
-                    <a:pt x="6517" y="0"/>
-                  </a:lnTo>
-                  <a:lnTo>
-                    <a:pt x="10121" y="3712"/>
-                  </a:lnTo>
-                </a:path>
-              </a:pathLst>
-            </a:custGeom>
-            <a:noFill/>
-            <a:ln w="9525" cap="rnd" cmpd="sng">
-              <a:solidFill>
-                <a:schemeClr val="dk2"/>
-              </a:solidFill>
-              <a:prstDash val="solid"/>
-              <a:round/>
-              <a:headEnd type="none" w="sm" len="sm"/>
-              <a:tailEnd type="none" w="sm" len="sm"/>
-            </a:ln>
-          </p:spPr>
-          <p:txBody>
-            <a:bodyPr spcFirstLastPara="1" wrap="square" lIns="91425" tIns="91425" rIns="91425" bIns="91425" anchor="ctr" anchorCtr="0">
-              <a:noAutofit/>
-            </a:bodyPr>
-            <a:lstStyle/>
-            <a:p>
-              <a:pPr marL="0" lvl="0" indent="0" algn="l" rtl="0">
-                <a:spcBef>
-                  <a:spcPts val="0"/>
-                </a:spcBef>
-                <a:spcAft>
-                  <a:spcPts val="0"/>
-                </a:spcAft>
-                <a:buNone/>
-              </a:pPr>
-              <a:endParaRPr/>
-            </a:p>
-          </p:txBody>
-        </p:sp>
-        <p:sp>
-          <p:nvSpPr>
-            <p:cNvPr id="1036" name="Google Shape;1036;p54"/>
-            <p:cNvSpPr/>
-            <p:nvPr/>
-          </p:nvSpPr>
-          <p:spPr>
-            <a:xfrm>
-              <a:off x="2383075" y="2326325"/>
-              <a:ext cx="716550" cy="145875"/>
-            </a:xfrm>
-            <a:custGeom>
-              <a:avLst/>
-              <a:gdLst/>
-              <a:ahLst/>
-              <a:cxnLst/>
-              <a:rect l="l" t="t" r="r" b="b"/>
-              <a:pathLst>
-                <a:path w="28662" h="5835" fill="none" extrusionOk="0">
-                  <a:moveTo>
-                    <a:pt x="0" y="1"/>
-                  </a:moveTo>
-                  <a:lnTo>
-                    <a:pt x="22486" y="1"/>
-                  </a:lnTo>
-                  <a:lnTo>
-                    <a:pt x="28661" y="5835"/>
-                  </a:lnTo>
-                </a:path>
-              </a:pathLst>
-            </a:custGeom>
-            <a:noFill/>
-            <a:ln w="9525" cap="rnd" cmpd="sng">
-              <a:solidFill>
-                <a:schemeClr val="dk2"/>
-              </a:solidFill>
-              <a:prstDash val="solid"/>
-              <a:round/>
-              <a:headEnd type="none" w="sm" len="sm"/>
-              <a:tailEnd type="none" w="sm" len="sm"/>
-            </a:ln>
-          </p:spPr>
-          <p:txBody>
-            <a:bodyPr spcFirstLastPara="1" wrap="square" lIns="91425" tIns="91425" rIns="91425" bIns="91425" anchor="ctr" anchorCtr="0">
-              <a:noAutofit/>
-            </a:bodyPr>
-            <a:lstStyle/>
-            <a:p>
-              <a:pPr marL="0" lvl="0" indent="0" algn="l" rtl="0">
-                <a:spcBef>
-                  <a:spcPts val="0"/>
-                </a:spcBef>
-                <a:spcAft>
-                  <a:spcPts val="0"/>
-                </a:spcAft>
-                <a:buNone/>
-              </a:pPr>
-              <a:endParaRPr/>
-            </a:p>
-          </p:txBody>
-        </p:sp>
-        <p:sp>
-          <p:nvSpPr>
-            <p:cNvPr id="1037" name="Google Shape;1037;p54"/>
-            <p:cNvSpPr/>
-            <p:nvPr/>
-          </p:nvSpPr>
-          <p:spPr>
-            <a:xfrm>
-              <a:off x="2383075" y="1722775"/>
-              <a:ext cx="1385850" cy="25"/>
-            </a:xfrm>
-            <a:custGeom>
-              <a:avLst/>
-              <a:gdLst/>
-              <a:ahLst/>
-              <a:cxnLst/>
-              <a:rect l="l" t="t" r="r" b="b"/>
-              <a:pathLst>
-                <a:path w="55434" h="1" fill="none" extrusionOk="0">
-                  <a:moveTo>
-                    <a:pt x="0" y="0"/>
-                  </a:moveTo>
-                  <a:lnTo>
-                    <a:pt x="55433" y="0"/>
-                  </a:lnTo>
-                </a:path>
-              </a:pathLst>
-            </a:custGeom>
-            <a:noFill/>
-            <a:ln w="9525" cap="rnd" cmpd="sng">
-              <a:solidFill>
-                <a:schemeClr val="dk2"/>
-              </a:solidFill>
-              <a:prstDash val="solid"/>
-              <a:round/>
-              <a:headEnd type="none" w="sm" len="sm"/>
-              <a:tailEnd type="none" w="sm" len="sm"/>
-            </a:ln>
-          </p:spPr>
-          <p:txBody>
-            <a:bodyPr spcFirstLastPara="1" wrap="square" lIns="91425" tIns="91425" rIns="91425" bIns="91425" anchor="ctr" anchorCtr="0">
-              <a:noAutofit/>
-            </a:bodyPr>
-            <a:lstStyle/>
-            <a:p>
-              <a:pPr marL="0" lvl="0" indent="0" algn="l" rtl="0">
-                <a:spcBef>
-                  <a:spcPts val="0"/>
-                </a:spcBef>
-                <a:spcAft>
-                  <a:spcPts val="0"/>
-                </a:spcAft>
-                <a:buNone/>
-              </a:pPr>
-              <a:endParaRPr/>
-            </a:p>
-          </p:txBody>
-        </p:sp>
-        <p:sp>
-          <p:nvSpPr>
-            <p:cNvPr id="1038" name="Google Shape;1038;p54"/>
-            <p:cNvSpPr/>
-            <p:nvPr/>
-          </p:nvSpPr>
-          <p:spPr>
-            <a:xfrm>
-              <a:off x="2731350" y="1722775"/>
-              <a:ext cx="199750" cy="199750"/>
-            </a:xfrm>
-            <a:custGeom>
-              <a:avLst/>
-              <a:gdLst/>
-              <a:ahLst/>
-              <a:cxnLst/>
-              <a:rect l="l" t="t" r="r" b="b"/>
-              <a:pathLst>
-                <a:path w="7990" h="7990" fill="none" extrusionOk="0">
-                  <a:moveTo>
-                    <a:pt x="0" y="0"/>
-                  </a:moveTo>
-                  <a:lnTo>
-                    <a:pt x="7990" y="7990"/>
-                  </a:lnTo>
-                </a:path>
-              </a:pathLst>
-            </a:custGeom>
-            <a:noFill/>
-            <a:ln w="9525" cap="rnd" cmpd="sng">
-              <a:solidFill>
-                <a:schemeClr val="dk2"/>
-              </a:solidFill>
-              <a:prstDash val="solid"/>
-              <a:round/>
-              <a:headEnd type="none" w="sm" len="sm"/>
-              <a:tailEnd type="none" w="sm" len="sm"/>
-            </a:ln>
-          </p:spPr>
-          <p:txBody>
-            <a:bodyPr spcFirstLastPara="1" wrap="square" lIns="91425" tIns="91425" rIns="91425" bIns="91425" anchor="ctr" anchorCtr="0">
-              <a:noAutofit/>
-            </a:bodyPr>
-            <a:lstStyle/>
-            <a:p>
-              <a:pPr marL="0" lvl="0" indent="0" algn="l" rtl="0">
-                <a:spcBef>
-                  <a:spcPts val="0"/>
-                </a:spcBef>
-                <a:spcAft>
-                  <a:spcPts val="0"/>
-                </a:spcAft>
-                <a:buNone/>
-              </a:pPr>
-              <a:endParaRPr/>
-            </a:p>
-          </p:txBody>
-        </p:sp>
-        <p:sp>
-          <p:nvSpPr>
-            <p:cNvPr id="1039" name="Google Shape;1039;p54"/>
-            <p:cNvSpPr/>
-            <p:nvPr/>
-          </p:nvSpPr>
-          <p:spPr>
-            <a:xfrm>
-              <a:off x="2383075" y="1468325"/>
-              <a:ext cx="798300" cy="113000"/>
-            </a:xfrm>
-            <a:custGeom>
-              <a:avLst/>
-              <a:gdLst/>
-              <a:ahLst/>
-              <a:cxnLst/>
-              <a:rect l="l" t="t" r="r" b="b"/>
-              <a:pathLst>
-                <a:path w="31932" h="4520" fill="none" extrusionOk="0">
-                  <a:moveTo>
-                    <a:pt x="0" y="4519"/>
-                  </a:moveTo>
-                  <a:lnTo>
-                    <a:pt x="27413" y="4519"/>
-                  </a:lnTo>
-                  <a:lnTo>
-                    <a:pt x="31932" y="0"/>
-                  </a:lnTo>
-                </a:path>
-              </a:pathLst>
-            </a:custGeom>
-            <a:noFill/>
-            <a:ln w="9525" cap="rnd" cmpd="sng">
-              <a:solidFill>
-                <a:schemeClr val="dk2"/>
-              </a:solidFill>
-              <a:prstDash val="solid"/>
-              <a:round/>
-              <a:headEnd type="none" w="sm" len="sm"/>
-              <a:tailEnd type="none" w="sm" len="sm"/>
-            </a:ln>
-          </p:spPr>
-          <p:txBody>
-            <a:bodyPr spcFirstLastPara="1" wrap="square" lIns="91425" tIns="91425" rIns="91425" bIns="91425" anchor="ctr" anchorCtr="0">
-              <a:noAutofit/>
-            </a:bodyPr>
-            <a:lstStyle/>
-            <a:p>
-              <a:pPr marL="0" lvl="0" indent="0" algn="l" rtl="0">
-                <a:spcBef>
-                  <a:spcPts val="0"/>
-                </a:spcBef>
-                <a:spcAft>
-                  <a:spcPts val="0"/>
-                </a:spcAft>
-                <a:buNone/>
-              </a:pPr>
-              <a:endParaRPr/>
-            </a:p>
-          </p:txBody>
-        </p:sp>
-        <p:sp>
-          <p:nvSpPr>
-            <p:cNvPr id="1040" name="Google Shape;1040;p54"/>
-            <p:cNvSpPr/>
-            <p:nvPr/>
-          </p:nvSpPr>
-          <p:spPr>
-            <a:xfrm>
-              <a:off x="3113525" y="1443350"/>
-              <a:ext cx="253025" cy="92825"/>
-            </a:xfrm>
-            <a:custGeom>
-              <a:avLst/>
-              <a:gdLst/>
-              <a:ahLst/>
-              <a:cxnLst/>
-              <a:rect l="l" t="t" r="r" b="b"/>
-              <a:pathLst>
-                <a:path w="10121" h="3713" fill="none" extrusionOk="0">
-                  <a:moveTo>
-                    <a:pt x="1" y="3712"/>
-                  </a:moveTo>
-                  <a:lnTo>
-                    <a:pt x="6517" y="3712"/>
-                  </a:lnTo>
-                  <a:lnTo>
-                    <a:pt x="10121" y="1"/>
-                  </a:lnTo>
-                </a:path>
-              </a:pathLst>
-            </a:custGeom>
-            <a:noFill/>
-            <a:ln w="9525" cap="rnd" cmpd="sng">
-              <a:solidFill>
-                <a:schemeClr val="dk2"/>
-              </a:solidFill>
-              <a:prstDash val="solid"/>
-              <a:round/>
-              <a:headEnd type="none" w="sm" len="sm"/>
-              <a:tailEnd type="none" w="sm" len="sm"/>
-            </a:ln>
-          </p:spPr>
-          <p:txBody>
-            <a:bodyPr spcFirstLastPara="1" wrap="square" lIns="91425" tIns="91425" rIns="91425" bIns="91425" anchor="ctr" anchorCtr="0">
-              <a:noAutofit/>
-            </a:bodyPr>
-            <a:lstStyle/>
-            <a:p>
-              <a:pPr marL="0" lvl="0" indent="0" algn="l" rtl="0">
-                <a:spcBef>
-                  <a:spcPts val="0"/>
-                </a:spcBef>
-                <a:spcAft>
-                  <a:spcPts val="0"/>
-                </a:spcAft>
-                <a:buNone/>
-              </a:pPr>
-              <a:endParaRPr/>
-            </a:p>
-          </p:txBody>
-        </p:sp>
-        <p:sp>
-          <p:nvSpPr>
-            <p:cNvPr id="1041" name="Google Shape;1041;p54"/>
-            <p:cNvSpPr/>
-            <p:nvPr/>
-          </p:nvSpPr>
-          <p:spPr>
-            <a:xfrm>
-              <a:off x="2383075" y="1294400"/>
-              <a:ext cx="716550" cy="145850"/>
-            </a:xfrm>
-            <a:custGeom>
-              <a:avLst/>
-              <a:gdLst/>
-              <a:ahLst/>
-              <a:cxnLst/>
-              <a:rect l="l" t="t" r="r" b="b"/>
-              <a:pathLst>
-                <a:path w="28662" h="5834" fill="none" extrusionOk="0">
-                  <a:moveTo>
-                    <a:pt x="0" y="5834"/>
-                  </a:moveTo>
-                  <a:lnTo>
-                    <a:pt x="22486" y="5834"/>
-                  </a:lnTo>
-                  <a:lnTo>
-                    <a:pt x="28661" y="0"/>
-                  </a:lnTo>
-                </a:path>
-              </a:pathLst>
-            </a:custGeom>
-            <a:noFill/>
-            <a:ln w="9525" cap="rnd" cmpd="sng">
-              <a:solidFill>
-                <a:schemeClr val="dk2"/>
-              </a:solidFill>
-              <a:prstDash val="solid"/>
-              <a:round/>
-              <a:headEnd type="none" w="sm" len="sm"/>
-              <a:tailEnd type="none" w="sm" len="sm"/>
-            </a:ln>
-          </p:spPr>
-          <p:txBody>
-            <a:bodyPr spcFirstLastPara="1" wrap="square" lIns="91425" tIns="91425" rIns="91425" bIns="91425" anchor="ctr" anchorCtr="0">
-              <a:noAutofit/>
-            </a:bodyPr>
-            <a:lstStyle/>
-            <a:p>
-              <a:pPr marL="0" lvl="0" indent="0" algn="l" rtl="0">
-                <a:spcBef>
-                  <a:spcPts val="0"/>
-                </a:spcBef>
-                <a:spcAft>
-                  <a:spcPts val="0"/>
-                </a:spcAft>
-                <a:buNone/>
-              </a:pPr>
-              <a:endParaRPr/>
-            </a:p>
-          </p:txBody>
-        </p:sp>
-        <p:sp>
-          <p:nvSpPr>
-            <p:cNvPr id="1042" name="Google Shape;1042;p54"/>
-            <p:cNvSpPr/>
-            <p:nvPr/>
-          </p:nvSpPr>
-          <p:spPr>
-            <a:xfrm>
-              <a:off x="2383075" y="1983250"/>
-              <a:ext cx="489150" cy="25"/>
-            </a:xfrm>
-            <a:custGeom>
-              <a:avLst/>
-              <a:gdLst/>
-              <a:ahLst/>
-              <a:cxnLst/>
-              <a:rect l="l" t="t" r="r" b="b"/>
-              <a:pathLst>
-                <a:path w="19566" h="1" fill="none" extrusionOk="0">
-                  <a:moveTo>
-                    <a:pt x="0" y="1"/>
-                  </a:moveTo>
-                  <a:lnTo>
-                    <a:pt x="19565" y="1"/>
-                  </a:lnTo>
-                </a:path>
-              </a:pathLst>
-            </a:custGeom>
-            <a:noFill/>
-            <a:ln w="9525" cap="rnd" cmpd="sng">
-              <a:solidFill>
-                <a:schemeClr val="dk2"/>
-              </a:solidFill>
-              <a:prstDash val="solid"/>
-              <a:round/>
-              <a:headEnd type="none" w="sm" len="sm"/>
-              <a:tailEnd type="none" w="sm" len="sm"/>
-            </a:ln>
-          </p:spPr>
-          <p:txBody>
-            <a:bodyPr spcFirstLastPara="1" wrap="square" lIns="91425" tIns="91425" rIns="91425" bIns="91425" anchor="ctr" anchorCtr="0">
-              <a:noAutofit/>
-            </a:bodyPr>
-            <a:lstStyle/>
-            <a:p>
-              <a:pPr marL="0" lvl="0" indent="0" algn="l" rtl="0">
-                <a:spcBef>
-                  <a:spcPts val="0"/>
-                </a:spcBef>
-                <a:spcAft>
-                  <a:spcPts val="0"/>
-                </a:spcAft>
-                <a:buNone/>
-              </a:pPr>
-              <a:endParaRPr/>
-            </a:p>
-          </p:txBody>
-        </p:sp>
-        <p:sp>
-          <p:nvSpPr>
-            <p:cNvPr id="1043" name="Google Shape;1043;p54"/>
-            <p:cNvSpPr/>
-            <p:nvPr/>
-          </p:nvSpPr>
-          <p:spPr>
-            <a:xfrm>
-              <a:off x="2758400" y="1983250"/>
-              <a:ext cx="640200" cy="89075"/>
-            </a:xfrm>
-            <a:custGeom>
-              <a:avLst/>
-              <a:gdLst/>
-              <a:ahLst/>
-              <a:cxnLst/>
-              <a:rect l="l" t="t" r="r" b="b"/>
-              <a:pathLst>
-                <a:path w="25608" h="3563" fill="none" extrusionOk="0">
-                  <a:moveTo>
-                    <a:pt x="0" y="1"/>
-                  </a:moveTo>
-                  <a:lnTo>
-                    <a:pt x="1939" y="3562"/>
-                  </a:lnTo>
-                  <a:lnTo>
-                    <a:pt x="25607" y="3562"/>
-                  </a:lnTo>
-                </a:path>
-              </a:pathLst>
-            </a:custGeom>
-            <a:noFill/>
-            <a:ln w="9525" cap="rnd" cmpd="sng">
-              <a:solidFill>
-                <a:schemeClr val="dk2"/>
-              </a:solidFill>
-              <a:prstDash val="solid"/>
-              <a:round/>
-              <a:headEnd type="none" w="sm" len="sm"/>
-              <a:tailEnd type="none" w="sm" len="sm"/>
-            </a:ln>
-          </p:spPr>
-          <p:txBody>
-            <a:bodyPr spcFirstLastPara="1" wrap="square" lIns="91425" tIns="91425" rIns="91425" bIns="91425" anchor="ctr" anchorCtr="0">
-              <a:noAutofit/>
-            </a:bodyPr>
-            <a:lstStyle/>
-            <a:p>
-              <a:pPr marL="0" lvl="0" indent="0" algn="l" rtl="0">
-                <a:spcBef>
-                  <a:spcPts val="0"/>
-                </a:spcBef>
-                <a:spcAft>
-                  <a:spcPts val="0"/>
-                </a:spcAft>
-                <a:buNone/>
-              </a:pPr>
-              <a:endParaRPr/>
-            </a:p>
-          </p:txBody>
-        </p:sp>
-        <p:sp>
-          <p:nvSpPr>
-            <p:cNvPr id="1044" name="Google Shape;1044;p54"/>
-            <p:cNvSpPr/>
-            <p:nvPr/>
-          </p:nvSpPr>
-          <p:spPr>
-            <a:xfrm>
-              <a:off x="2978925" y="1924375"/>
-              <a:ext cx="599850" cy="147950"/>
-            </a:xfrm>
-            <a:custGeom>
-              <a:avLst/>
-              <a:gdLst/>
-              <a:ahLst/>
-              <a:cxnLst/>
-              <a:rect l="l" t="t" r="r" b="b"/>
-              <a:pathLst>
-                <a:path w="23994" h="5918" fill="none" extrusionOk="0">
-                  <a:moveTo>
-                    <a:pt x="1" y="5917"/>
-                  </a:moveTo>
-                  <a:lnTo>
-                    <a:pt x="5984" y="0"/>
-                  </a:lnTo>
-                  <a:lnTo>
-                    <a:pt x="23993" y="0"/>
-                  </a:lnTo>
-                </a:path>
-              </a:pathLst>
-            </a:custGeom>
-            <a:noFill/>
-            <a:ln w="9525" cap="rnd" cmpd="sng">
-              <a:solidFill>
-                <a:schemeClr val="dk2"/>
-              </a:solidFill>
-              <a:prstDash val="solid"/>
-              <a:round/>
-              <a:headEnd type="none" w="sm" len="sm"/>
-              <a:tailEnd type="none" w="sm" len="sm"/>
-            </a:ln>
-          </p:spPr>
-          <p:txBody>
-            <a:bodyPr spcFirstLastPara="1" wrap="square" lIns="91425" tIns="91425" rIns="91425" bIns="91425" anchor="ctr" anchorCtr="0">
-              <a:noAutofit/>
-            </a:bodyPr>
-            <a:lstStyle/>
-            <a:p>
-              <a:pPr marL="0" lvl="0" indent="0" algn="l" rtl="0">
-                <a:spcBef>
-                  <a:spcPts val="0"/>
-                </a:spcBef>
-                <a:spcAft>
-                  <a:spcPts val="0"/>
-                </a:spcAft>
-                <a:buNone/>
-              </a:pPr>
-              <a:endParaRPr/>
-            </a:p>
-          </p:txBody>
-        </p:sp>
-        <p:sp>
-          <p:nvSpPr>
-            <p:cNvPr id="1045" name="Google Shape;1045;p54"/>
-            <p:cNvSpPr/>
-            <p:nvPr/>
-          </p:nvSpPr>
-          <p:spPr>
-            <a:xfrm>
-              <a:off x="3062150" y="2072300"/>
-              <a:ext cx="977250" cy="112575"/>
-            </a:xfrm>
-            <a:custGeom>
-              <a:avLst/>
-              <a:gdLst/>
-              <a:ahLst/>
-              <a:cxnLst/>
-              <a:rect l="l" t="t" r="r" b="b"/>
-              <a:pathLst>
-                <a:path w="39090" h="4503" fill="none" extrusionOk="0">
-                  <a:moveTo>
-                    <a:pt x="0" y="0"/>
-                  </a:moveTo>
-                  <a:lnTo>
-                    <a:pt x="5784" y="4503"/>
-                  </a:lnTo>
-                  <a:lnTo>
-                    <a:pt x="39089" y="4503"/>
-                  </a:lnTo>
-                </a:path>
-              </a:pathLst>
-            </a:custGeom>
-            <a:noFill/>
-            <a:ln w="9525" cap="rnd" cmpd="sng">
-              <a:solidFill>
-                <a:schemeClr val="dk2"/>
-              </a:solidFill>
-              <a:prstDash val="solid"/>
-              <a:round/>
-              <a:headEnd type="none" w="sm" len="sm"/>
-              <a:tailEnd type="none" w="sm" len="sm"/>
-            </a:ln>
-          </p:spPr>
-          <p:txBody>
-            <a:bodyPr spcFirstLastPara="1" wrap="square" lIns="91425" tIns="91425" rIns="91425" bIns="91425" anchor="ctr" anchorCtr="0">
-              <a:noAutofit/>
-            </a:bodyPr>
-            <a:lstStyle/>
-            <a:p>
-              <a:pPr marL="0" lvl="0" indent="0" algn="l" rtl="0">
-                <a:spcBef>
-                  <a:spcPts val="0"/>
-                </a:spcBef>
-                <a:spcAft>
-                  <a:spcPts val="0"/>
-                </a:spcAft>
-                <a:buNone/>
-              </a:pPr>
-              <a:endParaRPr/>
-            </a:p>
-          </p:txBody>
-        </p:sp>
-        <p:sp>
-          <p:nvSpPr>
-            <p:cNvPr id="1046" name="Google Shape;1046;p54"/>
-            <p:cNvSpPr/>
-            <p:nvPr/>
-          </p:nvSpPr>
-          <p:spPr>
-            <a:xfrm>
-              <a:off x="2383075" y="2565175"/>
-              <a:ext cx="489150" cy="25"/>
-            </a:xfrm>
-            <a:custGeom>
-              <a:avLst/>
-              <a:gdLst/>
-              <a:ahLst/>
-              <a:cxnLst/>
-              <a:rect l="l" t="t" r="r" b="b"/>
-              <a:pathLst>
-                <a:path w="19566" h="1" fill="none" extrusionOk="0">
-                  <a:moveTo>
-                    <a:pt x="0" y="0"/>
-                  </a:moveTo>
-                  <a:lnTo>
-                    <a:pt x="19565" y="0"/>
-                  </a:lnTo>
-                </a:path>
-              </a:pathLst>
-            </a:custGeom>
-            <a:noFill/>
-            <a:ln w="9525" cap="rnd" cmpd="sng">
-              <a:solidFill>
-                <a:schemeClr val="dk2"/>
-              </a:solidFill>
-              <a:prstDash val="solid"/>
-              <a:round/>
-              <a:headEnd type="none" w="sm" len="sm"/>
-              <a:tailEnd type="none" w="sm" len="sm"/>
-            </a:ln>
-          </p:spPr>
-          <p:txBody>
-            <a:bodyPr spcFirstLastPara="1" wrap="square" lIns="91425" tIns="91425" rIns="91425" bIns="91425" anchor="ctr" anchorCtr="0">
-              <a:noAutofit/>
-            </a:bodyPr>
-            <a:lstStyle/>
-            <a:p>
-              <a:pPr marL="0" lvl="0" indent="0" algn="l" rtl="0">
-                <a:spcBef>
-                  <a:spcPts val="0"/>
-                </a:spcBef>
-                <a:spcAft>
-                  <a:spcPts val="0"/>
-                </a:spcAft>
-                <a:buNone/>
-              </a:pPr>
-              <a:endParaRPr/>
-            </a:p>
-          </p:txBody>
-        </p:sp>
-        <p:sp>
-          <p:nvSpPr>
-            <p:cNvPr id="1047" name="Google Shape;1047;p54"/>
-            <p:cNvSpPr/>
-            <p:nvPr/>
-          </p:nvSpPr>
-          <p:spPr>
-            <a:xfrm>
-              <a:off x="2758400" y="2565175"/>
-              <a:ext cx="640200" cy="88875"/>
-            </a:xfrm>
-            <a:custGeom>
-              <a:avLst/>
-              <a:gdLst/>
-              <a:ahLst/>
-              <a:cxnLst/>
-              <a:rect l="l" t="t" r="r" b="b"/>
-              <a:pathLst>
-                <a:path w="25608" h="3555" fill="none" extrusionOk="0">
-                  <a:moveTo>
-                    <a:pt x="0" y="0"/>
-                  </a:moveTo>
-                  <a:lnTo>
-                    <a:pt x="1939" y="3554"/>
-                  </a:lnTo>
-                  <a:lnTo>
-                    <a:pt x="25607" y="3554"/>
-                  </a:lnTo>
-                </a:path>
-              </a:pathLst>
-            </a:custGeom>
-            <a:noFill/>
-            <a:ln w="9525" cap="rnd" cmpd="sng">
-              <a:solidFill>
-                <a:schemeClr val="dk2"/>
-              </a:solidFill>
-              <a:prstDash val="solid"/>
-              <a:round/>
-              <a:headEnd type="none" w="sm" len="sm"/>
-              <a:tailEnd type="none" w="sm" len="sm"/>
-            </a:ln>
-          </p:spPr>
-          <p:txBody>
-            <a:bodyPr spcFirstLastPara="1" wrap="square" lIns="91425" tIns="91425" rIns="91425" bIns="91425" anchor="ctr" anchorCtr="0">
-              <a:noAutofit/>
-            </a:bodyPr>
-            <a:lstStyle/>
-            <a:p>
-              <a:pPr marL="0" lvl="0" indent="0" algn="l" rtl="0">
-                <a:spcBef>
-                  <a:spcPts val="0"/>
-                </a:spcBef>
-                <a:spcAft>
-                  <a:spcPts val="0"/>
-                </a:spcAft>
-                <a:buNone/>
-              </a:pPr>
-              <a:endParaRPr/>
-            </a:p>
-          </p:txBody>
-        </p:sp>
-        <p:sp>
-          <p:nvSpPr>
-            <p:cNvPr id="1048" name="Google Shape;1048;p54"/>
-            <p:cNvSpPr/>
-            <p:nvPr/>
-          </p:nvSpPr>
-          <p:spPr>
-            <a:xfrm>
-              <a:off x="2978925" y="2506100"/>
-              <a:ext cx="599850" cy="147950"/>
-            </a:xfrm>
-            <a:custGeom>
-              <a:avLst/>
-              <a:gdLst/>
-              <a:ahLst/>
-              <a:cxnLst/>
-              <a:rect l="l" t="t" r="r" b="b"/>
-              <a:pathLst>
-                <a:path w="23994" h="5918" fill="none" extrusionOk="0">
-                  <a:moveTo>
-                    <a:pt x="1" y="5917"/>
-                  </a:moveTo>
-                  <a:lnTo>
-                    <a:pt x="5984" y="0"/>
-                  </a:lnTo>
-                  <a:lnTo>
-                    <a:pt x="23993" y="0"/>
-                  </a:lnTo>
-                </a:path>
-              </a:pathLst>
-            </a:custGeom>
-            <a:noFill/>
-            <a:ln w="9525" cap="rnd" cmpd="sng">
-              <a:solidFill>
-                <a:schemeClr val="dk2"/>
-              </a:solidFill>
-              <a:prstDash val="solid"/>
-              <a:round/>
-              <a:headEnd type="none" w="sm" len="sm"/>
-              <a:tailEnd type="none" w="sm" len="sm"/>
-            </a:ln>
-          </p:spPr>
-          <p:txBody>
-            <a:bodyPr spcFirstLastPara="1" wrap="square" lIns="91425" tIns="91425" rIns="91425" bIns="91425" anchor="ctr" anchorCtr="0">
-              <a:noAutofit/>
-            </a:bodyPr>
-            <a:lstStyle/>
-            <a:p>
-              <a:pPr marL="0" lvl="0" indent="0" algn="l" rtl="0">
-                <a:spcBef>
-                  <a:spcPts val="0"/>
-                </a:spcBef>
-                <a:spcAft>
-                  <a:spcPts val="0"/>
-                </a:spcAft>
-                <a:buNone/>
-              </a:pPr>
-              <a:endParaRPr/>
-            </a:p>
-          </p:txBody>
-        </p:sp>
-        <p:sp>
-          <p:nvSpPr>
-            <p:cNvPr id="1049" name="Google Shape;1049;p54"/>
-            <p:cNvSpPr/>
-            <p:nvPr/>
-          </p:nvSpPr>
-          <p:spPr>
-            <a:xfrm>
-              <a:off x="3062150" y="2654025"/>
-              <a:ext cx="647475" cy="112575"/>
-            </a:xfrm>
-            <a:custGeom>
-              <a:avLst/>
-              <a:gdLst/>
-              <a:ahLst/>
-              <a:cxnLst/>
-              <a:rect l="l" t="t" r="r" b="b"/>
-              <a:pathLst>
-                <a:path w="25899" h="4503" fill="none" extrusionOk="0">
-                  <a:moveTo>
-                    <a:pt x="0" y="0"/>
-                  </a:moveTo>
-                  <a:lnTo>
-                    <a:pt x="5784" y="4502"/>
-                  </a:lnTo>
-                  <a:lnTo>
-                    <a:pt x="25899" y="4502"/>
-                  </a:lnTo>
-                </a:path>
-              </a:pathLst>
-            </a:custGeom>
-            <a:noFill/>
-            <a:ln w="9525" cap="rnd" cmpd="sng">
-              <a:solidFill>
-                <a:schemeClr val="dk2"/>
-              </a:solidFill>
-              <a:prstDash val="solid"/>
-              <a:round/>
-              <a:headEnd type="none" w="sm" len="sm"/>
-              <a:tailEnd type="none" w="sm" len="sm"/>
-            </a:ln>
-          </p:spPr>
-          <p:txBody>
-            <a:bodyPr spcFirstLastPara="1" wrap="square" lIns="91425" tIns="91425" rIns="91425" bIns="91425" anchor="ctr" anchorCtr="0">
-              <a:noAutofit/>
-            </a:bodyPr>
-            <a:lstStyle/>
-            <a:p>
-              <a:pPr marL="0" lvl="0" indent="0" algn="l" rtl="0">
-                <a:spcBef>
-                  <a:spcPts val="0"/>
-                </a:spcBef>
-                <a:spcAft>
-                  <a:spcPts val="0"/>
-                </a:spcAft>
-                <a:buNone/>
-              </a:pPr>
-              <a:endParaRPr/>
-            </a:p>
-          </p:txBody>
-        </p:sp>
-        <p:sp>
-          <p:nvSpPr>
-            <p:cNvPr id="1050" name="Google Shape;1050;p54"/>
-            <p:cNvSpPr/>
-            <p:nvPr/>
-          </p:nvSpPr>
-          <p:spPr>
-            <a:xfrm>
-              <a:off x="3440375" y="2184850"/>
-              <a:ext cx="535775" cy="44125"/>
-            </a:xfrm>
-            <a:custGeom>
-              <a:avLst/>
-              <a:gdLst/>
-              <a:ahLst/>
-              <a:cxnLst/>
-              <a:rect l="l" t="t" r="r" b="b"/>
-              <a:pathLst>
-                <a:path w="21431" h="1765" fill="none" extrusionOk="0">
-                  <a:moveTo>
-                    <a:pt x="1" y="1"/>
-                  </a:moveTo>
-                  <a:lnTo>
-                    <a:pt x="1774" y="1765"/>
-                  </a:lnTo>
-                  <a:lnTo>
-                    <a:pt x="21430" y="1765"/>
-                  </a:lnTo>
-                </a:path>
-              </a:pathLst>
-            </a:custGeom>
-            <a:noFill/>
-            <a:ln w="9525" cap="rnd" cmpd="sng">
-              <a:solidFill>
-                <a:schemeClr val="dk2"/>
-              </a:solidFill>
-              <a:prstDash val="solid"/>
-              <a:round/>
-              <a:headEnd type="none" w="sm" len="sm"/>
-              <a:tailEnd type="none" w="sm" len="sm"/>
-            </a:ln>
-          </p:spPr>
-          <p:txBody>
-            <a:bodyPr spcFirstLastPara="1" wrap="square" lIns="91425" tIns="91425" rIns="91425" bIns="91425" anchor="ctr" anchorCtr="0">
-              <a:noAutofit/>
-            </a:bodyPr>
-            <a:lstStyle/>
-            <a:p>
-              <a:pPr marL="0" lvl="0" indent="0" algn="l" rtl="0">
-                <a:spcBef>
-                  <a:spcPts val="0"/>
-                </a:spcBef>
-                <a:spcAft>
-                  <a:spcPts val="0"/>
-                </a:spcAft>
-                <a:buNone/>
-              </a:pPr>
-              <a:endParaRPr/>
-            </a:p>
-          </p:txBody>
-        </p:sp>
-        <p:sp>
-          <p:nvSpPr>
-            <p:cNvPr id="1051" name="Google Shape;1051;p54"/>
-            <p:cNvSpPr/>
-            <p:nvPr/>
-          </p:nvSpPr>
-          <p:spPr>
-            <a:xfrm>
-              <a:off x="3062150" y="1722775"/>
-              <a:ext cx="647475" cy="112575"/>
-            </a:xfrm>
-            <a:custGeom>
-              <a:avLst/>
-              <a:gdLst/>
-              <a:ahLst/>
-              <a:cxnLst/>
-              <a:rect l="l" t="t" r="r" b="b"/>
-              <a:pathLst>
-                <a:path w="25899" h="4503" fill="none" extrusionOk="0">
-                  <a:moveTo>
-                    <a:pt x="0" y="0"/>
-                  </a:moveTo>
-                  <a:lnTo>
-                    <a:pt x="5784" y="4503"/>
-                  </a:lnTo>
-                  <a:lnTo>
-                    <a:pt x="25899" y="4503"/>
-                  </a:lnTo>
-                </a:path>
-              </a:pathLst>
-            </a:custGeom>
-            <a:noFill/>
-            <a:ln w="9525" cap="rnd" cmpd="sng">
-              <a:solidFill>
-                <a:schemeClr val="dk2"/>
-              </a:solidFill>
-              <a:prstDash val="solid"/>
-              <a:round/>
-              <a:headEnd type="none" w="sm" len="sm"/>
-              <a:tailEnd type="none" w="sm" len="sm"/>
-            </a:ln>
-          </p:spPr>
-          <p:txBody>
-            <a:bodyPr spcFirstLastPara="1" wrap="square" lIns="91425" tIns="91425" rIns="91425" bIns="91425" anchor="ctr" anchorCtr="0">
-              <a:noAutofit/>
-            </a:bodyPr>
-            <a:lstStyle/>
-            <a:p>
-              <a:pPr marL="0" lvl="0" indent="0" algn="l" rtl="0">
-                <a:spcBef>
-                  <a:spcPts val="0"/>
-                </a:spcBef>
-                <a:spcAft>
-                  <a:spcPts val="0"/>
-                </a:spcAft>
-                <a:buNone/>
-              </a:pPr>
-              <a:endParaRPr/>
-            </a:p>
-          </p:txBody>
-        </p:sp>
-        <p:sp>
-          <p:nvSpPr>
-            <p:cNvPr id="1052" name="Google Shape;1052;p54"/>
-            <p:cNvSpPr/>
-            <p:nvPr/>
-          </p:nvSpPr>
-          <p:spPr>
-            <a:xfrm>
-              <a:off x="3440375" y="1835325"/>
-              <a:ext cx="206000" cy="44350"/>
-            </a:xfrm>
-            <a:custGeom>
-              <a:avLst/>
-              <a:gdLst/>
-              <a:ahLst/>
-              <a:cxnLst/>
-              <a:rect l="l" t="t" r="r" b="b"/>
-              <a:pathLst>
-                <a:path w="8240" h="1774" fill="none" extrusionOk="0">
-                  <a:moveTo>
-                    <a:pt x="1" y="1"/>
-                  </a:moveTo>
-                  <a:lnTo>
-                    <a:pt x="1774" y="1773"/>
-                  </a:lnTo>
-                  <a:lnTo>
-                    <a:pt x="8240" y="1773"/>
-                  </a:lnTo>
-                </a:path>
-              </a:pathLst>
-            </a:custGeom>
-            <a:noFill/>
-            <a:ln w="9525" cap="rnd" cmpd="sng">
-              <a:solidFill>
-                <a:schemeClr val="dk2"/>
-              </a:solidFill>
-              <a:prstDash val="solid"/>
-              <a:round/>
-              <a:headEnd type="none" w="sm" len="sm"/>
-              <a:tailEnd type="none" w="sm" len="sm"/>
-            </a:ln>
-          </p:spPr>
-          <p:txBody>
-            <a:bodyPr spcFirstLastPara="1" wrap="square" lIns="91425" tIns="91425" rIns="91425" bIns="91425" anchor="ctr" anchorCtr="0">
-              <a:noAutofit/>
-            </a:bodyPr>
-            <a:lstStyle/>
-            <a:p>
-              <a:pPr marL="0" lvl="0" indent="0" algn="l" rtl="0">
-                <a:spcBef>
-                  <a:spcPts val="0"/>
-                </a:spcBef>
-                <a:spcAft>
-                  <a:spcPts val="0"/>
-                </a:spcAft>
-                <a:buNone/>
-              </a:pPr>
-              <a:endParaRPr/>
-            </a:p>
-          </p:txBody>
-        </p:sp>
-      </p:grpSp>
-    </p:spTree>
-  </p:cSld>
-  <p:clrMapOvr>
-    <a:masterClrMapping/>
-  </p:clrMapOvr>
-</p:sld>
-</file>
-
-<file path=ppt/slides/slide7.xml><?xml version="1.0" encoding="utf-8"?>
-<p:sld xmlns:a="http://schemas.openxmlformats.org/drawingml/2006/main" xmlns:r="http://schemas.openxmlformats.org/officeDocument/2006/relationships" xmlns:p="http://schemas.openxmlformats.org/presentationml/2006/main">
-  <p:cSld>
-    <p:spTree>
-      <p:nvGrpSpPr>
-        <p:cNvPr id="1" name="Shape 1187"/>
-        <p:cNvGrpSpPr/>
-        <p:nvPr/>
-      </p:nvGrpSpPr>
-      <p:grpSpPr>
-        <a:xfrm>
-          <a:off x="0" y="0"/>
-          <a:ext cx="0" cy="0"/>
-          <a:chOff x="0" y="0"/>
-          <a:chExt cx="0" cy="0"/>
-        </a:xfrm>
-      </p:grpSpPr>
-      <p:sp>
-        <p:nvSpPr>
-          <p:cNvPr id="1188" name="Google Shape;1188;p60"/>
-          <p:cNvSpPr txBox="1">
-            <a:spLocks noGrp="1"/>
-          </p:cNvSpPr>
-          <p:nvPr>
-            <p:ph type="title"/>
-          </p:nvPr>
-        </p:nvSpPr>
-        <p:spPr>
-          <a:xfrm>
-            <a:off x="720000" y="445025"/>
-            <a:ext cx="7704000" cy="572700"/>
-          </a:xfrm>
-          <a:prstGeom prst="rect">
-            <a:avLst/>
-          </a:prstGeom>
-        </p:spPr>
-        <p:txBody>
-          <a:bodyPr spcFirstLastPara="1" wrap="square" lIns="91425" tIns="91425" rIns="91425" bIns="91425" anchor="t" anchorCtr="0">
-            <a:noAutofit/>
-          </a:bodyPr>
-          <a:lstStyle/>
-          <a:p>
-            <a:pPr marL="0" lvl="0" indent="0" algn="l" rtl="0">
-              <a:spcBef>
-                <a:spcPts val="0"/>
-              </a:spcBef>
-              <a:spcAft>
-                <a:spcPts val="0"/>
-              </a:spcAft>
-              <a:buNone/>
-            </a:pPr>
-            <a:r>
-              <a:rPr lang="en"/>
-              <a:t>Infographics are useful</a:t>
-            </a:r>
-            <a:endParaRPr/>
-          </a:p>
-        </p:txBody>
-      </p:sp>
-      <p:sp>
-        <p:nvSpPr>
-          <p:cNvPr id="1189" name="Google Shape;1189;p60"/>
-          <p:cNvSpPr txBox="1"/>
-          <p:nvPr/>
-        </p:nvSpPr>
-        <p:spPr>
-          <a:xfrm>
-            <a:off x="1036423" y="3425224"/>
-            <a:ext cx="1463100" cy="457200"/>
-          </a:xfrm>
-          <a:prstGeom prst="rect">
-            <a:avLst/>
-          </a:prstGeom>
-          <a:noFill/>
-          <a:ln>
-            <a:noFill/>
-          </a:ln>
-        </p:spPr>
-        <p:txBody>
-          <a:bodyPr spcFirstLastPara="1" wrap="square" lIns="91425" tIns="91425" rIns="91425" bIns="91425" anchor="b" anchorCtr="0">
-            <a:noAutofit/>
-          </a:bodyPr>
-          <a:lstStyle/>
-          <a:p>
-            <a:pPr marL="0" lvl="0" indent="0" algn="ctr" rtl="0">
-              <a:spcBef>
-                <a:spcPts val="0"/>
-              </a:spcBef>
-              <a:spcAft>
-                <a:spcPts val="0"/>
-              </a:spcAft>
-              <a:buNone/>
-            </a:pPr>
-            <a:r>
-              <a:rPr lang="en" sz="2200" b="1" dirty="0" smtClean="0">
-                <a:solidFill>
-                  <a:schemeClr val="lt2"/>
-                </a:solidFill>
-                <a:latin typeface="Work Sans"/>
-                <a:ea typeface="Work Sans"/>
-                <a:cs typeface="Work Sans"/>
-                <a:sym typeface="Work Sans"/>
-              </a:rPr>
-              <a:t>React</a:t>
-            </a:r>
-            <a:endParaRPr sz="2200" b="1" dirty="0">
-              <a:solidFill>
-                <a:schemeClr val="lt2"/>
-              </a:solidFill>
-              <a:latin typeface="Work Sans"/>
-              <a:ea typeface="Work Sans"/>
-              <a:cs typeface="Work Sans"/>
-              <a:sym typeface="Work Sans"/>
-            </a:endParaRPr>
-          </a:p>
-        </p:txBody>
-      </p:sp>
-      <p:sp>
-        <p:nvSpPr>
-          <p:cNvPr id="1190" name="Google Shape;1190;p60"/>
-          <p:cNvSpPr txBox="1"/>
-          <p:nvPr/>
-        </p:nvSpPr>
-        <p:spPr>
-          <a:xfrm>
-            <a:off x="3072959" y="3425224"/>
-            <a:ext cx="1463100" cy="457200"/>
-          </a:xfrm>
-          <a:prstGeom prst="rect">
-            <a:avLst/>
-          </a:prstGeom>
-          <a:noFill/>
-          <a:ln>
-            <a:noFill/>
-          </a:ln>
-        </p:spPr>
-        <p:txBody>
-          <a:bodyPr spcFirstLastPara="1" wrap="square" lIns="91425" tIns="91425" rIns="91425" bIns="91425" anchor="b" anchorCtr="0">
-            <a:noAutofit/>
-          </a:bodyPr>
-          <a:lstStyle/>
-          <a:p>
-            <a:pPr marL="0" lvl="0" indent="0" algn="ctr" rtl="0">
-              <a:spcBef>
-                <a:spcPts val="0"/>
-              </a:spcBef>
-              <a:spcAft>
-                <a:spcPts val="0"/>
-              </a:spcAft>
-              <a:buNone/>
-            </a:pPr>
-            <a:r>
-              <a:rPr lang="en" sz="2200" b="1" dirty="0" smtClean="0">
-                <a:solidFill>
-                  <a:schemeClr val="lt2"/>
-                </a:solidFill>
-                <a:latin typeface="Work Sans"/>
-                <a:ea typeface="Work Sans"/>
-                <a:cs typeface="Work Sans"/>
-                <a:sym typeface="Work Sans"/>
-              </a:rPr>
-              <a:t>Express</a:t>
-            </a:r>
-            <a:endParaRPr sz="2200" b="1" dirty="0">
-              <a:solidFill>
-                <a:schemeClr val="lt2"/>
-              </a:solidFill>
-              <a:latin typeface="Work Sans"/>
-              <a:ea typeface="Work Sans"/>
-              <a:cs typeface="Work Sans"/>
-              <a:sym typeface="Work Sans"/>
-            </a:endParaRPr>
-          </a:p>
-        </p:txBody>
-      </p:sp>
-      <p:sp>
-        <p:nvSpPr>
-          <p:cNvPr id="1194" name="Google Shape;1194;p60"/>
-          <p:cNvSpPr txBox="1"/>
-          <p:nvPr/>
-        </p:nvSpPr>
-        <p:spPr>
-          <a:xfrm>
-            <a:off x="1654421" y="2447737"/>
-            <a:ext cx="2291783" cy="457200"/>
-          </a:xfrm>
-          <a:prstGeom prst="rect">
-            <a:avLst/>
-          </a:prstGeom>
-          <a:noFill/>
-          <a:ln>
-            <a:noFill/>
-          </a:ln>
-        </p:spPr>
-        <p:txBody>
-          <a:bodyPr spcFirstLastPara="1" wrap="square" lIns="91425" tIns="91425" rIns="91425" bIns="91425" anchor="ctr" anchorCtr="0">
-            <a:noAutofit/>
-          </a:bodyPr>
-          <a:lstStyle/>
-          <a:p>
-            <a:pPr marL="0" lvl="0" indent="0" algn="ctr" rtl="0">
-              <a:spcBef>
-                <a:spcPts val="0"/>
-              </a:spcBef>
-              <a:spcAft>
-                <a:spcPts val="0"/>
-              </a:spcAft>
-              <a:buNone/>
-            </a:pPr>
-            <a:r>
-              <a:rPr lang="en" sz="2200" b="1" dirty="0" smtClean="0">
-                <a:solidFill>
-                  <a:schemeClr val="lt2"/>
-                </a:solidFill>
-                <a:latin typeface="Work Sans"/>
-                <a:ea typeface="Work Sans"/>
-                <a:cs typeface="Work Sans"/>
-                <a:sym typeface="Work Sans"/>
-              </a:rPr>
-              <a:t>Demonstration</a:t>
-            </a:r>
-            <a:endParaRPr sz="2200" b="1" dirty="0">
-              <a:solidFill>
-                <a:schemeClr val="lt2"/>
-              </a:solidFill>
-              <a:latin typeface="Work Sans"/>
-              <a:ea typeface="Work Sans"/>
-              <a:cs typeface="Work Sans"/>
-              <a:sym typeface="Work Sans"/>
-            </a:endParaRPr>
-          </a:p>
-        </p:txBody>
-      </p:sp>
-      <p:sp>
-        <p:nvSpPr>
-          <p:cNvPr id="1195" name="Google Shape;1195;p60"/>
-          <p:cNvSpPr txBox="1"/>
-          <p:nvPr/>
-        </p:nvSpPr>
-        <p:spPr>
-          <a:xfrm>
-            <a:off x="6180791" y="2419350"/>
-            <a:ext cx="1463100" cy="457200"/>
-          </a:xfrm>
-          <a:prstGeom prst="rect">
-            <a:avLst/>
-          </a:prstGeom>
-          <a:noFill/>
-          <a:ln>
-            <a:noFill/>
-          </a:ln>
-        </p:spPr>
-        <p:txBody>
-          <a:bodyPr spcFirstLastPara="1" wrap="square" lIns="91425" tIns="91425" rIns="91425" bIns="91425" anchor="ctr" anchorCtr="0">
-            <a:noAutofit/>
-          </a:bodyPr>
-          <a:lstStyle/>
-          <a:p>
-            <a:pPr marL="0" lvl="0" indent="0" algn="ctr" rtl="0">
-              <a:spcBef>
-                <a:spcPts val="0"/>
-              </a:spcBef>
-              <a:spcAft>
-                <a:spcPts val="0"/>
-              </a:spcAft>
-              <a:buNone/>
-            </a:pPr>
-            <a:r>
-              <a:rPr lang="en" sz="2200" b="1" dirty="0" smtClean="0">
-                <a:solidFill>
-                  <a:schemeClr val="lt2"/>
-                </a:solidFill>
-                <a:latin typeface="Work Sans"/>
-                <a:ea typeface="Work Sans"/>
-                <a:cs typeface="Work Sans"/>
-                <a:sym typeface="Work Sans"/>
-              </a:rPr>
-              <a:t>Design</a:t>
-            </a:r>
-            <a:endParaRPr sz="2200" b="1" dirty="0">
-              <a:solidFill>
-                <a:schemeClr val="lt2"/>
-              </a:solidFill>
-              <a:latin typeface="Work Sans"/>
-              <a:ea typeface="Work Sans"/>
-              <a:cs typeface="Work Sans"/>
-              <a:sym typeface="Work Sans"/>
-            </a:endParaRPr>
-          </a:p>
-        </p:txBody>
-      </p:sp>
-      <p:sp>
-        <p:nvSpPr>
-          <p:cNvPr id="1196" name="Google Shape;1196;p60"/>
-          <p:cNvSpPr txBox="1"/>
-          <p:nvPr/>
-        </p:nvSpPr>
-        <p:spPr>
-          <a:xfrm>
-            <a:off x="3542250" y="1538012"/>
-            <a:ext cx="2059500" cy="457200"/>
-          </a:xfrm>
-          <a:prstGeom prst="rect">
-            <a:avLst/>
-          </a:prstGeom>
-          <a:noFill/>
-          <a:ln>
-            <a:noFill/>
-          </a:ln>
-        </p:spPr>
-        <p:txBody>
-          <a:bodyPr spcFirstLastPara="1" wrap="square" lIns="91425" tIns="91425" rIns="91425" bIns="91425" anchor="ctr" anchorCtr="0">
-            <a:noAutofit/>
-          </a:bodyPr>
-          <a:lstStyle/>
-          <a:p>
-            <a:pPr marL="0" lvl="0" indent="0" algn="ctr" rtl="0">
-              <a:spcBef>
-                <a:spcPts val="0"/>
-              </a:spcBef>
-              <a:spcAft>
-                <a:spcPts val="0"/>
-              </a:spcAft>
-              <a:buNone/>
-            </a:pPr>
-            <a:r>
-              <a:rPr lang="en" sz="2200" b="1" dirty="0" smtClean="0">
-                <a:solidFill>
-                  <a:schemeClr val="lt2"/>
-                </a:solidFill>
-                <a:latin typeface="Work Sans"/>
-                <a:ea typeface="Work Sans"/>
-                <a:cs typeface="Work Sans"/>
-                <a:sym typeface="Work Sans"/>
-              </a:rPr>
-              <a:t>Ciberbullying AI</a:t>
-            </a:r>
-            <a:endParaRPr sz="2200" b="1" dirty="0">
-              <a:solidFill>
-                <a:schemeClr val="lt2"/>
-              </a:solidFill>
-              <a:latin typeface="Work Sans"/>
-              <a:ea typeface="Work Sans"/>
-              <a:cs typeface="Work Sans"/>
-              <a:sym typeface="Work Sans"/>
-            </a:endParaRPr>
-          </a:p>
-        </p:txBody>
-      </p:sp>
-      <p:cxnSp>
-        <p:nvCxnSpPr>
-          <p:cNvPr id="1197" name="Google Shape;1197;p60"/>
-          <p:cNvCxnSpPr>
-            <a:stCxn id="1196" idx="2"/>
-            <a:endCxn id="1194" idx="0"/>
-          </p:cNvCxnSpPr>
-          <p:nvPr/>
-        </p:nvCxnSpPr>
-        <p:spPr>
-          <a:xfrm rot="5400000">
-            <a:off x="3459895" y="1335631"/>
-            <a:ext cx="452525" cy="1771687"/>
-          </a:xfrm>
-          <a:prstGeom prst="bentConnector3">
-            <a:avLst>
-              <a:gd name="adj1" fmla="val 50000"/>
-            </a:avLst>
-          </a:prstGeom>
-          <a:noFill/>
-          <a:ln w="9525" cap="flat" cmpd="sng">
-            <a:solidFill>
-              <a:schemeClr val="dk2"/>
-            </a:solidFill>
-            <a:prstDash val="solid"/>
-            <a:round/>
-            <a:headEnd type="none" w="med" len="med"/>
-            <a:tailEnd type="none" w="med" len="med"/>
-          </a:ln>
-        </p:spPr>
-      </p:cxnSp>
-      <p:cxnSp>
-        <p:nvCxnSpPr>
-          <p:cNvPr id="1198" name="Google Shape;1198;p60"/>
-          <p:cNvCxnSpPr/>
-          <p:nvPr/>
-        </p:nvCxnSpPr>
-        <p:spPr>
-          <a:xfrm rot="16200000" flipH="1">
-            <a:off x="5530101" y="1059412"/>
-            <a:ext cx="424138" cy="2340341"/>
-          </a:xfrm>
-          <a:prstGeom prst="bentConnector3">
-            <a:avLst>
-              <a:gd name="adj1" fmla="val 50000"/>
-            </a:avLst>
-          </a:prstGeom>
-          <a:noFill/>
-          <a:ln w="9525" cap="flat" cmpd="sng">
-            <a:solidFill>
-              <a:schemeClr val="dk2"/>
-            </a:solidFill>
-            <a:prstDash val="solid"/>
-            <a:round/>
-            <a:headEnd type="none" w="med" len="med"/>
-            <a:tailEnd type="none" w="med" len="med"/>
-          </a:ln>
-        </p:spPr>
-      </p:cxnSp>
-      <p:cxnSp>
-        <p:nvCxnSpPr>
-          <p:cNvPr id="1199" name="Google Shape;1199;p60"/>
-          <p:cNvCxnSpPr>
-            <a:stCxn id="1194" idx="2"/>
-            <a:endCxn id="1189" idx="0"/>
-          </p:cNvCxnSpPr>
-          <p:nvPr/>
-        </p:nvCxnSpPr>
-        <p:spPr>
-          <a:xfrm rot="5400000">
-            <a:off x="2024000" y="2648910"/>
-            <a:ext cx="520287" cy="1032340"/>
-          </a:xfrm>
-          <a:prstGeom prst="bentConnector3">
-            <a:avLst>
-              <a:gd name="adj1" fmla="val 50000"/>
-            </a:avLst>
-          </a:prstGeom>
-          <a:noFill/>
-          <a:ln w="9525" cap="flat" cmpd="sng">
-            <a:solidFill>
-              <a:schemeClr val="dk2"/>
-            </a:solidFill>
-            <a:prstDash val="solid"/>
-            <a:round/>
-            <a:headEnd type="none" w="med" len="med"/>
-            <a:tailEnd type="none" w="med" len="med"/>
-          </a:ln>
-        </p:spPr>
-      </p:cxnSp>
-      <p:cxnSp>
-        <p:nvCxnSpPr>
-          <p:cNvPr id="1200" name="Google Shape;1200;p60"/>
-          <p:cNvCxnSpPr>
-            <a:stCxn id="1194" idx="2"/>
-            <a:endCxn id="1190" idx="0"/>
-          </p:cNvCxnSpPr>
-          <p:nvPr/>
-        </p:nvCxnSpPr>
-        <p:spPr>
-          <a:xfrm rot="16200000" flipH="1">
-            <a:off x="3042268" y="2662982"/>
-            <a:ext cx="520287" cy="1004196"/>
-          </a:xfrm>
-          <a:prstGeom prst="bentConnector3">
-            <a:avLst>
-              <a:gd name="adj1" fmla="val 50000"/>
-            </a:avLst>
-          </a:prstGeom>
-          <a:noFill/>
-          <a:ln w="9525" cap="flat" cmpd="sng">
-            <a:solidFill>
-              <a:schemeClr val="dk2"/>
-            </a:solidFill>
-            <a:prstDash val="solid"/>
-            <a:round/>
-            <a:headEnd type="none" w="med" len="med"/>
-            <a:tailEnd type="none" w="med" len="med"/>
-          </a:ln>
-        </p:spPr>
-      </p:cxnSp>
-      <p:cxnSp>
-        <p:nvCxnSpPr>
-          <p:cNvPr id="1202" name="Google Shape;1202;p60"/>
-          <p:cNvCxnSpPr/>
-          <p:nvPr/>
-        </p:nvCxnSpPr>
-        <p:spPr>
-          <a:xfrm rot="5400000">
-            <a:off x="6704959" y="3057221"/>
-            <a:ext cx="428548" cy="13784"/>
-          </a:xfrm>
-          <a:prstGeom prst="bentConnector3">
-            <a:avLst>
-              <a:gd name="adj1" fmla="val 102042"/>
-            </a:avLst>
-          </a:prstGeom>
-          <a:noFill/>
-          <a:ln w="9525" cap="flat" cmpd="sng">
-            <a:solidFill>
-              <a:schemeClr val="dk2"/>
-            </a:solidFill>
-            <a:prstDash val="solid"/>
-            <a:round/>
-            <a:headEnd type="none" w="med" len="med"/>
-            <a:tailEnd type="none" w="med" len="med"/>
-          </a:ln>
-        </p:spPr>
-      </p:cxnSp>
-      <p:sp>
-        <p:nvSpPr>
-          <p:cNvPr id="1204" name="Google Shape;1204;p60"/>
-          <p:cNvSpPr txBox="1"/>
-          <p:nvPr/>
-        </p:nvSpPr>
-        <p:spPr>
-          <a:xfrm>
-            <a:off x="1036423" y="3785517"/>
-            <a:ext cx="1463100" cy="731400"/>
-          </a:xfrm>
-          <a:prstGeom prst="rect">
-            <a:avLst/>
-          </a:prstGeom>
-          <a:noFill/>
-          <a:ln>
-            <a:noFill/>
-          </a:ln>
-        </p:spPr>
-        <p:txBody>
-          <a:bodyPr spcFirstLastPara="1" wrap="square" lIns="91425" tIns="91425" rIns="91425" bIns="91425" anchor="t" anchorCtr="0">
-            <a:noAutofit/>
-          </a:bodyPr>
-          <a:lstStyle/>
-          <a:p>
-            <a:pPr marL="0" lvl="0" indent="0" algn="ctr" rtl="0">
-              <a:spcBef>
-                <a:spcPts val="0"/>
-              </a:spcBef>
-              <a:spcAft>
-                <a:spcPts val="0"/>
-              </a:spcAft>
-              <a:buNone/>
-            </a:pPr>
-            <a:r>
-              <a:rPr lang="en" sz="1200" dirty="0" smtClean="0">
-                <a:solidFill>
-                  <a:schemeClr val="lt2"/>
-                </a:solidFill>
-                <a:latin typeface="Work Sans"/>
-                <a:ea typeface="Work Sans"/>
-                <a:cs typeface="Work Sans"/>
-                <a:sym typeface="Work Sans"/>
-              </a:rPr>
-              <a:t>We implemented React.js to implement the front-end</a:t>
-            </a:r>
-            <a:endParaRPr sz="1200" dirty="0">
-              <a:solidFill>
-                <a:schemeClr val="lt2"/>
-              </a:solidFill>
-              <a:latin typeface="Work Sans"/>
-              <a:ea typeface="Work Sans"/>
-              <a:cs typeface="Work Sans"/>
-              <a:sym typeface="Work Sans"/>
-            </a:endParaRPr>
-          </a:p>
-        </p:txBody>
-      </p:sp>
-      <p:sp>
-        <p:nvSpPr>
-          <p:cNvPr id="1206" name="Google Shape;1206;p60"/>
-          <p:cNvSpPr txBox="1"/>
-          <p:nvPr/>
-        </p:nvSpPr>
-        <p:spPr>
-          <a:xfrm>
-            <a:off x="3054138" y="3795900"/>
-            <a:ext cx="1463100" cy="731400"/>
-          </a:xfrm>
-          <a:prstGeom prst="rect">
-            <a:avLst/>
-          </a:prstGeom>
-          <a:noFill/>
-          <a:ln>
-            <a:noFill/>
-          </a:ln>
-        </p:spPr>
-        <p:txBody>
-          <a:bodyPr spcFirstLastPara="1" wrap="square" lIns="91425" tIns="91425" rIns="91425" bIns="91425" anchor="t" anchorCtr="0">
-            <a:noAutofit/>
-          </a:bodyPr>
-          <a:lstStyle/>
-          <a:p>
-            <a:pPr marL="0" lvl="0" indent="0" algn="ctr" rtl="0">
-              <a:spcBef>
-                <a:spcPts val="0"/>
-              </a:spcBef>
-              <a:spcAft>
-                <a:spcPts val="0"/>
-              </a:spcAft>
-              <a:buNone/>
-            </a:pPr>
-            <a:r>
-              <a:rPr lang="en" sz="1200" dirty="0" smtClean="0">
-                <a:solidFill>
-                  <a:schemeClr val="lt2"/>
-                </a:solidFill>
-                <a:latin typeface="Work Sans"/>
-                <a:ea typeface="Work Sans"/>
-                <a:cs typeface="Work Sans"/>
-                <a:sym typeface="Work Sans"/>
-              </a:rPr>
-              <a:t>We used Express.js to build the back-end</a:t>
-            </a:r>
-            <a:endParaRPr sz="1200" dirty="0">
-              <a:solidFill>
-                <a:schemeClr val="lt2"/>
-              </a:solidFill>
-              <a:latin typeface="Work Sans"/>
-              <a:ea typeface="Work Sans"/>
-              <a:cs typeface="Work Sans"/>
-              <a:sym typeface="Work Sans"/>
-            </a:endParaRPr>
-          </a:p>
-        </p:txBody>
-      </p:sp>
-      <p:sp>
-        <p:nvSpPr>
-          <p:cNvPr id="47" name="Google Shape;1190;p60"/>
-          <p:cNvSpPr txBox="1"/>
-          <p:nvPr/>
-        </p:nvSpPr>
-        <p:spPr>
-          <a:xfrm>
-            <a:off x="6194575" y="3278387"/>
-            <a:ext cx="1463100" cy="457200"/>
-          </a:xfrm>
-          <a:prstGeom prst="rect">
-            <a:avLst/>
-          </a:prstGeom>
-          <a:noFill/>
-          <a:ln>
-            <a:noFill/>
-          </a:ln>
-        </p:spPr>
-        <p:txBody>
-          <a:bodyPr spcFirstLastPara="1" wrap="square" lIns="91425" tIns="91425" rIns="91425" bIns="91425" anchor="b" anchorCtr="0">
-            <a:noAutofit/>
-          </a:bodyPr>
-          <a:lstStyle/>
-          <a:p>
-            <a:pPr marL="0" lvl="0" indent="0" algn="ctr" rtl="0">
-              <a:spcBef>
-                <a:spcPts val="0"/>
-              </a:spcBef>
-              <a:spcAft>
-                <a:spcPts val="0"/>
-              </a:spcAft>
-              <a:buNone/>
-            </a:pPr>
-            <a:r>
-              <a:rPr lang="en" sz="2200" b="1" dirty="0" smtClean="0">
-                <a:solidFill>
-                  <a:schemeClr val="lt2"/>
-                </a:solidFill>
-                <a:latin typeface="Work Sans"/>
-                <a:ea typeface="Work Sans"/>
-                <a:cs typeface="Work Sans"/>
-                <a:sym typeface="Work Sans"/>
-              </a:rPr>
-              <a:t>F</a:t>
-            </a:r>
-            <a:r>
-              <a:rPr lang="en-US" sz="2200" b="1" dirty="0" err="1" smtClean="0">
-                <a:solidFill>
-                  <a:schemeClr val="lt2"/>
-                </a:solidFill>
-                <a:latin typeface="Work Sans"/>
-                <a:ea typeface="Work Sans"/>
-                <a:cs typeface="Work Sans"/>
-                <a:sym typeface="Work Sans"/>
-              </a:rPr>
-              <a:t>i</a:t>
-            </a:r>
-            <a:r>
-              <a:rPr lang="en" sz="2200" b="1" dirty="0" smtClean="0">
-                <a:solidFill>
-                  <a:schemeClr val="lt2"/>
-                </a:solidFill>
-                <a:latin typeface="Work Sans"/>
-                <a:ea typeface="Work Sans"/>
-                <a:cs typeface="Work Sans"/>
-                <a:sym typeface="Work Sans"/>
-              </a:rPr>
-              <a:t>gma</a:t>
-            </a:r>
-            <a:endParaRPr sz="2200" b="1" dirty="0">
-              <a:solidFill>
-                <a:schemeClr val="lt2"/>
-              </a:solidFill>
-              <a:latin typeface="Work Sans"/>
-              <a:ea typeface="Work Sans"/>
-              <a:cs typeface="Work Sans"/>
-              <a:sym typeface="Work Sans"/>
-            </a:endParaRPr>
-          </a:p>
-        </p:txBody>
-      </p:sp>
-      <p:sp>
-        <p:nvSpPr>
-          <p:cNvPr id="48" name="Google Shape;1206;p60"/>
-          <p:cNvSpPr txBox="1"/>
-          <p:nvPr/>
-        </p:nvSpPr>
-        <p:spPr>
-          <a:xfrm>
-            <a:off x="6180791" y="3771724"/>
-            <a:ext cx="1463100" cy="731400"/>
-          </a:xfrm>
-          <a:prstGeom prst="rect">
-            <a:avLst/>
-          </a:prstGeom>
-          <a:noFill/>
-          <a:ln>
-            <a:noFill/>
-          </a:ln>
-        </p:spPr>
-        <p:txBody>
-          <a:bodyPr spcFirstLastPara="1" wrap="square" lIns="91425" tIns="91425" rIns="91425" bIns="91425" anchor="t" anchorCtr="0">
-            <a:noAutofit/>
-          </a:bodyPr>
-          <a:lstStyle/>
-          <a:p>
-            <a:pPr marL="0" lvl="0" indent="0" algn="ctr" rtl="0">
-              <a:spcBef>
-                <a:spcPts val="0"/>
-              </a:spcBef>
-              <a:spcAft>
-                <a:spcPts val="0"/>
-              </a:spcAft>
-              <a:buNone/>
-            </a:pPr>
-            <a:r>
-              <a:rPr lang="en" sz="1200" dirty="0" smtClean="0">
-                <a:solidFill>
-                  <a:schemeClr val="lt2"/>
-                </a:solidFill>
-                <a:latin typeface="Work Sans"/>
-                <a:ea typeface="Work Sans"/>
-                <a:cs typeface="Work Sans"/>
-                <a:sym typeface="Work Sans"/>
-              </a:rPr>
-              <a:t>We created a desgin that is suitable for the purpose</a:t>
-            </a:r>
-            <a:endParaRPr sz="1200" dirty="0">
-              <a:solidFill>
-                <a:schemeClr val="lt2"/>
-              </a:solidFill>
-              <a:latin typeface="Work Sans"/>
-              <a:ea typeface="Work Sans"/>
-              <a:cs typeface="Work Sans"/>
-              <a:sym typeface="Work Sans"/>
-            </a:endParaRPr>
-          </a:p>
-        </p:txBody>
-      </p:sp>
-    </p:spTree>
-  </p:cSld>
-  <p:clrMapOvr>
-    <a:masterClrMapping/>
-  </p:clrMapOvr>
-</p:sld>
-</file>
-
-<file path=ppt/slides/slide8.xml><?xml version="1.0" encoding="utf-8"?>
 <p:sld xmlns:a="http://schemas.openxmlformats.org/drawingml/2006/main" xmlns:r="http://schemas.openxmlformats.org/officeDocument/2006/relationships" xmlns:p="http://schemas.openxmlformats.org/presentationml/2006/main">
   <p:cSld>
     <p:spTree>
@@ -18032,7 +15354,15 @@
             </a:pPr>
             <a:r>
               <a:rPr lang="en" dirty="0" smtClean="0"/>
-              <a:t>Lets jumpt to the demo!</a:t>
+              <a:t>Lets </a:t>
+            </a:r>
+            <a:r>
+              <a:rPr lang="en" dirty="0" smtClean="0"/>
+              <a:t>jump </a:t>
+            </a:r>
+            <a:r>
+              <a:rPr lang="en" dirty="0" smtClean="0"/>
+              <a:t>to the demo!</a:t>
             </a:r>
             <a:endParaRPr dirty="0"/>
           </a:p>

--- a/documents/Versus_Presentation.pptx
+++ b/documents/Versus_Presentation.pptx
@@ -5,7 +5,7 @@
     <p:sldMasterId id="2147483679" r:id="rId1"/>
   </p:sldMasterIdLst>
   <p:notesMasterIdLst>
-    <p:notesMasterId r:id="rId8"/>
+    <p:notesMasterId r:id="rId9"/>
   </p:notesMasterIdLst>
   <p:sldIdLst>
     <p:sldId id="256" r:id="rId2"/>
@@ -13,28 +13,29 @@
     <p:sldId id="265" r:id="rId4"/>
     <p:sldId id="266" r:id="rId5"/>
     <p:sldId id="268" r:id="rId6"/>
-    <p:sldId id="318" r:id="rId7"/>
+    <p:sldId id="319" r:id="rId7"/>
+    <p:sldId id="318" r:id="rId8"/>
   </p:sldIdLst>
   <p:sldSz cx="9144000" cy="5143500" type="screen16x9"/>
   <p:notesSz cx="6858000" cy="9144000"/>
   <p:embeddedFontLst>
     <p:embeddedFont>
       <p:font typeface="Roboto Slab Medium" panose="020B0604020202020204" charset="0"/>
-      <p:regular r:id="rId9"/>
+      <p:regular r:id="rId10"/>
+    </p:embeddedFont>
+    <p:embeddedFont>
+      <p:font typeface="Work Sans" panose="020B0604020202020204" charset="0"/>
+      <p:regular r:id="rId11"/>
+      <p:bold r:id="rId12"/>
+      <p:italic r:id="rId13"/>
+      <p:boldItalic r:id="rId14"/>
     </p:embeddedFont>
     <p:embeddedFont>
       <p:font typeface="Raleway" panose="020B0604020202020204" charset="0"/>
-      <p:regular r:id="rId10"/>
-      <p:bold r:id="rId11"/>
-      <p:italic r:id="rId12"/>
-      <p:boldItalic r:id="rId13"/>
-    </p:embeddedFont>
-    <p:embeddedFont>
-      <p:font typeface="Work Sans" panose="020B0604020202020204" charset="0"/>
-      <p:regular r:id="rId14"/>
-      <p:bold r:id="rId15"/>
-      <p:italic r:id="rId16"/>
-      <p:boldItalic r:id="rId17"/>
+      <p:regular r:id="rId15"/>
+      <p:bold r:id="rId16"/>
+      <p:italic r:id="rId17"/>
+      <p:boldItalic r:id="rId18"/>
     </p:embeddedFont>
   </p:embeddedFontLst>
   <p:defaultTextStyle>
@@ -1236,6 +1237,115 @@
 </file>
 
 <file path=ppt/notesSlides/notesSlide6.xml><?xml version="1.0" encoding="utf-8"?>
+<p:notes xmlns:a="http://schemas.openxmlformats.org/drawingml/2006/main" xmlns:r="http://schemas.openxmlformats.org/officeDocument/2006/relationships" xmlns:p="http://schemas.openxmlformats.org/presentationml/2006/main" showMasterSp="0" showMasterPhAnim="0">
+  <p:cSld>
+    <p:spTree>
+      <p:nvGrpSpPr>
+        <p:cNvPr id="1" name="Shape 712"/>
+        <p:cNvGrpSpPr/>
+        <p:nvPr/>
+      </p:nvGrpSpPr>
+      <p:grpSpPr>
+        <a:xfrm>
+          <a:off x="0" y="0"/>
+          <a:ext cx="0" cy="0"/>
+          <a:chOff x="0" y="0"/>
+          <a:chExt cx="0" cy="0"/>
+        </a:xfrm>
+      </p:grpSpPr>
+      <p:sp>
+        <p:nvSpPr>
+          <p:cNvPr id="713" name="Google Shape;713;g54dda1946d_6_377:notes"/>
+          <p:cNvSpPr>
+            <a:spLocks noGrp="1" noRot="1" noChangeAspect="1"/>
+          </p:cNvSpPr>
+          <p:nvPr>
+            <p:ph type="sldImg" idx="2"/>
+          </p:nvPr>
+        </p:nvSpPr>
+        <p:spPr>
+          <a:xfrm>
+            <a:off x="381000" y="685800"/>
+            <a:ext cx="6096000" cy="3429000"/>
+          </a:xfrm>
+          <a:custGeom>
+            <a:avLst/>
+            <a:gdLst/>
+            <a:ahLst/>
+            <a:cxnLst/>
+            <a:rect l="l" t="t" r="r" b="b"/>
+            <a:pathLst>
+              <a:path w="120000" h="120000" extrusionOk="0">
+                <a:moveTo>
+                  <a:pt x="0" y="0"/>
+                </a:moveTo>
+                <a:lnTo>
+                  <a:pt x="120000" y="0"/>
+                </a:lnTo>
+                <a:lnTo>
+                  <a:pt x="120000" y="120000"/>
+                </a:lnTo>
+                <a:lnTo>
+                  <a:pt x="0" y="120000"/>
+                </a:lnTo>
+                <a:close/>
+              </a:path>
+            </a:pathLst>
+          </a:custGeom>
+        </p:spPr>
+      </p:sp>
+      <p:sp>
+        <p:nvSpPr>
+          <p:cNvPr id="714" name="Google Shape;714;g54dda1946d_6_377:notes"/>
+          <p:cNvSpPr txBox="1">
+            <a:spLocks noGrp="1"/>
+          </p:cNvSpPr>
+          <p:nvPr>
+            <p:ph type="body" idx="1"/>
+          </p:nvPr>
+        </p:nvSpPr>
+        <p:spPr>
+          <a:xfrm>
+            <a:off x="685800" y="4343400"/>
+            <a:ext cx="5486400" cy="4114800"/>
+          </a:xfrm>
+          <a:prstGeom prst="rect">
+            <a:avLst/>
+          </a:prstGeom>
+        </p:spPr>
+        <p:txBody>
+          <a:bodyPr spcFirstLastPara="1" wrap="square" lIns="91425" tIns="91425" rIns="91425" bIns="91425" anchor="t" anchorCtr="0">
+            <a:noAutofit/>
+          </a:bodyPr>
+          <a:lstStyle/>
+          <a:p>
+            <a:pPr marL="0" lvl="0" indent="0" algn="l" rtl="0">
+              <a:spcBef>
+                <a:spcPts val="0"/>
+              </a:spcBef>
+              <a:spcAft>
+                <a:spcPts val="0"/>
+              </a:spcAft>
+              <a:buNone/>
+            </a:pPr>
+            <a:endParaRPr/>
+          </a:p>
+        </p:txBody>
+      </p:sp>
+    </p:spTree>
+    <p:extLst>
+      <p:ext uri="{BB962C8B-B14F-4D97-AF65-F5344CB8AC3E}">
+        <p14:creationId xmlns:p14="http://schemas.microsoft.com/office/powerpoint/2010/main" val="3039195177"/>
+      </p:ext>
+    </p:extLst>
+  </p:cSld>
+  <p:clrMapOvr>
+    <a:masterClrMapping/>
+  </p:clrMapOvr>
+</p:notes>
+</file>
+
+<file path=ppt/notesSlides/notesSlide7.xml><?xml version="1.0" encoding="utf-8"?>
 <p:notes xmlns:a="http://schemas.openxmlformats.org/drawingml/2006/main" xmlns:r="http://schemas.openxmlformats.org/officeDocument/2006/relationships" xmlns:p="http://schemas.openxmlformats.org/presentationml/2006/main" showMasterSp="0" showMasterPhAnim="0">
   <p:cSld>
     <p:spTree>
@@ -9084,6 +9194,13 @@
   <p:clrMapOvr>
     <a:masterClrMapping/>
   </p:clrMapOvr>
+  <p:timing>
+    <p:tnLst>
+      <p:par>
+        <p:cTn id="1" dur="indefinite" restart="never" nodeType="tmRoot"/>
+      </p:par>
+    </p:tnLst>
+  </p:timing>
 </p:sld>
 </file>
 
@@ -11452,6 +11569,13 @@
   <p:clrMapOvr>
     <a:masterClrMapping/>
   </p:clrMapOvr>
+  <p:timing>
+    <p:tnLst>
+      <p:par>
+        <p:cTn id="1" dur="indefinite" restart="never" nodeType="tmRoot"/>
+      </p:par>
+    </p:tnLst>
+  </p:timing>
 </p:sld>
 </file>
 
@@ -11829,6 +11953,13 @@
   <p:clrMapOvr>
     <a:masterClrMapping/>
   </p:clrMapOvr>
+  <p:timing>
+    <p:tnLst>
+      <p:par>
+        <p:cTn id="1" dur="indefinite" restart="never" nodeType="tmRoot"/>
+      </p:par>
+    </p:tnLst>
+  </p:timing>
 </p:sld>
 </file>
 
@@ -11884,8 +12015,16 @@
               <a:buNone/>
             </a:pPr>
             <a:r>
+              <a:rPr lang="en" dirty="0" smtClean="0"/>
+              <a:t>Prevent cyberbulying</a:t>
+            </a:r>
+            <a:r>
+              <a:rPr lang="en" dirty="0" smtClean="0"/>
+              <a:t> </a:t>
+            </a:r>
+            <a:r>
               <a:rPr lang="en" dirty="0"/>
-              <a:t>Empowering gender equality with AI</a:t>
+              <a:t>with AI</a:t>
             </a:r>
             <a:endParaRPr dirty="0"/>
           </a:p>
@@ -13100,6 +13239,13 @@
   <p:clrMapOvr>
     <a:masterClrMapping/>
   </p:clrMapOvr>
+  <p:timing>
+    <p:tnLst>
+      <p:par>
+        <p:cTn id="1" dur="indefinite" restart="never" nodeType="tmRoot"/>
+      </p:par>
+    </p:tnLst>
+  </p:timing>
 </p:sld>
 </file>
 
@@ -15298,10 +15444,2231 @@
   <p:clrMapOvr>
     <a:masterClrMapping/>
   </p:clrMapOvr>
+  <p:timing>
+    <p:tnLst>
+      <p:par>
+        <p:cTn id="1" dur="indefinite" restart="never" nodeType="tmRoot"/>
+      </p:par>
+    </p:tnLst>
+  </p:timing>
 </p:sld>
 </file>
 
 <file path=ppt/slides/slide6.xml><?xml version="1.0" encoding="utf-8"?>
+<p:sld xmlns:a="http://schemas.openxmlformats.org/drawingml/2006/main" xmlns:r="http://schemas.openxmlformats.org/officeDocument/2006/relationships" xmlns:p="http://schemas.openxmlformats.org/presentationml/2006/main">
+  <p:cSld>
+    <p:spTree>
+      <p:nvGrpSpPr>
+        <p:cNvPr id="1" name="Shape 715"/>
+        <p:cNvGrpSpPr/>
+        <p:nvPr/>
+      </p:nvGrpSpPr>
+      <p:grpSpPr>
+        <a:xfrm>
+          <a:off x="0" y="0"/>
+          <a:ext cx="0" cy="0"/>
+          <a:chOff x="0" y="0"/>
+          <a:chExt cx="0" cy="0"/>
+        </a:xfrm>
+      </p:grpSpPr>
+      <p:grpSp>
+        <p:nvGrpSpPr>
+          <p:cNvPr id="717" name="Google Shape;717;p46"/>
+          <p:cNvGrpSpPr/>
+          <p:nvPr/>
+        </p:nvGrpSpPr>
+        <p:grpSpPr>
+          <a:xfrm rot="-5400000">
+            <a:off x="3991406" y="-914414"/>
+            <a:ext cx="1188753" cy="1828827"/>
+            <a:chOff x="4311275" y="1420050"/>
+            <a:chExt cx="988075" cy="1311175"/>
+          </a:xfrm>
+        </p:grpSpPr>
+        <p:sp>
+          <p:nvSpPr>
+            <p:cNvPr id="718" name="Google Shape;718;p46"/>
+            <p:cNvSpPr/>
+            <p:nvPr/>
+          </p:nvSpPr>
+          <p:spPr>
+            <a:xfrm>
+              <a:off x="4311275" y="2417450"/>
+              <a:ext cx="988075" cy="25"/>
+            </a:xfrm>
+            <a:custGeom>
+              <a:avLst/>
+              <a:gdLst/>
+              <a:ahLst/>
+              <a:cxnLst/>
+              <a:rect l="l" t="t" r="r" b="b"/>
+              <a:pathLst>
+                <a:path w="39523" h="1" fill="none" extrusionOk="0">
+                  <a:moveTo>
+                    <a:pt x="39522" y="1"/>
+                  </a:moveTo>
+                  <a:lnTo>
+                    <a:pt x="1" y="1"/>
+                  </a:lnTo>
+                </a:path>
+              </a:pathLst>
+            </a:custGeom>
+            <a:noFill/>
+            <a:ln w="9525" cap="rnd" cmpd="sng">
+              <a:solidFill>
+                <a:schemeClr val="dk2"/>
+              </a:solidFill>
+              <a:prstDash val="solid"/>
+              <a:round/>
+              <a:headEnd type="none" w="sm" len="sm"/>
+              <a:tailEnd type="none" w="sm" len="sm"/>
+            </a:ln>
+          </p:spPr>
+          <p:txBody>
+            <a:bodyPr spcFirstLastPara="1" wrap="square" lIns="91425" tIns="91425" rIns="91425" bIns="91425" anchor="ctr" anchorCtr="0">
+              <a:noAutofit/>
+            </a:bodyPr>
+            <a:lstStyle/>
+            <a:p>
+              <a:pPr marL="0" lvl="0" indent="0" algn="l" rtl="0">
+                <a:spcBef>
+                  <a:spcPts val="0"/>
+                </a:spcBef>
+                <a:spcAft>
+                  <a:spcPts val="0"/>
+                </a:spcAft>
+                <a:buNone/>
+              </a:pPr>
+              <a:endParaRPr/>
+            </a:p>
+          </p:txBody>
+        </p:sp>
+        <p:sp>
+          <p:nvSpPr>
+            <p:cNvPr id="719" name="Google Shape;719;p46"/>
+            <p:cNvSpPr/>
+            <p:nvPr/>
+          </p:nvSpPr>
+          <p:spPr>
+            <a:xfrm>
+              <a:off x="4751525" y="2417450"/>
+              <a:ext cx="199750" cy="199750"/>
+            </a:xfrm>
+            <a:custGeom>
+              <a:avLst/>
+              <a:gdLst/>
+              <a:ahLst/>
+              <a:cxnLst/>
+              <a:rect l="l" t="t" r="r" b="b"/>
+              <a:pathLst>
+                <a:path w="7990" h="7990" fill="none" extrusionOk="0">
+                  <a:moveTo>
+                    <a:pt x="7990" y="1"/>
+                  </a:moveTo>
+                  <a:lnTo>
+                    <a:pt x="0" y="7990"/>
+                  </a:lnTo>
+                </a:path>
+              </a:pathLst>
+            </a:custGeom>
+            <a:noFill/>
+            <a:ln w="9525" cap="rnd" cmpd="sng">
+              <a:solidFill>
+                <a:schemeClr val="dk2"/>
+              </a:solidFill>
+              <a:prstDash val="solid"/>
+              <a:round/>
+              <a:headEnd type="none" w="sm" len="sm"/>
+              <a:tailEnd type="none" w="sm" len="sm"/>
+            </a:ln>
+          </p:spPr>
+          <p:txBody>
+            <a:bodyPr spcFirstLastPara="1" wrap="square" lIns="91425" tIns="91425" rIns="91425" bIns="91425" anchor="ctr" anchorCtr="0">
+              <a:noAutofit/>
+            </a:bodyPr>
+            <a:lstStyle/>
+            <a:p>
+              <a:pPr marL="0" lvl="0" indent="0" algn="l" rtl="0">
+                <a:spcBef>
+                  <a:spcPts val="0"/>
+                </a:spcBef>
+                <a:spcAft>
+                  <a:spcPts val="0"/>
+                </a:spcAft>
+                <a:buNone/>
+              </a:pPr>
+              <a:endParaRPr/>
+            </a:p>
+          </p:txBody>
+        </p:sp>
+        <p:sp>
+          <p:nvSpPr>
+            <p:cNvPr id="720" name="Google Shape;720;p46"/>
+            <p:cNvSpPr/>
+            <p:nvPr/>
+          </p:nvSpPr>
+          <p:spPr>
+            <a:xfrm>
+              <a:off x="4501025" y="2263075"/>
+              <a:ext cx="798325" cy="113000"/>
+            </a:xfrm>
+            <a:custGeom>
+              <a:avLst/>
+              <a:gdLst/>
+              <a:ahLst/>
+              <a:cxnLst/>
+              <a:rect l="l" t="t" r="r" b="b"/>
+              <a:pathLst>
+                <a:path w="31933" h="4520" fill="none" extrusionOk="0">
+                  <a:moveTo>
+                    <a:pt x="31932" y="4520"/>
+                  </a:moveTo>
+                  <a:lnTo>
+                    <a:pt x="4520" y="4520"/>
+                  </a:lnTo>
+                  <a:lnTo>
+                    <a:pt x="1" y="1"/>
+                  </a:lnTo>
+                </a:path>
+              </a:pathLst>
+            </a:custGeom>
+            <a:noFill/>
+            <a:ln w="9525" cap="rnd" cmpd="sng">
+              <a:solidFill>
+                <a:schemeClr val="dk2"/>
+              </a:solidFill>
+              <a:prstDash val="solid"/>
+              <a:round/>
+              <a:headEnd type="none" w="sm" len="sm"/>
+              <a:tailEnd type="none" w="sm" len="sm"/>
+            </a:ln>
+          </p:spPr>
+          <p:txBody>
+            <a:bodyPr spcFirstLastPara="1" wrap="square" lIns="91425" tIns="91425" rIns="91425" bIns="91425" anchor="ctr" anchorCtr="0">
+              <a:noAutofit/>
+            </a:bodyPr>
+            <a:lstStyle/>
+            <a:p>
+              <a:pPr marL="0" lvl="0" indent="0" algn="l" rtl="0">
+                <a:spcBef>
+                  <a:spcPts val="0"/>
+                </a:spcBef>
+                <a:spcAft>
+                  <a:spcPts val="0"/>
+                </a:spcAft>
+                <a:buNone/>
+              </a:pPr>
+              <a:endParaRPr/>
+            </a:p>
+          </p:txBody>
+        </p:sp>
+        <p:sp>
+          <p:nvSpPr>
+            <p:cNvPr id="721" name="Google Shape;721;p46"/>
+            <p:cNvSpPr/>
+            <p:nvPr/>
+          </p:nvSpPr>
+          <p:spPr>
+            <a:xfrm>
+              <a:off x="4316075" y="2237900"/>
+              <a:ext cx="252800" cy="92825"/>
+            </a:xfrm>
+            <a:custGeom>
+              <a:avLst/>
+              <a:gdLst/>
+              <a:ahLst/>
+              <a:cxnLst/>
+              <a:rect l="l" t="t" r="r" b="b"/>
+              <a:pathLst>
+                <a:path w="10112" h="3713" fill="none" extrusionOk="0">
+                  <a:moveTo>
+                    <a:pt x="10112" y="3712"/>
+                  </a:moveTo>
+                  <a:lnTo>
+                    <a:pt x="3595" y="3712"/>
+                  </a:lnTo>
+                  <a:lnTo>
+                    <a:pt x="0" y="1"/>
+                  </a:lnTo>
+                </a:path>
+              </a:pathLst>
+            </a:custGeom>
+            <a:noFill/>
+            <a:ln w="9525" cap="rnd" cmpd="sng">
+              <a:solidFill>
+                <a:schemeClr val="dk2"/>
+              </a:solidFill>
+              <a:prstDash val="solid"/>
+              <a:round/>
+              <a:headEnd type="none" w="sm" len="sm"/>
+              <a:tailEnd type="none" w="sm" len="sm"/>
+            </a:ln>
+          </p:spPr>
+          <p:txBody>
+            <a:bodyPr spcFirstLastPara="1" wrap="square" lIns="91425" tIns="91425" rIns="91425" bIns="91425" anchor="ctr" anchorCtr="0">
+              <a:noAutofit/>
+            </a:bodyPr>
+            <a:lstStyle/>
+            <a:p>
+              <a:pPr marL="0" lvl="0" indent="0" algn="l" rtl="0">
+                <a:spcBef>
+                  <a:spcPts val="0"/>
+                </a:spcBef>
+                <a:spcAft>
+                  <a:spcPts val="0"/>
+                </a:spcAft>
+                <a:buNone/>
+              </a:pPr>
+              <a:endParaRPr/>
+            </a:p>
+          </p:txBody>
+        </p:sp>
+        <p:sp>
+          <p:nvSpPr>
+            <p:cNvPr id="722" name="Google Shape;722;p46"/>
+            <p:cNvSpPr/>
+            <p:nvPr/>
+          </p:nvSpPr>
+          <p:spPr>
+            <a:xfrm>
+              <a:off x="4583000" y="2088950"/>
+              <a:ext cx="716350" cy="146075"/>
+            </a:xfrm>
+            <a:custGeom>
+              <a:avLst/>
+              <a:gdLst/>
+              <a:ahLst/>
+              <a:cxnLst/>
+              <a:rect l="l" t="t" r="r" b="b"/>
+              <a:pathLst>
+                <a:path w="28654" h="5843" fill="none" extrusionOk="0">
+                  <a:moveTo>
+                    <a:pt x="28653" y="5842"/>
+                  </a:moveTo>
+                  <a:lnTo>
+                    <a:pt x="6167" y="5842"/>
+                  </a:lnTo>
+                  <a:lnTo>
+                    <a:pt x="1" y="0"/>
+                  </a:lnTo>
+                </a:path>
+              </a:pathLst>
+            </a:custGeom>
+            <a:noFill/>
+            <a:ln w="9525" cap="rnd" cmpd="sng">
+              <a:solidFill>
+                <a:schemeClr val="dk2"/>
+              </a:solidFill>
+              <a:prstDash val="solid"/>
+              <a:round/>
+              <a:headEnd type="none" w="sm" len="sm"/>
+              <a:tailEnd type="none" w="sm" len="sm"/>
+            </a:ln>
+          </p:spPr>
+          <p:txBody>
+            <a:bodyPr spcFirstLastPara="1" wrap="square" lIns="91425" tIns="91425" rIns="91425" bIns="91425" anchor="ctr" anchorCtr="0">
+              <a:noAutofit/>
+            </a:bodyPr>
+            <a:lstStyle/>
+            <a:p>
+              <a:pPr marL="0" lvl="0" indent="0" algn="l" rtl="0">
+                <a:spcBef>
+                  <a:spcPts val="0"/>
+                </a:spcBef>
+                <a:spcAft>
+                  <a:spcPts val="0"/>
+                </a:spcAft>
+                <a:buNone/>
+              </a:pPr>
+              <a:endParaRPr/>
+            </a:p>
+          </p:txBody>
+        </p:sp>
+        <p:sp>
+          <p:nvSpPr>
+            <p:cNvPr id="723" name="Google Shape;723;p46"/>
+            <p:cNvSpPr/>
+            <p:nvPr/>
+          </p:nvSpPr>
+          <p:spPr>
+            <a:xfrm>
+              <a:off x="4370575" y="2417450"/>
+              <a:ext cx="456075" cy="112600"/>
+            </a:xfrm>
+            <a:custGeom>
+              <a:avLst/>
+              <a:gdLst/>
+              <a:ahLst/>
+              <a:cxnLst/>
+              <a:rect l="l" t="t" r="r" b="b"/>
+              <a:pathLst>
+                <a:path w="18243" h="4504" fill="none" extrusionOk="0">
+                  <a:moveTo>
+                    <a:pt x="18243" y="1"/>
+                  </a:moveTo>
+                  <a:lnTo>
+                    <a:pt x="12450" y="4503"/>
+                  </a:lnTo>
+                  <a:lnTo>
+                    <a:pt x="1" y="4503"/>
+                  </a:lnTo>
+                </a:path>
+              </a:pathLst>
+            </a:custGeom>
+            <a:noFill/>
+            <a:ln w="9525" cap="rnd" cmpd="sng">
+              <a:solidFill>
+                <a:schemeClr val="dk2"/>
+              </a:solidFill>
+              <a:prstDash val="solid"/>
+              <a:round/>
+              <a:headEnd type="none" w="sm" len="sm"/>
+              <a:tailEnd type="none" w="sm" len="sm"/>
+            </a:ln>
+          </p:spPr>
+          <p:txBody>
+            <a:bodyPr spcFirstLastPara="1" wrap="square" lIns="91425" tIns="91425" rIns="91425" bIns="91425" anchor="ctr" anchorCtr="0">
+              <a:noAutofit/>
+            </a:bodyPr>
+            <a:lstStyle/>
+            <a:p>
+              <a:pPr marL="0" lvl="0" indent="0" algn="l" rtl="0">
+                <a:spcBef>
+                  <a:spcPts val="0"/>
+                </a:spcBef>
+                <a:spcAft>
+                  <a:spcPts val="0"/>
+                </a:spcAft>
+                <a:buNone/>
+              </a:pPr>
+              <a:endParaRPr/>
+            </a:p>
+          </p:txBody>
+        </p:sp>
+        <p:sp>
+          <p:nvSpPr>
+            <p:cNvPr id="724" name="Google Shape;724;p46"/>
+            <p:cNvSpPr/>
+            <p:nvPr/>
+          </p:nvSpPr>
+          <p:spPr>
+            <a:xfrm>
+              <a:off x="4433825" y="2530025"/>
+              <a:ext cx="205800" cy="44325"/>
+            </a:xfrm>
+            <a:custGeom>
+              <a:avLst/>
+              <a:gdLst/>
+              <a:ahLst/>
+              <a:cxnLst/>
+              <a:rect l="l" t="t" r="r" b="b"/>
+              <a:pathLst>
+                <a:path w="8232" h="1773" fill="none" extrusionOk="0">
+                  <a:moveTo>
+                    <a:pt x="8231" y="0"/>
+                  </a:moveTo>
+                  <a:lnTo>
+                    <a:pt x="6467" y="1773"/>
+                  </a:lnTo>
+                  <a:lnTo>
+                    <a:pt x="1" y="1773"/>
+                  </a:lnTo>
+                </a:path>
+              </a:pathLst>
+            </a:custGeom>
+            <a:noFill/>
+            <a:ln w="9525" cap="rnd" cmpd="sng">
+              <a:solidFill>
+                <a:schemeClr val="dk2"/>
+              </a:solidFill>
+              <a:prstDash val="solid"/>
+              <a:round/>
+              <a:headEnd type="none" w="sm" len="sm"/>
+              <a:tailEnd type="none" w="sm" len="sm"/>
+            </a:ln>
+          </p:spPr>
+          <p:txBody>
+            <a:bodyPr spcFirstLastPara="1" wrap="square" lIns="91425" tIns="91425" rIns="91425" bIns="91425" anchor="ctr" anchorCtr="0">
+              <a:noAutofit/>
+            </a:bodyPr>
+            <a:lstStyle/>
+            <a:p>
+              <a:pPr marL="0" lvl="0" indent="0" algn="l" rtl="0">
+                <a:spcBef>
+                  <a:spcPts val="0"/>
+                </a:spcBef>
+                <a:spcAft>
+                  <a:spcPts val="0"/>
+                </a:spcAft>
+                <a:buNone/>
+              </a:pPr>
+              <a:endParaRPr/>
+            </a:p>
+          </p:txBody>
+        </p:sp>
+        <p:sp>
+          <p:nvSpPr>
+            <p:cNvPr id="725" name="Google Shape;725;p46"/>
+            <p:cNvSpPr/>
+            <p:nvPr/>
+          </p:nvSpPr>
+          <p:spPr>
+            <a:xfrm>
+              <a:off x="4678700" y="1909400"/>
+              <a:ext cx="619800" cy="25"/>
+            </a:xfrm>
+            <a:custGeom>
+              <a:avLst/>
+              <a:gdLst/>
+              <a:ahLst/>
+              <a:cxnLst/>
+              <a:rect l="l" t="t" r="r" b="b"/>
+              <a:pathLst>
+                <a:path w="24792" h="1" fill="none" extrusionOk="0">
+                  <a:moveTo>
+                    <a:pt x="24792" y="0"/>
+                  </a:moveTo>
+                  <a:lnTo>
+                    <a:pt x="1" y="0"/>
+                  </a:lnTo>
+                </a:path>
+              </a:pathLst>
+            </a:custGeom>
+            <a:noFill/>
+            <a:ln w="9525" cap="rnd" cmpd="sng">
+              <a:solidFill>
+                <a:schemeClr val="dk2"/>
+              </a:solidFill>
+              <a:prstDash val="solid"/>
+              <a:round/>
+              <a:headEnd type="none" w="sm" len="sm"/>
+              <a:tailEnd type="none" w="sm" len="sm"/>
+            </a:ln>
+          </p:spPr>
+          <p:txBody>
+            <a:bodyPr spcFirstLastPara="1" wrap="square" lIns="91425" tIns="91425" rIns="91425" bIns="91425" anchor="ctr" anchorCtr="0">
+              <a:noAutofit/>
+            </a:bodyPr>
+            <a:lstStyle/>
+            <a:p>
+              <a:pPr marL="0" lvl="0" indent="0" algn="l" rtl="0">
+                <a:spcBef>
+                  <a:spcPts val="0"/>
+                </a:spcBef>
+                <a:spcAft>
+                  <a:spcPts val="0"/>
+                </a:spcAft>
+                <a:buNone/>
+              </a:pPr>
+              <a:endParaRPr/>
+            </a:p>
+          </p:txBody>
+        </p:sp>
+        <p:sp>
+          <p:nvSpPr>
+            <p:cNvPr id="726" name="Google Shape;726;p46"/>
+            <p:cNvSpPr/>
+            <p:nvPr/>
+          </p:nvSpPr>
+          <p:spPr>
+            <a:xfrm>
+              <a:off x="5012000" y="1709675"/>
+              <a:ext cx="199750" cy="199750"/>
+            </a:xfrm>
+            <a:custGeom>
+              <a:avLst/>
+              <a:gdLst/>
+              <a:ahLst/>
+              <a:cxnLst/>
+              <a:rect l="l" t="t" r="r" b="b"/>
+              <a:pathLst>
+                <a:path w="7990" h="7990" fill="none" extrusionOk="0">
+                  <a:moveTo>
+                    <a:pt x="7990" y="7989"/>
+                  </a:moveTo>
+                  <a:lnTo>
+                    <a:pt x="1" y="0"/>
+                  </a:lnTo>
+                </a:path>
+              </a:pathLst>
+            </a:custGeom>
+            <a:noFill/>
+            <a:ln w="9525" cap="rnd" cmpd="sng">
+              <a:solidFill>
+                <a:schemeClr val="dk2"/>
+              </a:solidFill>
+              <a:prstDash val="solid"/>
+              <a:round/>
+              <a:headEnd type="none" w="sm" len="sm"/>
+              <a:tailEnd type="none" w="sm" len="sm"/>
+            </a:ln>
+          </p:spPr>
+          <p:txBody>
+            <a:bodyPr spcFirstLastPara="1" wrap="square" lIns="91425" tIns="91425" rIns="91425" bIns="91425" anchor="ctr" anchorCtr="0">
+              <a:noAutofit/>
+            </a:bodyPr>
+            <a:lstStyle/>
+            <a:p>
+              <a:pPr marL="0" lvl="0" indent="0" algn="l" rtl="0">
+                <a:spcBef>
+                  <a:spcPts val="0"/>
+                </a:spcBef>
+                <a:spcAft>
+                  <a:spcPts val="0"/>
+                </a:spcAft>
+                <a:buNone/>
+              </a:pPr>
+              <a:endParaRPr/>
+            </a:p>
+          </p:txBody>
+        </p:sp>
+        <p:sp>
+          <p:nvSpPr>
+            <p:cNvPr id="727" name="Google Shape;727;p46"/>
+            <p:cNvSpPr/>
+            <p:nvPr/>
+          </p:nvSpPr>
+          <p:spPr>
+            <a:xfrm>
+              <a:off x="4761725" y="1951000"/>
+              <a:ext cx="536775" cy="113000"/>
+            </a:xfrm>
+            <a:custGeom>
+              <a:avLst/>
+              <a:gdLst/>
+              <a:ahLst/>
+              <a:cxnLst/>
+              <a:rect l="l" t="t" r="r" b="b"/>
+              <a:pathLst>
+                <a:path w="21471" h="4520" fill="none" extrusionOk="0">
+                  <a:moveTo>
+                    <a:pt x="21471" y="1"/>
+                  </a:moveTo>
+                  <a:lnTo>
+                    <a:pt x="4519" y="1"/>
+                  </a:lnTo>
+                  <a:lnTo>
+                    <a:pt x="0" y="4520"/>
+                  </a:lnTo>
+                </a:path>
+              </a:pathLst>
+            </a:custGeom>
+            <a:noFill/>
+            <a:ln w="9525" cap="rnd" cmpd="sng">
+              <a:solidFill>
+                <a:schemeClr val="dk2"/>
+              </a:solidFill>
+              <a:prstDash val="solid"/>
+              <a:round/>
+              <a:headEnd type="none" w="sm" len="sm"/>
+              <a:tailEnd type="none" w="sm" len="sm"/>
+            </a:ln>
+          </p:spPr>
+          <p:txBody>
+            <a:bodyPr spcFirstLastPara="1" wrap="square" lIns="91425" tIns="91425" rIns="91425" bIns="91425" anchor="ctr" anchorCtr="0">
+              <a:noAutofit/>
+            </a:bodyPr>
+            <a:lstStyle/>
+            <a:p>
+              <a:pPr marL="0" lvl="0" indent="0" algn="l" rtl="0">
+                <a:spcBef>
+                  <a:spcPts val="0"/>
+                </a:spcBef>
+                <a:spcAft>
+                  <a:spcPts val="0"/>
+                </a:spcAft>
+                <a:buNone/>
+              </a:pPr>
+              <a:endParaRPr/>
+            </a:p>
+          </p:txBody>
+        </p:sp>
+        <p:sp>
+          <p:nvSpPr>
+            <p:cNvPr id="728" name="Google Shape;728;p46"/>
+            <p:cNvSpPr/>
+            <p:nvPr/>
+          </p:nvSpPr>
+          <p:spPr>
+            <a:xfrm>
+              <a:off x="4843700" y="1992825"/>
+              <a:ext cx="454800" cy="145875"/>
+            </a:xfrm>
+            <a:custGeom>
+              <a:avLst/>
+              <a:gdLst/>
+              <a:ahLst/>
+              <a:cxnLst/>
+              <a:rect l="l" t="t" r="r" b="b"/>
+              <a:pathLst>
+                <a:path w="18192" h="5835" fill="none" extrusionOk="0">
+                  <a:moveTo>
+                    <a:pt x="18192" y="0"/>
+                  </a:moveTo>
+                  <a:lnTo>
+                    <a:pt x="6167" y="0"/>
+                  </a:lnTo>
+                  <a:lnTo>
+                    <a:pt x="0" y="5834"/>
+                  </a:lnTo>
+                </a:path>
+              </a:pathLst>
+            </a:custGeom>
+            <a:noFill/>
+            <a:ln w="9525" cap="rnd" cmpd="sng">
+              <a:solidFill>
+                <a:schemeClr val="dk2"/>
+              </a:solidFill>
+              <a:prstDash val="solid"/>
+              <a:round/>
+              <a:headEnd type="none" w="sm" len="sm"/>
+              <a:tailEnd type="none" w="sm" len="sm"/>
+            </a:ln>
+          </p:spPr>
+          <p:txBody>
+            <a:bodyPr spcFirstLastPara="1" wrap="square" lIns="91425" tIns="91425" rIns="91425" bIns="91425" anchor="ctr" anchorCtr="0">
+              <a:noAutofit/>
+            </a:bodyPr>
+            <a:lstStyle/>
+            <a:p>
+              <a:pPr marL="0" lvl="0" indent="0" algn="l" rtl="0">
+                <a:spcBef>
+                  <a:spcPts val="0"/>
+                </a:spcBef>
+                <a:spcAft>
+                  <a:spcPts val="0"/>
+                </a:spcAft>
+                <a:buNone/>
+              </a:pPr>
+              <a:endParaRPr/>
+            </a:p>
+          </p:txBody>
+        </p:sp>
+        <p:sp>
+          <p:nvSpPr>
+            <p:cNvPr id="729" name="Google Shape;729;p46"/>
+            <p:cNvSpPr/>
+            <p:nvPr/>
+          </p:nvSpPr>
+          <p:spPr>
+            <a:xfrm>
+              <a:off x="5070875" y="1479150"/>
+              <a:ext cx="227625" cy="25"/>
+            </a:xfrm>
+            <a:custGeom>
+              <a:avLst/>
+              <a:gdLst/>
+              <a:ahLst/>
+              <a:cxnLst/>
+              <a:rect l="l" t="t" r="r" b="b"/>
+              <a:pathLst>
+                <a:path w="9105" h="1" fill="none" extrusionOk="0">
+                  <a:moveTo>
+                    <a:pt x="9105" y="0"/>
+                  </a:moveTo>
+                  <a:lnTo>
+                    <a:pt x="1" y="0"/>
+                  </a:lnTo>
+                </a:path>
+              </a:pathLst>
+            </a:custGeom>
+            <a:noFill/>
+            <a:ln w="9525" cap="rnd" cmpd="sng">
+              <a:solidFill>
+                <a:schemeClr val="dk2"/>
+              </a:solidFill>
+              <a:prstDash val="solid"/>
+              <a:round/>
+              <a:headEnd type="none" w="sm" len="sm"/>
+              <a:tailEnd type="none" w="sm" len="sm"/>
+            </a:ln>
+          </p:spPr>
+          <p:txBody>
+            <a:bodyPr spcFirstLastPara="1" wrap="square" lIns="91425" tIns="91425" rIns="91425" bIns="91425" anchor="ctr" anchorCtr="0">
+              <a:noAutofit/>
+            </a:bodyPr>
+            <a:lstStyle/>
+            <a:p>
+              <a:pPr marL="0" lvl="0" indent="0" algn="l" rtl="0">
+                <a:spcBef>
+                  <a:spcPts val="0"/>
+                </a:spcBef>
+                <a:spcAft>
+                  <a:spcPts val="0"/>
+                </a:spcAft>
+                <a:buNone/>
+              </a:pPr>
+              <a:endParaRPr/>
+            </a:p>
+          </p:txBody>
+        </p:sp>
+        <p:sp>
+          <p:nvSpPr>
+            <p:cNvPr id="730" name="Google Shape;730;p46"/>
+            <p:cNvSpPr/>
+            <p:nvPr/>
+          </p:nvSpPr>
+          <p:spPr>
+            <a:xfrm>
+              <a:off x="4544500" y="1479150"/>
+              <a:ext cx="640200" cy="88850"/>
+            </a:xfrm>
+            <a:custGeom>
+              <a:avLst/>
+              <a:gdLst/>
+              <a:ahLst/>
+              <a:cxnLst/>
+              <a:rect l="l" t="t" r="r" b="b"/>
+              <a:pathLst>
+                <a:path w="25608" h="3554" fill="none" extrusionOk="0">
+                  <a:moveTo>
+                    <a:pt x="25608" y="0"/>
+                  </a:moveTo>
+                  <a:lnTo>
+                    <a:pt x="23669" y="3554"/>
+                  </a:lnTo>
+                  <a:lnTo>
+                    <a:pt x="1" y="3554"/>
+                  </a:lnTo>
+                </a:path>
+              </a:pathLst>
+            </a:custGeom>
+            <a:noFill/>
+            <a:ln w="9525" cap="rnd" cmpd="sng">
+              <a:solidFill>
+                <a:schemeClr val="dk2"/>
+              </a:solidFill>
+              <a:prstDash val="solid"/>
+              <a:round/>
+              <a:headEnd type="none" w="sm" len="sm"/>
+              <a:tailEnd type="none" w="sm" len="sm"/>
+            </a:ln>
+          </p:spPr>
+          <p:txBody>
+            <a:bodyPr spcFirstLastPara="1" wrap="square" lIns="91425" tIns="91425" rIns="91425" bIns="91425" anchor="ctr" anchorCtr="0">
+              <a:noAutofit/>
+            </a:bodyPr>
+            <a:lstStyle/>
+            <a:p>
+              <a:pPr marL="0" lvl="0" indent="0" algn="l" rtl="0">
+                <a:spcBef>
+                  <a:spcPts val="0"/>
+                </a:spcBef>
+                <a:spcAft>
+                  <a:spcPts val="0"/>
+                </a:spcAft>
+                <a:buNone/>
+              </a:pPr>
+              <a:endParaRPr/>
+            </a:p>
+          </p:txBody>
+        </p:sp>
+        <p:sp>
+          <p:nvSpPr>
+            <p:cNvPr id="731" name="Google Shape;731;p46"/>
+            <p:cNvSpPr/>
+            <p:nvPr/>
+          </p:nvSpPr>
+          <p:spPr>
+            <a:xfrm>
+              <a:off x="4364350" y="1420050"/>
+              <a:ext cx="599825" cy="147950"/>
+            </a:xfrm>
+            <a:custGeom>
+              <a:avLst/>
+              <a:gdLst/>
+              <a:ahLst/>
+              <a:cxnLst/>
+              <a:rect l="l" t="t" r="r" b="b"/>
+              <a:pathLst>
+                <a:path w="23993" h="5918" fill="none" extrusionOk="0">
+                  <a:moveTo>
+                    <a:pt x="23992" y="5918"/>
+                  </a:moveTo>
+                  <a:lnTo>
+                    <a:pt x="18009" y="1"/>
+                  </a:lnTo>
+                  <a:lnTo>
+                    <a:pt x="0" y="1"/>
+                  </a:lnTo>
+                </a:path>
+              </a:pathLst>
+            </a:custGeom>
+            <a:noFill/>
+            <a:ln w="9525" cap="rnd" cmpd="sng">
+              <a:solidFill>
+                <a:schemeClr val="dk2"/>
+              </a:solidFill>
+              <a:prstDash val="solid"/>
+              <a:round/>
+              <a:headEnd type="none" w="sm" len="sm"/>
+              <a:tailEnd type="none" w="sm" len="sm"/>
+            </a:ln>
+          </p:spPr>
+          <p:txBody>
+            <a:bodyPr spcFirstLastPara="1" wrap="square" lIns="91425" tIns="91425" rIns="91425" bIns="91425" anchor="ctr" anchorCtr="0">
+              <a:noAutofit/>
+            </a:bodyPr>
+            <a:lstStyle/>
+            <a:p>
+              <a:pPr marL="0" lvl="0" indent="0" algn="l" rtl="0">
+                <a:spcBef>
+                  <a:spcPts val="0"/>
+                </a:spcBef>
+                <a:spcAft>
+                  <a:spcPts val="0"/>
+                </a:spcAft>
+                <a:buNone/>
+              </a:pPr>
+              <a:endParaRPr/>
+            </a:p>
+          </p:txBody>
+        </p:sp>
+        <p:sp>
+          <p:nvSpPr>
+            <p:cNvPr id="732" name="Google Shape;732;p46"/>
+            <p:cNvSpPr/>
+            <p:nvPr/>
+          </p:nvSpPr>
+          <p:spPr>
+            <a:xfrm>
+              <a:off x="4438000" y="2574325"/>
+              <a:ext cx="647475" cy="112575"/>
+            </a:xfrm>
+            <a:custGeom>
+              <a:avLst/>
+              <a:gdLst/>
+              <a:ahLst/>
+              <a:cxnLst/>
+              <a:rect l="l" t="t" r="r" b="b"/>
+              <a:pathLst>
+                <a:path w="25899" h="4503" fill="none" extrusionOk="0">
+                  <a:moveTo>
+                    <a:pt x="25898" y="1"/>
+                  </a:moveTo>
+                  <a:lnTo>
+                    <a:pt x="20106" y="4503"/>
+                  </a:lnTo>
+                  <a:lnTo>
+                    <a:pt x="0" y="4503"/>
+                  </a:lnTo>
+                </a:path>
+              </a:pathLst>
+            </a:custGeom>
+            <a:noFill/>
+            <a:ln w="9525" cap="rnd" cmpd="sng">
+              <a:solidFill>
+                <a:schemeClr val="dk2"/>
+              </a:solidFill>
+              <a:prstDash val="solid"/>
+              <a:round/>
+              <a:headEnd type="none" w="sm" len="sm"/>
+              <a:tailEnd type="none" w="sm" len="sm"/>
+            </a:ln>
+          </p:spPr>
+          <p:txBody>
+            <a:bodyPr spcFirstLastPara="1" wrap="square" lIns="91425" tIns="91425" rIns="91425" bIns="91425" anchor="ctr" anchorCtr="0">
+              <a:noAutofit/>
+            </a:bodyPr>
+            <a:lstStyle/>
+            <a:p>
+              <a:pPr marL="0" lvl="0" indent="0" algn="l" rtl="0">
+                <a:spcBef>
+                  <a:spcPts val="0"/>
+                </a:spcBef>
+                <a:spcAft>
+                  <a:spcPts val="0"/>
+                </a:spcAft>
+                <a:buNone/>
+              </a:pPr>
+              <a:endParaRPr/>
+            </a:p>
+          </p:txBody>
+        </p:sp>
+        <p:sp>
+          <p:nvSpPr>
+            <p:cNvPr id="733" name="Google Shape;733;p46"/>
+            <p:cNvSpPr/>
+            <p:nvPr/>
+          </p:nvSpPr>
+          <p:spPr>
+            <a:xfrm>
+              <a:off x="4501225" y="2686875"/>
+              <a:ext cx="205800" cy="44350"/>
+            </a:xfrm>
+            <a:custGeom>
+              <a:avLst/>
+              <a:gdLst/>
+              <a:ahLst/>
+              <a:cxnLst/>
+              <a:rect l="l" t="t" r="r" b="b"/>
+              <a:pathLst>
+                <a:path w="8232" h="1774" fill="none" extrusionOk="0">
+                  <a:moveTo>
+                    <a:pt x="8231" y="1"/>
+                  </a:moveTo>
+                  <a:lnTo>
+                    <a:pt x="6467" y="1774"/>
+                  </a:lnTo>
+                  <a:lnTo>
+                    <a:pt x="1" y="1774"/>
+                  </a:lnTo>
+                </a:path>
+              </a:pathLst>
+            </a:custGeom>
+            <a:noFill/>
+            <a:ln w="9525" cap="rnd" cmpd="sng">
+              <a:solidFill>
+                <a:schemeClr val="dk2"/>
+              </a:solidFill>
+              <a:prstDash val="solid"/>
+              <a:round/>
+              <a:headEnd type="none" w="sm" len="sm"/>
+              <a:tailEnd type="none" w="sm" len="sm"/>
+            </a:ln>
+          </p:spPr>
+          <p:txBody>
+            <a:bodyPr spcFirstLastPara="1" wrap="square" lIns="91425" tIns="91425" rIns="91425" bIns="91425" anchor="ctr" anchorCtr="0">
+              <a:noAutofit/>
+            </a:bodyPr>
+            <a:lstStyle/>
+            <a:p>
+              <a:pPr marL="0" lvl="0" indent="0" algn="l" rtl="0">
+                <a:spcBef>
+                  <a:spcPts val="0"/>
+                </a:spcBef>
+                <a:spcAft>
+                  <a:spcPts val="0"/>
+                </a:spcAft>
+                <a:buNone/>
+              </a:pPr>
+              <a:endParaRPr/>
+            </a:p>
+          </p:txBody>
+        </p:sp>
+        <p:sp>
+          <p:nvSpPr>
+            <p:cNvPr id="734" name="Google Shape;734;p46"/>
+            <p:cNvSpPr/>
+            <p:nvPr/>
+          </p:nvSpPr>
+          <p:spPr>
+            <a:xfrm>
+              <a:off x="4964150" y="2574325"/>
+              <a:ext cx="335200" cy="25"/>
+            </a:xfrm>
+            <a:custGeom>
+              <a:avLst/>
+              <a:gdLst/>
+              <a:ahLst/>
+              <a:cxnLst/>
+              <a:rect l="l" t="t" r="r" b="b"/>
+              <a:pathLst>
+                <a:path w="13408" h="1" fill="none" extrusionOk="0">
+                  <a:moveTo>
+                    <a:pt x="13407" y="1"/>
+                  </a:moveTo>
+                  <a:lnTo>
+                    <a:pt x="0" y="1"/>
+                  </a:lnTo>
+                </a:path>
+              </a:pathLst>
+            </a:custGeom>
+            <a:noFill/>
+            <a:ln w="9525" cap="rnd" cmpd="sng">
+              <a:solidFill>
+                <a:schemeClr val="dk2"/>
+              </a:solidFill>
+              <a:prstDash val="solid"/>
+              <a:round/>
+              <a:headEnd type="none" w="sm" len="sm"/>
+              <a:tailEnd type="none" w="sm" len="sm"/>
+            </a:ln>
+          </p:spPr>
+          <p:txBody>
+            <a:bodyPr spcFirstLastPara="1" wrap="square" lIns="91425" tIns="91425" rIns="91425" bIns="91425" anchor="ctr" anchorCtr="0">
+              <a:noAutofit/>
+            </a:bodyPr>
+            <a:lstStyle/>
+            <a:p>
+              <a:pPr marL="0" lvl="0" indent="0" algn="l" rtl="0">
+                <a:spcBef>
+                  <a:spcPts val="0"/>
+                </a:spcBef>
+                <a:spcAft>
+                  <a:spcPts val="0"/>
+                </a:spcAft>
+                <a:buNone/>
+              </a:pPr>
+              <a:endParaRPr/>
+            </a:p>
+          </p:txBody>
+        </p:sp>
+      </p:grpSp>
+      <p:grpSp>
+        <p:nvGrpSpPr>
+          <p:cNvPr id="735" name="Google Shape;735;p46"/>
+          <p:cNvGrpSpPr/>
+          <p:nvPr/>
+        </p:nvGrpSpPr>
+        <p:grpSpPr>
+          <a:xfrm rot="5400000">
+            <a:off x="3975173" y="4229086"/>
+            <a:ext cx="1188753" cy="1828827"/>
+            <a:chOff x="4311275" y="1420050"/>
+            <a:chExt cx="988075" cy="1311175"/>
+          </a:xfrm>
+        </p:grpSpPr>
+        <p:sp>
+          <p:nvSpPr>
+            <p:cNvPr id="736" name="Google Shape;736;p46"/>
+            <p:cNvSpPr/>
+            <p:nvPr/>
+          </p:nvSpPr>
+          <p:spPr>
+            <a:xfrm>
+              <a:off x="4311275" y="2417450"/>
+              <a:ext cx="988075" cy="25"/>
+            </a:xfrm>
+            <a:custGeom>
+              <a:avLst/>
+              <a:gdLst/>
+              <a:ahLst/>
+              <a:cxnLst/>
+              <a:rect l="l" t="t" r="r" b="b"/>
+              <a:pathLst>
+                <a:path w="39523" h="1" fill="none" extrusionOk="0">
+                  <a:moveTo>
+                    <a:pt x="39522" y="1"/>
+                  </a:moveTo>
+                  <a:lnTo>
+                    <a:pt x="1" y="1"/>
+                  </a:lnTo>
+                </a:path>
+              </a:pathLst>
+            </a:custGeom>
+            <a:noFill/>
+            <a:ln w="9525" cap="rnd" cmpd="sng">
+              <a:solidFill>
+                <a:schemeClr val="dk2"/>
+              </a:solidFill>
+              <a:prstDash val="solid"/>
+              <a:round/>
+              <a:headEnd type="none" w="sm" len="sm"/>
+              <a:tailEnd type="none" w="sm" len="sm"/>
+            </a:ln>
+          </p:spPr>
+          <p:txBody>
+            <a:bodyPr spcFirstLastPara="1" wrap="square" lIns="91425" tIns="91425" rIns="91425" bIns="91425" anchor="ctr" anchorCtr="0">
+              <a:noAutofit/>
+            </a:bodyPr>
+            <a:lstStyle/>
+            <a:p>
+              <a:pPr marL="0" lvl="0" indent="0" algn="l" rtl="0">
+                <a:spcBef>
+                  <a:spcPts val="0"/>
+                </a:spcBef>
+                <a:spcAft>
+                  <a:spcPts val="0"/>
+                </a:spcAft>
+                <a:buNone/>
+              </a:pPr>
+              <a:endParaRPr/>
+            </a:p>
+          </p:txBody>
+        </p:sp>
+        <p:sp>
+          <p:nvSpPr>
+            <p:cNvPr id="737" name="Google Shape;737;p46"/>
+            <p:cNvSpPr/>
+            <p:nvPr/>
+          </p:nvSpPr>
+          <p:spPr>
+            <a:xfrm>
+              <a:off x="4751525" y="2417450"/>
+              <a:ext cx="199750" cy="199750"/>
+            </a:xfrm>
+            <a:custGeom>
+              <a:avLst/>
+              <a:gdLst/>
+              <a:ahLst/>
+              <a:cxnLst/>
+              <a:rect l="l" t="t" r="r" b="b"/>
+              <a:pathLst>
+                <a:path w="7990" h="7990" fill="none" extrusionOk="0">
+                  <a:moveTo>
+                    <a:pt x="7990" y="1"/>
+                  </a:moveTo>
+                  <a:lnTo>
+                    <a:pt x="0" y="7990"/>
+                  </a:lnTo>
+                </a:path>
+              </a:pathLst>
+            </a:custGeom>
+            <a:noFill/>
+            <a:ln w="9525" cap="rnd" cmpd="sng">
+              <a:solidFill>
+                <a:schemeClr val="dk2"/>
+              </a:solidFill>
+              <a:prstDash val="solid"/>
+              <a:round/>
+              <a:headEnd type="none" w="sm" len="sm"/>
+              <a:tailEnd type="none" w="sm" len="sm"/>
+            </a:ln>
+          </p:spPr>
+          <p:txBody>
+            <a:bodyPr spcFirstLastPara="1" wrap="square" lIns="91425" tIns="91425" rIns="91425" bIns="91425" anchor="ctr" anchorCtr="0">
+              <a:noAutofit/>
+            </a:bodyPr>
+            <a:lstStyle/>
+            <a:p>
+              <a:pPr marL="0" lvl="0" indent="0" algn="l" rtl="0">
+                <a:spcBef>
+                  <a:spcPts val="0"/>
+                </a:spcBef>
+                <a:spcAft>
+                  <a:spcPts val="0"/>
+                </a:spcAft>
+                <a:buNone/>
+              </a:pPr>
+              <a:endParaRPr/>
+            </a:p>
+          </p:txBody>
+        </p:sp>
+        <p:sp>
+          <p:nvSpPr>
+            <p:cNvPr id="738" name="Google Shape;738;p46"/>
+            <p:cNvSpPr/>
+            <p:nvPr/>
+          </p:nvSpPr>
+          <p:spPr>
+            <a:xfrm>
+              <a:off x="4501025" y="2263075"/>
+              <a:ext cx="798325" cy="113000"/>
+            </a:xfrm>
+            <a:custGeom>
+              <a:avLst/>
+              <a:gdLst/>
+              <a:ahLst/>
+              <a:cxnLst/>
+              <a:rect l="l" t="t" r="r" b="b"/>
+              <a:pathLst>
+                <a:path w="31933" h="4520" fill="none" extrusionOk="0">
+                  <a:moveTo>
+                    <a:pt x="31932" y="4520"/>
+                  </a:moveTo>
+                  <a:lnTo>
+                    <a:pt x="4520" y="4520"/>
+                  </a:lnTo>
+                  <a:lnTo>
+                    <a:pt x="1" y="1"/>
+                  </a:lnTo>
+                </a:path>
+              </a:pathLst>
+            </a:custGeom>
+            <a:noFill/>
+            <a:ln w="9525" cap="rnd" cmpd="sng">
+              <a:solidFill>
+                <a:schemeClr val="dk2"/>
+              </a:solidFill>
+              <a:prstDash val="solid"/>
+              <a:round/>
+              <a:headEnd type="none" w="sm" len="sm"/>
+              <a:tailEnd type="none" w="sm" len="sm"/>
+            </a:ln>
+          </p:spPr>
+          <p:txBody>
+            <a:bodyPr spcFirstLastPara="1" wrap="square" lIns="91425" tIns="91425" rIns="91425" bIns="91425" anchor="ctr" anchorCtr="0">
+              <a:noAutofit/>
+            </a:bodyPr>
+            <a:lstStyle/>
+            <a:p>
+              <a:pPr marL="0" lvl="0" indent="0" algn="l" rtl="0">
+                <a:spcBef>
+                  <a:spcPts val="0"/>
+                </a:spcBef>
+                <a:spcAft>
+                  <a:spcPts val="0"/>
+                </a:spcAft>
+                <a:buNone/>
+              </a:pPr>
+              <a:endParaRPr/>
+            </a:p>
+          </p:txBody>
+        </p:sp>
+        <p:sp>
+          <p:nvSpPr>
+            <p:cNvPr id="739" name="Google Shape;739;p46"/>
+            <p:cNvSpPr/>
+            <p:nvPr/>
+          </p:nvSpPr>
+          <p:spPr>
+            <a:xfrm>
+              <a:off x="4316075" y="2237900"/>
+              <a:ext cx="252800" cy="92825"/>
+            </a:xfrm>
+            <a:custGeom>
+              <a:avLst/>
+              <a:gdLst/>
+              <a:ahLst/>
+              <a:cxnLst/>
+              <a:rect l="l" t="t" r="r" b="b"/>
+              <a:pathLst>
+                <a:path w="10112" h="3713" fill="none" extrusionOk="0">
+                  <a:moveTo>
+                    <a:pt x="10112" y="3712"/>
+                  </a:moveTo>
+                  <a:lnTo>
+                    <a:pt x="3595" y="3712"/>
+                  </a:lnTo>
+                  <a:lnTo>
+                    <a:pt x="0" y="1"/>
+                  </a:lnTo>
+                </a:path>
+              </a:pathLst>
+            </a:custGeom>
+            <a:noFill/>
+            <a:ln w="9525" cap="rnd" cmpd="sng">
+              <a:solidFill>
+                <a:schemeClr val="dk2"/>
+              </a:solidFill>
+              <a:prstDash val="solid"/>
+              <a:round/>
+              <a:headEnd type="none" w="sm" len="sm"/>
+              <a:tailEnd type="none" w="sm" len="sm"/>
+            </a:ln>
+          </p:spPr>
+          <p:txBody>
+            <a:bodyPr spcFirstLastPara="1" wrap="square" lIns="91425" tIns="91425" rIns="91425" bIns="91425" anchor="ctr" anchorCtr="0">
+              <a:noAutofit/>
+            </a:bodyPr>
+            <a:lstStyle/>
+            <a:p>
+              <a:pPr marL="0" lvl="0" indent="0" algn="l" rtl="0">
+                <a:spcBef>
+                  <a:spcPts val="0"/>
+                </a:spcBef>
+                <a:spcAft>
+                  <a:spcPts val="0"/>
+                </a:spcAft>
+                <a:buNone/>
+              </a:pPr>
+              <a:endParaRPr/>
+            </a:p>
+          </p:txBody>
+        </p:sp>
+        <p:sp>
+          <p:nvSpPr>
+            <p:cNvPr id="740" name="Google Shape;740;p46"/>
+            <p:cNvSpPr/>
+            <p:nvPr/>
+          </p:nvSpPr>
+          <p:spPr>
+            <a:xfrm>
+              <a:off x="4583000" y="2088950"/>
+              <a:ext cx="716350" cy="146075"/>
+            </a:xfrm>
+            <a:custGeom>
+              <a:avLst/>
+              <a:gdLst/>
+              <a:ahLst/>
+              <a:cxnLst/>
+              <a:rect l="l" t="t" r="r" b="b"/>
+              <a:pathLst>
+                <a:path w="28654" h="5843" fill="none" extrusionOk="0">
+                  <a:moveTo>
+                    <a:pt x="28653" y="5842"/>
+                  </a:moveTo>
+                  <a:lnTo>
+                    <a:pt x="6167" y="5842"/>
+                  </a:lnTo>
+                  <a:lnTo>
+                    <a:pt x="1" y="0"/>
+                  </a:lnTo>
+                </a:path>
+              </a:pathLst>
+            </a:custGeom>
+            <a:noFill/>
+            <a:ln w="9525" cap="rnd" cmpd="sng">
+              <a:solidFill>
+                <a:schemeClr val="dk2"/>
+              </a:solidFill>
+              <a:prstDash val="solid"/>
+              <a:round/>
+              <a:headEnd type="none" w="sm" len="sm"/>
+              <a:tailEnd type="none" w="sm" len="sm"/>
+            </a:ln>
+          </p:spPr>
+          <p:txBody>
+            <a:bodyPr spcFirstLastPara="1" wrap="square" lIns="91425" tIns="91425" rIns="91425" bIns="91425" anchor="ctr" anchorCtr="0">
+              <a:noAutofit/>
+            </a:bodyPr>
+            <a:lstStyle/>
+            <a:p>
+              <a:pPr marL="0" lvl="0" indent="0" algn="l" rtl="0">
+                <a:spcBef>
+                  <a:spcPts val="0"/>
+                </a:spcBef>
+                <a:spcAft>
+                  <a:spcPts val="0"/>
+                </a:spcAft>
+                <a:buNone/>
+              </a:pPr>
+              <a:endParaRPr/>
+            </a:p>
+          </p:txBody>
+        </p:sp>
+        <p:sp>
+          <p:nvSpPr>
+            <p:cNvPr id="741" name="Google Shape;741;p46"/>
+            <p:cNvSpPr/>
+            <p:nvPr/>
+          </p:nvSpPr>
+          <p:spPr>
+            <a:xfrm>
+              <a:off x="4370575" y="2417450"/>
+              <a:ext cx="456075" cy="112600"/>
+            </a:xfrm>
+            <a:custGeom>
+              <a:avLst/>
+              <a:gdLst/>
+              <a:ahLst/>
+              <a:cxnLst/>
+              <a:rect l="l" t="t" r="r" b="b"/>
+              <a:pathLst>
+                <a:path w="18243" h="4504" fill="none" extrusionOk="0">
+                  <a:moveTo>
+                    <a:pt x="18243" y="1"/>
+                  </a:moveTo>
+                  <a:lnTo>
+                    <a:pt x="12450" y="4503"/>
+                  </a:lnTo>
+                  <a:lnTo>
+                    <a:pt x="1" y="4503"/>
+                  </a:lnTo>
+                </a:path>
+              </a:pathLst>
+            </a:custGeom>
+            <a:noFill/>
+            <a:ln w="9525" cap="rnd" cmpd="sng">
+              <a:solidFill>
+                <a:schemeClr val="dk2"/>
+              </a:solidFill>
+              <a:prstDash val="solid"/>
+              <a:round/>
+              <a:headEnd type="none" w="sm" len="sm"/>
+              <a:tailEnd type="none" w="sm" len="sm"/>
+            </a:ln>
+          </p:spPr>
+          <p:txBody>
+            <a:bodyPr spcFirstLastPara="1" wrap="square" lIns="91425" tIns="91425" rIns="91425" bIns="91425" anchor="ctr" anchorCtr="0">
+              <a:noAutofit/>
+            </a:bodyPr>
+            <a:lstStyle/>
+            <a:p>
+              <a:pPr marL="0" lvl="0" indent="0" algn="l" rtl="0">
+                <a:spcBef>
+                  <a:spcPts val="0"/>
+                </a:spcBef>
+                <a:spcAft>
+                  <a:spcPts val="0"/>
+                </a:spcAft>
+                <a:buNone/>
+              </a:pPr>
+              <a:endParaRPr/>
+            </a:p>
+          </p:txBody>
+        </p:sp>
+        <p:sp>
+          <p:nvSpPr>
+            <p:cNvPr id="742" name="Google Shape;742;p46"/>
+            <p:cNvSpPr/>
+            <p:nvPr/>
+          </p:nvSpPr>
+          <p:spPr>
+            <a:xfrm>
+              <a:off x="4433825" y="2530025"/>
+              <a:ext cx="205800" cy="44325"/>
+            </a:xfrm>
+            <a:custGeom>
+              <a:avLst/>
+              <a:gdLst/>
+              <a:ahLst/>
+              <a:cxnLst/>
+              <a:rect l="l" t="t" r="r" b="b"/>
+              <a:pathLst>
+                <a:path w="8232" h="1773" fill="none" extrusionOk="0">
+                  <a:moveTo>
+                    <a:pt x="8231" y="0"/>
+                  </a:moveTo>
+                  <a:lnTo>
+                    <a:pt x="6467" y="1773"/>
+                  </a:lnTo>
+                  <a:lnTo>
+                    <a:pt x="1" y="1773"/>
+                  </a:lnTo>
+                </a:path>
+              </a:pathLst>
+            </a:custGeom>
+            <a:noFill/>
+            <a:ln w="9525" cap="rnd" cmpd="sng">
+              <a:solidFill>
+                <a:schemeClr val="dk2"/>
+              </a:solidFill>
+              <a:prstDash val="solid"/>
+              <a:round/>
+              <a:headEnd type="none" w="sm" len="sm"/>
+              <a:tailEnd type="none" w="sm" len="sm"/>
+            </a:ln>
+          </p:spPr>
+          <p:txBody>
+            <a:bodyPr spcFirstLastPara="1" wrap="square" lIns="91425" tIns="91425" rIns="91425" bIns="91425" anchor="ctr" anchorCtr="0">
+              <a:noAutofit/>
+            </a:bodyPr>
+            <a:lstStyle/>
+            <a:p>
+              <a:pPr marL="0" lvl="0" indent="0" algn="l" rtl="0">
+                <a:spcBef>
+                  <a:spcPts val="0"/>
+                </a:spcBef>
+                <a:spcAft>
+                  <a:spcPts val="0"/>
+                </a:spcAft>
+                <a:buNone/>
+              </a:pPr>
+              <a:endParaRPr/>
+            </a:p>
+          </p:txBody>
+        </p:sp>
+        <p:sp>
+          <p:nvSpPr>
+            <p:cNvPr id="743" name="Google Shape;743;p46"/>
+            <p:cNvSpPr/>
+            <p:nvPr/>
+          </p:nvSpPr>
+          <p:spPr>
+            <a:xfrm>
+              <a:off x="4678700" y="1909400"/>
+              <a:ext cx="619800" cy="25"/>
+            </a:xfrm>
+            <a:custGeom>
+              <a:avLst/>
+              <a:gdLst/>
+              <a:ahLst/>
+              <a:cxnLst/>
+              <a:rect l="l" t="t" r="r" b="b"/>
+              <a:pathLst>
+                <a:path w="24792" h="1" fill="none" extrusionOk="0">
+                  <a:moveTo>
+                    <a:pt x="24792" y="0"/>
+                  </a:moveTo>
+                  <a:lnTo>
+                    <a:pt x="1" y="0"/>
+                  </a:lnTo>
+                </a:path>
+              </a:pathLst>
+            </a:custGeom>
+            <a:noFill/>
+            <a:ln w="9525" cap="rnd" cmpd="sng">
+              <a:solidFill>
+                <a:schemeClr val="dk2"/>
+              </a:solidFill>
+              <a:prstDash val="solid"/>
+              <a:round/>
+              <a:headEnd type="none" w="sm" len="sm"/>
+              <a:tailEnd type="none" w="sm" len="sm"/>
+            </a:ln>
+          </p:spPr>
+          <p:txBody>
+            <a:bodyPr spcFirstLastPara="1" wrap="square" lIns="91425" tIns="91425" rIns="91425" bIns="91425" anchor="ctr" anchorCtr="0">
+              <a:noAutofit/>
+            </a:bodyPr>
+            <a:lstStyle/>
+            <a:p>
+              <a:pPr marL="0" lvl="0" indent="0" algn="l" rtl="0">
+                <a:spcBef>
+                  <a:spcPts val="0"/>
+                </a:spcBef>
+                <a:spcAft>
+                  <a:spcPts val="0"/>
+                </a:spcAft>
+                <a:buNone/>
+              </a:pPr>
+              <a:endParaRPr/>
+            </a:p>
+          </p:txBody>
+        </p:sp>
+        <p:sp>
+          <p:nvSpPr>
+            <p:cNvPr id="744" name="Google Shape;744;p46"/>
+            <p:cNvSpPr/>
+            <p:nvPr/>
+          </p:nvSpPr>
+          <p:spPr>
+            <a:xfrm>
+              <a:off x="5012000" y="1709675"/>
+              <a:ext cx="199750" cy="199750"/>
+            </a:xfrm>
+            <a:custGeom>
+              <a:avLst/>
+              <a:gdLst/>
+              <a:ahLst/>
+              <a:cxnLst/>
+              <a:rect l="l" t="t" r="r" b="b"/>
+              <a:pathLst>
+                <a:path w="7990" h="7990" fill="none" extrusionOk="0">
+                  <a:moveTo>
+                    <a:pt x="7990" y="7989"/>
+                  </a:moveTo>
+                  <a:lnTo>
+                    <a:pt x="1" y="0"/>
+                  </a:lnTo>
+                </a:path>
+              </a:pathLst>
+            </a:custGeom>
+            <a:noFill/>
+            <a:ln w="9525" cap="rnd" cmpd="sng">
+              <a:solidFill>
+                <a:schemeClr val="dk2"/>
+              </a:solidFill>
+              <a:prstDash val="solid"/>
+              <a:round/>
+              <a:headEnd type="none" w="sm" len="sm"/>
+              <a:tailEnd type="none" w="sm" len="sm"/>
+            </a:ln>
+          </p:spPr>
+          <p:txBody>
+            <a:bodyPr spcFirstLastPara="1" wrap="square" lIns="91425" tIns="91425" rIns="91425" bIns="91425" anchor="ctr" anchorCtr="0">
+              <a:noAutofit/>
+            </a:bodyPr>
+            <a:lstStyle/>
+            <a:p>
+              <a:pPr marL="0" lvl="0" indent="0" algn="l" rtl="0">
+                <a:spcBef>
+                  <a:spcPts val="0"/>
+                </a:spcBef>
+                <a:spcAft>
+                  <a:spcPts val="0"/>
+                </a:spcAft>
+                <a:buNone/>
+              </a:pPr>
+              <a:endParaRPr/>
+            </a:p>
+          </p:txBody>
+        </p:sp>
+        <p:sp>
+          <p:nvSpPr>
+            <p:cNvPr id="745" name="Google Shape;745;p46"/>
+            <p:cNvSpPr/>
+            <p:nvPr/>
+          </p:nvSpPr>
+          <p:spPr>
+            <a:xfrm>
+              <a:off x="4761725" y="1951000"/>
+              <a:ext cx="536775" cy="113000"/>
+            </a:xfrm>
+            <a:custGeom>
+              <a:avLst/>
+              <a:gdLst/>
+              <a:ahLst/>
+              <a:cxnLst/>
+              <a:rect l="l" t="t" r="r" b="b"/>
+              <a:pathLst>
+                <a:path w="21471" h="4520" fill="none" extrusionOk="0">
+                  <a:moveTo>
+                    <a:pt x="21471" y="1"/>
+                  </a:moveTo>
+                  <a:lnTo>
+                    <a:pt x="4519" y="1"/>
+                  </a:lnTo>
+                  <a:lnTo>
+                    <a:pt x="0" y="4520"/>
+                  </a:lnTo>
+                </a:path>
+              </a:pathLst>
+            </a:custGeom>
+            <a:noFill/>
+            <a:ln w="9525" cap="rnd" cmpd="sng">
+              <a:solidFill>
+                <a:schemeClr val="dk2"/>
+              </a:solidFill>
+              <a:prstDash val="solid"/>
+              <a:round/>
+              <a:headEnd type="none" w="sm" len="sm"/>
+              <a:tailEnd type="none" w="sm" len="sm"/>
+            </a:ln>
+          </p:spPr>
+          <p:txBody>
+            <a:bodyPr spcFirstLastPara="1" wrap="square" lIns="91425" tIns="91425" rIns="91425" bIns="91425" anchor="ctr" anchorCtr="0">
+              <a:noAutofit/>
+            </a:bodyPr>
+            <a:lstStyle/>
+            <a:p>
+              <a:pPr marL="0" lvl="0" indent="0" algn="l" rtl="0">
+                <a:spcBef>
+                  <a:spcPts val="0"/>
+                </a:spcBef>
+                <a:spcAft>
+                  <a:spcPts val="0"/>
+                </a:spcAft>
+                <a:buNone/>
+              </a:pPr>
+              <a:endParaRPr/>
+            </a:p>
+          </p:txBody>
+        </p:sp>
+        <p:sp>
+          <p:nvSpPr>
+            <p:cNvPr id="746" name="Google Shape;746;p46"/>
+            <p:cNvSpPr/>
+            <p:nvPr/>
+          </p:nvSpPr>
+          <p:spPr>
+            <a:xfrm>
+              <a:off x="4843700" y="1992825"/>
+              <a:ext cx="454800" cy="145875"/>
+            </a:xfrm>
+            <a:custGeom>
+              <a:avLst/>
+              <a:gdLst/>
+              <a:ahLst/>
+              <a:cxnLst/>
+              <a:rect l="l" t="t" r="r" b="b"/>
+              <a:pathLst>
+                <a:path w="18192" h="5835" fill="none" extrusionOk="0">
+                  <a:moveTo>
+                    <a:pt x="18192" y="0"/>
+                  </a:moveTo>
+                  <a:lnTo>
+                    <a:pt x="6167" y="0"/>
+                  </a:lnTo>
+                  <a:lnTo>
+                    <a:pt x="0" y="5834"/>
+                  </a:lnTo>
+                </a:path>
+              </a:pathLst>
+            </a:custGeom>
+            <a:noFill/>
+            <a:ln w="9525" cap="rnd" cmpd="sng">
+              <a:solidFill>
+                <a:schemeClr val="dk2"/>
+              </a:solidFill>
+              <a:prstDash val="solid"/>
+              <a:round/>
+              <a:headEnd type="none" w="sm" len="sm"/>
+              <a:tailEnd type="none" w="sm" len="sm"/>
+            </a:ln>
+          </p:spPr>
+          <p:txBody>
+            <a:bodyPr spcFirstLastPara="1" wrap="square" lIns="91425" tIns="91425" rIns="91425" bIns="91425" anchor="ctr" anchorCtr="0">
+              <a:noAutofit/>
+            </a:bodyPr>
+            <a:lstStyle/>
+            <a:p>
+              <a:pPr marL="0" lvl="0" indent="0" algn="l" rtl="0">
+                <a:spcBef>
+                  <a:spcPts val="0"/>
+                </a:spcBef>
+                <a:spcAft>
+                  <a:spcPts val="0"/>
+                </a:spcAft>
+                <a:buNone/>
+              </a:pPr>
+              <a:endParaRPr/>
+            </a:p>
+          </p:txBody>
+        </p:sp>
+        <p:sp>
+          <p:nvSpPr>
+            <p:cNvPr id="747" name="Google Shape;747;p46"/>
+            <p:cNvSpPr/>
+            <p:nvPr/>
+          </p:nvSpPr>
+          <p:spPr>
+            <a:xfrm>
+              <a:off x="5070875" y="1479150"/>
+              <a:ext cx="227625" cy="25"/>
+            </a:xfrm>
+            <a:custGeom>
+              <a:avLst/>
+              <a:gdLst/>
+              <a:ahLst/>
+              <a:cxnLst/>
+              <a:rect l="l" t="t" r="r" b="b"/>
+              <a:pathLst>
+                <a:path w="9105" h="1" fill="none" extrusionOk="0">
+                  <a:moveTo>
+                    <a:pt x="9105" y="0"/>
+                  </a:moveTo>
+                  <a:lnTo>
+                    <a:pt x="1" y="0"/>
+                  </a:lnTo>
+                </a:path>
+              </a:pathLst>
+            </a:custGeom>
+            <a:noFill/>
+            <a:ln w="9525" cap="rnd" cmpd="sng">
+              <a:solidFill>
+                <a:schemeClr val="dk2"/>
+              </a:solidFill>
+              <a:prstDash val="solid"/>
+              <a:round/>
+              <a:headEnd type="none" w="sm" len="sm"/>
+              <a:tailEnd type="none" w="sm" len="sm"/>
+            </a:ln>
+          </p:spPr>
+          <p:txBody>
+            <a:bodyPr spcFirstLastPara="1" wrap="square" lIns="91425" tIns="91425" rIns="91425" bIns="91425" anchor="ctr" anchorCtr="0">
+              <a:noAutofit/>
+            </a:bodyPr>
+            <a:lstStyle/>
+            <a:p>
+              <a:pPr marL="0" lvl="0" indent="0" algn="l" rtl="0">
+                <a:spcBef>
+                  <a:spcPts val="0"/>
+                </a:spcBef>
+                <a:spcAft>
+                  <a:spcPts val="0"/>
+                </a:spcAft>
+                <a:buNone/>
+              </a:pPr>
+              <a:endParaRPr/>
+            </a:p>
+          </p:txBody>
+        </p:sp>
+        <p:sp>
+          <p:nvSpPr>
+            <p:cNvPr id="748" name="Google Shape;748;p46"/>
+            <p:cNvSpPr/>
+            <p:nvPr/>
+          </p:nvSpPr>
+          <p:spPr>
+            <a:xfrm>
+              <a:off x="4544500" y="1479150"/>
+              <a:ext cx="640200" cy="88850"/>
+            </a:xfrm>
+            <a:custGeom>
+              <a:avLst/>
+              <a:gdLst/>
+              <a:ahLst/>
+              <a:cxnLst/>
+              <a:rect l="l" t="t" r="r" b="b"/>
+              <a:pathLst>
+                <a:path w="25608" h="3554" fill="none" extrusionOk="0">
+                  <a:moveTo>
+                    <a:pt x="25608" y="0"/>
+                  </a:moveTo>
+                  <a:lnTo>
+                    <a:pt x="23669" y="3554"/>
+                  </a:lnTo>
+                  <a:lnTo>
+                    <a:pt x="1" y="3554"/>
+                  </a:lnTo>
+                </a:path>
+              </a:pathLst>
+            </a:custGeom>
+            <a:noFill/>
+            <a:ln w="9525" cap="rnd" cmpd="sng">
+              <a:solidFill>
+                <a:schemeClr val="dk2"/>
+              </a:solidFill>
+              <a:prstDash val="solid"/>
+              <a:round/>
+              <a:headEnd type="none" w="sm" len="sm"/>
+              <a:tailEnd type="none" w="sm" len="sm"/>
+            </a:ln>
+          </p:spPr>
+          <p:txBody>
+            <a:bodyPr spcFirstLastPara="1" wrap="square" lIns="91425" tIns="91425" rIns="91425" bIns="91425" anchor="ctr" anchorCtr="0">
+              <a:noAutofit/>
+            </a:bodyPr>
+            <a:lstStyle/>
+            <a:p>
+              <a:pPr marL="0" lvl="0" indent="0" algn="l" rtl="0">
+                <a:spcBef>
+                  <a:spcPts val="0"/>
+                </a:spcBef>
+                <a:spcAft>
+                  <a:spcPts val="0"/>
+                </a:spcAft>
+                <a:buNone/>
+              </a:pPr>
+              <a:endParaRPr/>
+            </a:p>
+          </p:txBody>
+        </p:sp>
+        <p:sp>
+          <p:nvSpPr>
+            <p:cNvPr id="749" name="Google Shape;749;p46"/>
+            <p:cNvSpPr/>
+            <p:nvPr/>
+          </p:nvSpPr>
+          <p:spPr>
+            <a:xfrm>
+              <a:off x="4364350" y="1420050"/>
+              <a:ext cx="599825" cy="147950"/>
+            </a:xfrm>
+            <a:custGeom>
+              <a:avLst/>
+              <a:gdLst/>
+              <a:ahLst/>
+              <a:cxnLst/>
+              <a:rect l="l" t="t" r="r" b="b"/>
+              <a:pathLst>
+                <a:path w="23993" h="5918" fill="none" extrusionOk="0">
+                  <a:moveTo>
+                    <a:pt x="23992" y="5918"/>
+                  </a:moveTo>
+                  <a:lnTo>
+                    <a:pt x="18009" y="1"/>
+                  </a:lnTo>
+                  <a:lnTo>
+                    <a:pt x="0" y="1"/>
+                  </a:lnTo>
+                </a:path>
+              </a:pathLst>
+            </a:custGeom>
+            <a:noFill/>
+            <a:ln w="9525" cap="rnd" cmpd="sng">
+              <a:solidFill>
+                <a:schemeClr val="dk2"/>
+              </a:solidFill>
+              <a:prstDash val="solid"/>
+              <a:round/>
+              <a:headEnd type="none" w="sm" len="sm"/>
+              <a:tailEnd type="none" w="sm" len="sm"/>
+            </a:ln>
+          </p:spPr>
+          <p:txBody>
+            <a:bodyPr spcFirstLastPara="1" wrap="square" lIns="91425" tIns="91425" rIns="91425" bIns="91425" anchor="ctr" anchorCtr="0">
+              <a:noAutofit/>
+            </a:bodyPr>
+            <a:lstStyle/>
+            <a:p>
+              <a:pPr marL="0" lvl="0" indent="0" algn="l" rtl="0">
+                <a:spcBef>
+                  <a:spcPts val="0"/>
+                </a:spcBef>
+                <a:spcAft>
+                  <a:spcPts val="0"/>
+                </a:spcAft>
+                <a:buNone/>
+              </a:pPr>
+              <a:endParaRPr/>
+            </a:p>
+          </p:txBody>
+        </p:sp>
+        <p:sp>
+          <p:nvSpPr>
+            <p:cNvPr id="750" name="Google Shape;750;p46"/>
+            <p:cNvSpPr/>
+            <p:nvPr/>
+          </p:nvSpPr>
+          <p:spPr>
+            <a:xfrm>
+              <a:off x="4438000" y="2574325"/>
+              <a:ext cx="647475" cy="112575"/>
+            </a:xfrm>
+            <a:custGeom>
+              <a:avLst/>
+              <a:gdLst/>
+              <a:ahLst/>
+              <a:cxnLst/>
+              <a:rect l="l" t="t" r="r" b="b"/>
+              <a:pathLst>
+                <a:path w="25899" h="4503" fill="none" extrusionOk="0">
+                  <a:moveTo>
+                    <a:pt x="25898" y="1"/>
+                  </a:moveTo>
+                  <a:lnTo>
+                    <a:pt x="20106" y="4503"/>
+                  </a:lnTo>
+                  <a:lnTo>
+                    <a:pt x="0" y="4503"/>
+                  </a:lnTo>
+                </a:path>
+              </a:pathLst>
+            </a:custGeom>
+            <a:noFill/>
+            <a:ln w="9525" cap="rnd" cmpd="sng">
+              <a:solidFill>
+                <a:schemeClr val="dk2"/>
+              </a:solidFill>
+              <a:prstDash val="solid"/>
+              <a:round/>
+              <a:headEnd type="none" w="sm" len="sm"/>
+              <a:tailEnd type="none" w="sm" len="sm"/>
+            </a:ln>
+          </p:spPr>
+          <p:txBody>
+            <a:bodyPr spcFirstLastPara="1" wrap="square" lIns="91425" tIns="91425" rIns="91425" bIns="91425" anchor="ctr" anchorCtr="0">
+              <a:noAutofit/>
+            </a:bodyPr>
+            <a:lstStyle/>
+            <a:p>
+              <a:pPr marL="0" lvl="0" indent="0" algn="l" rtl="0">
+                <a:spcBef>
+                  <a:spcPts val="0"/>
+                </a:spcBef>
+                <a:spcAft>
+                  <a:spcPts val="0"/>
+                </a:spcAft>
+                <a:buNone/>
+              </a:pPr>
+              <a:endParaRPr/>
+            </a:p>
+          </p:txBody>
+        </p:sp>
+        <p:sp>
+          <p:nvSpPr>
+            <p:cNvPr id="751" name="Google Shape;751;p46"/>
+            <p:cNvSpPr/>
+            <p:nvPr/>
+          </p:nvSpPr>
+          <p:spPr>
+            <a:xfrm>
+              <a:off x="4501225" y="2686875"/>
+              <a:ext cx="205800" cy="44350"/>
+            </a:xfrm>
+            <a:custGeom>
+              <a:avLst/>
+              <a:gdLst/>
+              <a:ahLst/>
+              <a:cxnLst/>
+              <a:rect l="l" t="t" r="r" b="b"/>
+              <a:pathLst>
+                <a:path w="8232" h="1774" fill="none" extrusionOk="0">
+                  <a:moveTo>
+                    <a:pt x="8231" y="1"/>
+                  </a:moveTo>
+                  <a:lnTo>
+                    <a:pt x="6467" y="1774"/>
+                  </a:lnTo>
+                  <a:lnTo>
+                    <a:pt x="1" y="1774"/>
+                  </a:lnTo>
+                </a:path>
+              </a:pathLst>
+            </a:custGeom>
+            <a:noFill/>
+            <a:ln w="9525" cap="rnd" cmpd="sng">
+              <a:solidFill>
+                <a:schemeClr val="dk2"/>
+              </a:solidFill>
+              <a:prstDash val="solid"/>
+              <a:round/>
+              <a:headEnd type="none" w="sm" len="sm"/>
+              <a:tailEnd type="none" w="sm" len="sm"/>
+            </a:ln>
+          </p:spPr>
+          <p:txBody>
+            <a:bodyPr spcFirstLastPara="1" wrap="square" lIns="91425" tIns="91425" rIns="91425" bIns="91425" anchor="ctr" anchorCtr="0">
+              <a:noAutofit/>
+            </a:bodyPr>
+            <a:lstStyle/>
+            <a:p>
+              <a:pPr marL="0" lvl="0" indent="0" algn="l" rtl="0">
+                <a:spcBef>
+                  <a:spcPts val="0"/>
+                </a:spcBef>
+                <a:spcAft>
+                  <a:spcPts val="0"/>
+                </a:spcAft>
+                <a:buNone/>
+              </a:pPr>
+              <a:endParaRPr/>
+            </a:p>
+          </p:txBody>
+        </p:sp>
+        <p:sp>
+          <p:nvSpPr>
+            <p:cNvPr id="752" name="Google Shape;752;p46"/>
+            <p:cNvSpPr/>
+            <p:nvPr/>
+          </p:nvSpPr>
+          <p:spPr>
+            <a:xfrm>
+              <a:off x="4964150" y="2574325"/>
+              <a:ext cx="335200" cy="25"/>
+            </a:xfrm>
+            <a:custGeom>
+              <a:avLst/>
+              <a:gdLst/>
+              <a:ahLst/>
+              <a:cxnLst/>
+              <a:rect l="l" t="t" r="r" b="b"/>
+              <a:pathLst>
+                <a:path w="13408" h="1" fill="none" extrusionOk="0">
+                  <a:moveTo>
+                    <a:pt x="13407" y="1"/>
+                  </a:moveTo>
+                  <a:lnTo>
+                    <a:pt x="0" y="1"/>
+                  </a:lnTo>
+                </a:path>
+              </a:pathLst>
+            </a:custGeom>
+            <a:noFill/>
+            <a:ln w="9525" cap="rnd" cmpd="sng">
+              <a:solidFill>
+                <a:schemeClr val="dk2"/>
+              </a:solidFill>
+              <a:prstDash val="solid"/>
+              <a:round/>
+              <a:headEnd type="none" w="sm" len="sm"/>
+              <a:tailEnd type="none" w="sm" len="sm"/>
+            </a:ln>
+          </p:spPr>
+          <p:txBody>
+            <a:bodyPr spcFirstLastPara="1" wrap="square" lIns="91425" tIns="91425" rIns="91425" bIns="91425" anchor="ctr" anchorCtr="0">
+              <a:noAutofit/>
+            </a:bodyPr>
+            <a:lstStyle/>
+            <a:p>
+              <a:pPr marL="0" lvl="0" indent="0" algn="l" rtl="0">
+                <a:spcBef>
+                  <a:spcPts val="0"/>
+                </a:spcBef>
+                <a:spcAft>
+                  <a:spcPts val="0"/>
+                </a:spcAft>
+                <a:buNone/>
+              </a:pPr>
+              <a:endParaRPr/>
+            </a:p>
+          </p:txBody>
+        </p:sp>
+      </p:grpSp>
+      <p:sp>
+        <p:nvSpPr>
+          <p:cNvPr id="2" name="AutoShape 2" descr="Team 3D Illustration download in PNG, OBJ or Blend format"/>
+          <p:cNvSpPr>
+            <a:spLocks noChangeAspect="1" noChangeArrowheads="1"/>
+          </p:cNvSpPr>
+          <p:nvPr/>
+        </p:nvSpPr>
+        <p:spPr bwMode="auto">
+          <a:xfrm>
+            <a:off x="155575" y="-144463"/>
+            <a:ext cx="304800" cy="304801"/>
+          </a:xfrm>
+          <a:prstGeom prst="rect">
+            <a:avLst/>
+          </a:prstGeom>
+          <a:noFill/>
+          <a:extLst>
+            <a:ext uri="{909E8E84-426E-40DD-AFC4-6F175D3DCCD1}">
+              <a14:hiddenFill xmlns:a14="http://schemas.microsoft.com/office/drawing/2010/main">
+                <a:solidFill>
+                  <a:srgbClr val="FFFFFF"/>
+                </a:solidFill>
+              </a14:hiddenFill>
+            </a:ext>
+          </a:extLst>
+        </p:spPr>
+        <p:txBody>
+          <a:bodyPr vert="horz" wrap="square" lIns="91440" tIns="45720" rIns="91440" bIns="45720" numCol="1" anchor="t" anchorCtr="0" compatLnSpc="1">
+            <a:prstTxWarp prst="textNoShape">
+              <a:avLst/>
+            </a:prstTxWarp>
+          </a:bodyPr>
+          <a:lstStyle/>
+          <a:p>
+            <a:endParaRPr lang="en-US"/>
+          </a:p>
+        </p:txBody>
+      </p:sp>
+      <p:sp>
+        <p:nvSpPr>
+          <p:cNvPr id="5" name="Rectangle 4"/>
+          <p:cNvSpPr/>
+          <p:nvPr/>
+        </p:nvSpPr>
+        <p:spPr>
+          <a:xfrm>
+            <a:off x="2286000" y="1663809"/>
+            <a:ext cx="4572000" cy="1815882"/>
+          </a:xfrm>
+          <a:prstGeom prst="rect">
+            <a:avLst/>
+          </a:prstGeom>
+        </p:spPr>
+        <p:txBody>
+          <a:bodyPr>
+            <a:spAutoFit/>
+          </a:bodyPr>
+          <a:lstStyle/>
+          <a:p>
+            <a:r>
+              <a:rPr lang="en-US" dirty="0">
+                <a:solidFill>
+                  <a:schemeClr val="tx2"/>
+                </a:solidFill>
+              </a:rPr>
+              <a:t>https://codingburgas-my.sharepoint.com/:v:/g/personal/tsmadzharov21_codingburgas_bg/EVE_zv6QcF9Bsx4XeQD8rG4BmVCO21lD7CXUwhkOPuJJUw?nav=eyJyZWZlcnJhbEluZm8iOnsicmVmZXJyYWxBcHAiOiJPbmVEcml2ZUZvckJ1c2luZXNzIiwicmVmZXJyYWxBcHBQbGF0Zm9ybSI6IldlYiIsInJlZmVycmFsTW9kZSI6InZpZXciLCJyZWZlcnJhbFZpZXciOiJNeUZpbGVzTGlua0NvcHkifX0&amp;e=YreBgs</a:t>
+            </a:r>
+          </a:p>
+        </p:txBody>
+      </p:sp>
+      <p:sp>
+        <p:nvSpPr>
+          <p:cNvPr id="6" name="TextBox 5"/>
+          <p:cNvSpPr txBox="1"/>
+          <p:nvPr/>
+        </p:nvSpPr>
+        <p:spPr>
+          <a:xfrm flipH="1">
+            <a:off x="2536158" y="1330712"/>
+            <a:ext cx="1539180" cy="307777"/>
+          </a:xfrm>
+          <a:prstGeom prst="rect">
+            <a:avLst/>
+          </a:prstGeom>
+          <a:noFill/>
+        </p:spPr>
+        <p:txBody>
+          <a:bodyPr wrap="square" rtlCol="0">
+            <a:spAutoFit/>
+          </a:bodyPr>
+          <a:lstStyle/>
+          <a:p>
+            <a:r>
+              <a:rPr lang="en-US" dirty="0" smtClean="0">
+                <a:solidFill>
+                  <a:schemeClr val="tx2"/>
+                </a:solidFill>
+              </a:rPr>
+              <a:t>Video</a:t>
+            </a:r>
+            <a:endParaRPr lang="en-US" dirty="0">
+              <a:solidFill>
+                <a:schemeClr val="tx2"/>
+              </a:solidFill>
+            </a:endParaRPr>
+          </a:p>
+        </p:txBody>
+      </p:sp>
+    </p:spTree>
+    <p:extLst>
+      <p:ext uri="{BB962C8B-B14F-4D97-AF65-F5344CB8AC3E}">
+        <p14:creationId xmlns:p14="http://schemas.microsoft.com/office/powerpoint/2010/main" val="3807489065"/>
+      </p:ext>
+    </p:extLst>
+  </p:cSld>
+  <p:clrMapOvr>
+    <a:masterClrMapping/>
+  </p:clrMapOvr>
+  <p:timing>
+    <p:tnLst>
+      <p:par>
+        <p:cTn id="1" dur="indefinite" restart="never" nodeType="tmRoot"/>
+      </p:par>
+    </p:tnLst>
+  </p:timing>
+</p:sld>
+</file>
+
+<file path=ppt/slides/slide7.xml><?xml version="1.0" encoding="utf-8"?>
 <p:sld xmlns:a="http://schemas.openxmlformats.org/drawingml/2006/main" xmlns:r="http://schemas.openxmlformats.org/officeDocument/2006/relationships" xmlns:p="http://schemas.openxmlformats.org/presentationml/2006/main">
   <p:cSld>
     <p:spTree>
@@ -15354,15 +17721,7 @@
             </a:pPr>
             <a:r>
               <a:rPr lang="en" dirty="0" smtClean="0"/>
-              <a:t>Lets </a:t>
-            </a:r>
-            <a:r>
-              <a:rPr lang="en" dirty="0" smtClean="0"/>
-              <a:t>jump </a:t>
-            </a:r>
-            <a:r>
-              <a:rPr lang="en" dirty="0" smtClean="0"/>
-              <a:t>to the demo!</a:t>
+              <a:t>Thank you for the attention!</a:t>
             </a:r>
             <a:endParaRPr dirty="0"/>
           </a:p>
@@ -17574,6 +19933,13 @@
   <p:clrMapOvr>
     <a:masterClrMapping/>
   </p:clrMapOvr>
+  <p:timing>
+    <p:tnLst>
+      <p:par>
+        <p:cTn id="1" dur="indefinite" restart="never" nodeType="tmRoot"/>
+      </p:par>
+    </p:tnLst>
+  </p:timing>
 </p:sld>
 </file>
 
